--- a/arsw.pptx
+++ b/arsw.pptx
@@ -2,7 +2,7 @@
 <file path=ppt/presentation.xml><?xml version="1.0" encoding="utf-8"?>
 <p:presentation xmlns:a="http://schemas.openxmlformats.org/drawingml/2006/main" xmlns:r="http://schemas.openxmlformats.org/officeDocument/2006/relationships" xmlns:p="http://schemas.openxmlformats.org/presentationml/2006/main" saveSubsetFonts="1">
   <p:sldMasterIdLst>
-    <p:sldMasterId id="2147483660" r:id="rId1"/>
+    <p:sldMasterId id="2147483672" r:id="rId1"/>
   </p:sldMasterIdLst>
   <p:sldIdLst>
     <p:sldId id="256" r:id="rId2"/>
@@ -12,15 +12,6 @@
     <p:sldId id="263" r:id="rId6"/>
     <p:sldId id="264" r:id="rId7"/>
     <p:sldId id="265" r:id="rId8"/>
-    <p:sldId id="272" r:id="rId9"/>
-    <p:sldId id="267" r:id="rId10"/>
-    <p:sldId id="268" r:id="rId11"/>
-    <p:sldId id="269" r:id="rId12"/>
-    <p:sldId id="270" r:id="rId13"/>
-    <p:sldId id="271" r:id="rId14"/>
-    <p:sldId id="260" r:id="rId15"/>
-    <p:sldId id="259" r:id="rId16"/>
-    <p:sldId id="262" r:id="rId17"/>
   </p:sldIdLst>
   <p:sldSz cx="12192000" cy="6858000"/>
   <p:notesSz cx="6858000" cy="9144000"/>
@@ -128,8 +119,16 @@
 </file>
 
 <file path=ppt/slideLayouts/slideLayout1.xml><?xml version="1.0" encoding="utf-8"?>
-<p:sldLayout xmlns:a="http://schemas.openxmlformats.org/drawingml/2006/main" xmlns:r="http://schemas.openxmlformats.org/officeDocument/2006/relationships" xmlns:p="http://schemas.openxmlformats.org/presentationml/2006/main" type="title" preserve="1">
+<p:sldLayout xmlns:a="http://schemas.openxmlformats.org/drawingml/2006/main" xmlns:r="http://schemas.openxmlformats.org/officeDocument/2006/relationships" xmlns:p="http://schemas.openxmlformats.org/presentationml/2006/main" showMasterSp="0" type="title" preserve="1">
   <p:cSld name="Title Slide">
+    <p:bg>
+      <p:bgPr>
+        <a:solidFill>
+          <a:schemeClr val="accent1"/>
+        </a:solidFill>
+        <a:effectLst/>
+      </p:bgPr>
+    </p:bg>
     <p:spTree>
       <p:nvGrpSpPr>
         <p:cNvPr id="1" name=""/>
@@ -146,6 +145,1052 @@
       </p:grpSpPr>
       <p:sp>
         <p:nvSpPr>
+          <p:cNvPr id="11" name="Freeform 6" title="scalloped circle"/>
+          <p:cNvSpPr/>
+          <p:nvPr/>
+        </p:nvSpPr>
+        <p:spPr bwMode="auto">
+          <a:xfrm>
+            <a:off x="3557016" y="630936"/>
+            <a:ext cx="5235575" cy="5229225"/>
+          </a:xfrm>
+          <a:custGeom>
+            <a:avLst/>
+            <a:gdLst/>
+            <a:ahLst/>
+            <a:cxnLst/>
+            <a:rect l="0" t="0" r="r" b="b"/>
+            <a:pathLst>
+              <a:path w="3298" h="3294">
+                <a:moveTo>
+                  <a:pt x="1649" y="0"/>
+                </a:moveTo>
+                <a:lnTo>
+                  <a:pt x="1681" y="3"/>
+                </a:lnTo>
+                <a:lnTo>
+                  <a:pt x="1712" y="11"/>
+                </a:lnTo>
+                <a:lnTo>
+                  <a:pt x="1742" y="23"/>
+                </a:lnTo>
+                <a:lnTo>
+                  <a:pt x="1773" y="38"/>
+                </a:lnTo>
+                <a:lnTo>
+                  <a:pt x="1802" y="55"/>
+                </a:lnTo>
+                <a:lnTo>
+                  <a:pt x="1832" y="73"/>
+                </a:lnTo>
+                <a:lnTo>
+                  <a:pt x="1862" y="89"/>
+                </a:lnTo>
+                <a:lnTo>
+                  <a:pt x="1892" y="105"/>
+                </a:lnTo>
+                <a:lnTo>
+                  <a:pt x="1921" y="117"/>
+                </a:lnTo>
+                <a:lnTo>
+                  <a:pt x="1953" y="125"/>
+                </a:lnTo>
+                <a:lnTo>
+                  <a:pt x="1984" y="129"/>
+                </a:lnTo>
+                <a:lnTo>
+                  <a:pt x="2017" y="129"/>
+                </a:lnTo>
+                <a:lnTo>
+                  <a:pt x="2051" y="127"/>
+                </a:lnTo>
+                <a:lnTo>
+                  <a:pt x="2085" y="123"/>
+                </a:lnTo>
+                <a:lnTo>
+                  <a:pt x="2119" y="118"/>
+                </a:lnTo>
+                <a:lnTo>
+                  <a:pt x="2153" y="114"/>
+                </a:lnTo>
+                <a:lnTo>
+                  <a:pt x="2187" y="111"/>
+                </a:lnTo>
+                <a:lnTo>
+                  <a:pt x="2219" y="112"/>
+                </a:lnTo>
+                <a:lnTo>
+                  <a:pt x="2250" y="116"/>
+                </a:lnTo>
+                <a:lnTo>
+                  <a:pt x="2280" y="125"/>
+                </a:lnTo>
+                <a:lnTo>
+                  <a:pt x="2305" y="138"/>
+                </a:lnTo>
+                <a:lnTo>
+                  <a:pt x="2329" y="155"/>
+                </a:lnTo>
+                <a:lnTo>
+                  <a:pt x="2350" y="175"/>
+                </a:lnTo>
+                <a:lnTo>
+                  <a:pt x="2371" y="198"/>
+                </a:lnTo>
+                <a:lnTo>
+                  <a:pt x="2390" y="222"/>
+                </a:lnTo>
+                <a:lnTo>
+                  <a:pt x="2409" y="247"/>
+                </a:lnTo>
+                <a:lnTo>
+                  <a:pt x="2428" y="272"/>
+                </a:lnTo>
+                <a:lnTo>
+                  <a:pt x="2447" y="296"/>
+                </a:lnTo>
+                <a:lnTo>
+                  <a:pt x="2467" y="319"/>
+                </a:lnTo>
+                <a:lnTo>
+                  <a:pt x="2490" y="339"/>
+                </a:lnTo>
+                <a:lnTo>
+                  <a:pt x="2512" y="357"/>
+                </a:lnTo>
+                <a:lnTo>
+                  <a:pt x="2537" y="371"/>
+                </a:lnTo>
+                <a:lnTo>
+                  <a:pt x="2564" y="383"/>
+                </a:lnTo>
+                <a:lnTo>
+                  <a:pt x="2593" y="393"/>
+                </a:lnTo>
+                <a:lnTo>
+                  <a:pt x="2623" y="402"/>
+                </a:lnTo>
+                <a:lnTo>
+                  <a:pt x="2653" y="410"/>
+                </a:lnTo>
+                <a:lnTo>
+                  <a:pt x="2684" y="418"/>
+                </a:lnTo>
+                <a:lnTo>
+                  <a:pt x="2713" y="427"/>
+                </a:lnTo>
+                <a:lnTo>
+                  <a:pt x="2742" y="437"/>
+                </a:lnTo>
+                <a:lnTo>
+                  <a:pt x="2769" y="449"/>
+                </a:lnTo>
+                <a:lnTo>
+                  <a:pt x="2793" y="464"/>
+                </a:lnTo>
+                <a:lnTo>
+                  <a:pt x="2815" y="482"/>
+                </a:lnTo>
+                <a:lnTo>
+                  <a:pt x="2833" y="504"/>
+                </a:lnTo>
+                <a:lnTo>
+                  <a:pt x="2848" y="528"/>
+                </a:lnTo>
+                <a:lnTo>
+                  <a:pt x="2860" y="555"/>
+                </a:lnTo>
+                <a:lnTo>
+                  <a:pt x="2870" y="584"/>
+                </a:lnTo>
+                <a:lnTo>
+                  <a:pt x="2879" y="613"/>
+                </a:lnTo>
+                <a:lnTo>
+                  <a:pt x="2887" y="644"/>
+                </a:lnTo>
+                <a:lnTo>
+                  <a:pt x="2895" y="674"/>
+                </a:lnTo>
+                <a:lnTo>
+                  <a:pt x="2904" y="704"/>
+                </a:lnTo>
+                <a:lnTo>
+                  <a:pt x="2914" y="733"/>
+                </a:lnTo>
+                <a:lnTo>
+                  <a:pt x="2926" y="760"/>
+                </a:lnTo>
+                <a:lnTo>
+                  <a:pt x="2940" y="785"/>
+                </a:lnTo>
+                <a:lnTo>
+                  <a:pt x="2958" y="807"/>
+                </a:lnTo>
+                <a:lnTo>
+                  <a:pt x="2978" y="830"/>
+                </a:lnTo>
+                <a:lnTo>
+                  <a:pt x="3001" y="850"/>
+                </a:lnTo>
+                <a:lnTo>
+                  <a:pt x="3025" y="869"/>
+                </a:lnTo>
+                <a:lnTo>
+                  <a:pt x="3051" y="888"/>
+                </a:lnTo>
+                <a:lnTo>
+                  <a:pt x="3076" y="907"/>
+                </a:lnTo>
+                <a:lnTo>
+                  <a:pt x="3100" y="926"/>
+                </a:lnTo>
+                <a:lnTo>
+                  <a:pt x="3123" y="947"/>
+                </a:lnTo>
+                <a:lnTo>
+                  <a:pt x="3143" y="968"/>
+                </a:lnTo>
+                <a:lnTo>
+                  <a:pt x="3160" y="992"/>
+                </a:lnTo>
+                <a:lnTo>
+                  <a:pt x="3173" y="1017"/>
+                </a:lnTo>
+                <a:lnTo>
+                  <a:pt x="3182" y="1047"/>
+                </a:lnTo>
+                <a:lnTo>
+                  <a:pt x="3186" y="1078"/>
+                </a:lnTo>
+                <a:lnTo>
+                  <a:pt x="3187" y="1110"/>
+                </a:lnTo>
+                <a:lnTo>
+                  <a:pt x="3184" y="1144"/>
+                </a:lnTo>
+                <a:lnTo>
+                  <a:pt x="3180" y="1178"/>
+                </a:lnTo>
+                <a:lnTo>
+                  <a:pt x="3175" y="1212"/>
+                </a:lnTo>
+                <a:lnTo>
+                  <a:pt x="3171" y="1246"/>
+                </a:lnTo>
+                <a:lnTo>
+                  <a:pt x="3169" y="1280"/>
+                </a:lnTo>
+                <a:lnTo>
+                  <a:pt x="3169" y="1313"/>
+                </a:lnTo>
+                <a:lnTo>
+                  <a:pt x="3173" y="1344"/>
+                </a:lnTo>
+                <a:lnTo>
+                  <a:pt x="3181" y="1375"/>
+                </a:lnTo>
+                <a:lnTo>
+                  <a:pt x="3193" y="1404"/>
+                </a:lnTo>
+                <a:lnTo>
+                  <a:pt x="3209" y="1434"/>
+                </a:lnTo>
+                <a:lnTo>
+                  <a:pt x="3225" y="1464"/>
+                </a:lnTo>
+                <a:lnTo>
+                  <a:pt x="3243" y="1494"/>
+                </a:lnTo>
+                <a:lnTo>
+                  <a:pt x="3260" y="1523"/>
+                </a:lnTo>
+                <a:lnTo>
+                  <a:pt x="3275" y="1554"/>
+                </a:lnTo>
+                <a:lnTo>
+                  <a:pt x="3287" y="1584"/>
+                </a:lnTo>
+                <a:lnTo>
+                  <a:pt x="3295" y="1615"/>
+                </a:lnTo>
+                <a:lnTo>
+                  <a:pt x="3298" y="1647"/>
+                </a:lnTo>
+                <a:lnTo>
+                  <a:pt x="3295" y="1679"/>
+                </a:lnTo>
+                <a:lnTo>
+                  <a:pt x="3287" y="1710"/>
+                </a:lnTo>
+                <a:lnTo>
+                  <a:pt x="3275" y="1740"/>
+                </a:lnTo>
+                <a:lnTo>
+                  <a:pt x="3260" y="1771"/>
+                </a:lnTo>
+                <a:lnTo>
+                  <a:pt x="3243" y="1800"/>
+                </a:lnTo>
+                <a:lnTo>
+                  <a:pt x="3225" y="1830"/>
+                </a:lnTo>
+                <a:lnTo>
+                  <a:pt x="3209" y="1860"/>
+                </a:lnTo>
+                <a:lnTo>
+                  <a:pt x="3193" y="1890"/>
+                </a:lnTo>
+                <a:lnTo>
+                  <a:pt x="3181" y="1919"/>
+                </a:lnTo>
+                <a:lnTo>
+                  <a:pt x="3173" y="1950"/>
+                </a:lnTo>
+                <a:lnTo>
+                  <a:pt x="3169" y="1981"/>
+                </a:lnTo>
+                <a:lnTo>
+                  <a:pt x="3169" y="2014"/>
+                </a:lnTo>
+                <a:lnTo>
+                  <a:pt x="3171" y="2048"/>
+                </a:lnTo>
+                <a:lnTo>
+                  <a:pt x="3175" y="2082"/>
+                </a:lnTo>
+                <a:lnTo>
+                  <a:pt x="3180" y="2116"/>
+                </a:lnTo>
+                <a:lnTo>
+                  <a:pt x="3184" y="2150"/>
+                </a:lnTo>
+                <a:lnTo>
+                  <a:pt x="3187" y="2184"/>
+                </a:lnTo>
+                <a:lnTo>
+                  <a:pt x="3186" y="2216"/>
+                </a:lnTo>
+                <a:lnTo>
+                  <a:pt x="3182" y="2247"/>
+                </a:lnTo>
+                <a:lnTo>
+                  <a:pt x="3173" y="2277"/>
+                </a:lnTo>
+                <a:lnTo>
+                  <a:pt x="3160" y="2302"/>
+                </a:lnTo>
+                <a:lnTo>
+                  <a:pt x="3143" y="2326"/>
+                </a:lnTo>
+                <a:lnTo>
+                  <a:pt x="3123" y="2347"/>
+                </a:lnTo>
+                <a:lnTo>
+                  <a:pt x="3100" y="2368"/>
+                </a:lnTo>
+                <a:lnTo>
+                  <a:pt x="3076" y="2387"/>
+                </a:lnTo>
+                <a:lnTo>
+                  <a:pt x="3051" y="2406"/>
+                </a:lnTo>
+                <a:lnTo>
+                  <a:pt x="3025" y="2425"/>
+                </a:lnTo>
+                <a:lnTo>
+                  <a:pt x="3001" y="2444"/>
+                </a:lnTo>
+                <a:lnTo>
+                  <a:pt x="2978" y="2464"/>
+                </a:lnTo>
+                <a:lnTo>
+                  <a:pt x="2958" y="2487"/>
+                </a:lnTo>
+                <a:lnTo>
+                  <a:pt x="2940" y="2509"/>
+                </a:lnTo>
+                <a:lnTo>
+                  <a:pt x="2926" y="2534"/>
+                </a:lnTo>
+                <a:lnTo>
+                  <a:pt x="2914" y="2561"/>
+                </a:lnTo>
+                <a:lnTo>
+                  <a:pt x="2904" y="2590"/>
+                </a:lnTo>
+                <a:lnTo>
+                  <a:pt x="2895" y="2620"/>
+                </a:lnTo>
+                <a:lnTo>
+                  <a:pt x="2887" y="2650"/>
+                </a:lnTo>
+                <a:lnTo>
+                  <a:pt x="2879" y="2681"/>
+                </a:lnTo>
+                <a:lnTo>
+                  <a:pt x="2870" y="2710"/>
+                </a:lnTo>
+                <a:lnTo>
+                  <a:pt x="2860" y="2739"/>
+                </a:lnTo>
+                <a:lnTo>
+                  <a:pt x="2848" y="2766"/>
+                </a:lnTo>
+                <a:lnTo>
+                  <a:pt x="2833" y="2790"/>
+                </a:lnTo>
+                <a:lnTo>
+                  <a:pt x="2815" y="2812"/>
+                </a:lnTo>
+                <a:lnTo>
+                  <a:pt x="2793" y="2830"/>
+                </a:lnTo>
+                <a:lnTo>
+                  <a:pt x="2769" y="2845"/>
+                </a:lnTo>
+                <a:lnTo>
+                  <a:pt x="2742" y="2857"/>
+                </a:lnTo>
+                <a:lnTo>
+                  <a:pt x="2713" y="2867"/>
+                </a:lnTo>
+                <a:lnTo>
+                  <a:pt x="2684" y="2876"/>
+                </a:lnTo>
+                <a:lnTo>
+                  <a:pt x="2653" y="2884"/>
+                </a:lnTo>
+                <a:lnTo>
+                  <a:pt x="2623" y="2892"/>
+                </a:lnTo>
+                <a:lnTo>
+                  <a:pt x="2593" y="2901"/>
+                </a:lnTo>
+                <a:lnTo>
+                  <a:pt x="2564" y="2911"/>
+                </a:lnTo>
+                <a:lnTo>
+                  <a:pt x="2537" y="2923"/>
+                </a:lnTo>
+                <a:lnTo>
+                  <a:pt x="2512" y="2937"/>
+                </a:lnTo>
+                <a:lnTo>
+                  <a:pt x="2490" y="2955"/>
+                </a:lnTo>
+                <a:lnTo>
+                  <a:pt x="2467" y="2975"/>
+                </a:lnTo>
+                <a:lnTo>
+                  <a:pt x="2447" y="2998"/>
+                </a:lnTo>
+                <a:lnTo>
+                  <a:pt x="2428" y="3022"/>
+                </a:lnTo>
+                <a:lnTo>
+                  <a:pt x="2409" y="3047"/>
+                </a:lnTo>
+                <a:lnTo>
+                  <a:pt x="2390" y="3072"/>
+                </a:lnTo>
+                <a:lnTo>
+                  <a:pt x="2371" y="3096"/>
+                </a:lnTo>
+                <a:lnTo>
+                  <a:pt x="2350" y="3119"/>
+                </a:lnTo>
+                <a:lnTo>
+                  <a:pt x="2329" y="3139"/>
+                </a:lnTo>
+                <a:lnTo>
+                  <a:pt x="2305" y="3156"/>
+                </a:lnTo>
+                <a:lnTo>
+                  <a:pt x="2280" y="3169"/>
+                </a:lnTo>
+                <a:lnTo>
+                  <a:pt x="2250" y="3178"/>
+                </a:lnTo>
+                <a:lnTo>
+                  <a:pt x="2219" y="3182"/>
+                </a:lnTo>
+                <a:lnTo>
+                  <a:pt x="2187" y="3183"/>
+                </a:lnTo>
+                <a:lnTo>
+                  <a:pt x="2153" y="3180"/>
+                </a:lnTo>
+                <a:lnTo>
+                  <a:pt x="2119" y="3176"/>
+                </a:lnTo>
+                <a:lnTo>
+                  <a:pt x="2085" y="3171"/>
+                </a:lnTo>
+                <a:lnTo>
+                  <a:pt x="2051" y="3167"/>
+                </a:lnTo>
+                <a:lnTo>
+                  <a:pt x="2017" y="3165"/>
+                </a:lnTo>
+                <a:lnTo>
+                  <a:pt x="1984" y="3165"/>
+                </a:lnTo>
+                <a:lnTo>
+                  <a:pt x="1953" y="3169"/>
+                </a:lnTo>
+                <a:lnTo>
+                  <a:pt x="1921" y="3177"/>
+                </a:lnTo>
+                <a:lnTo>
+                  <a:pt x="1892" y="3189"/>
+                </a:lnTo>
+                <a:lnTo>
+                  <a:pt x="1862" y="3205"/>
+                </a:lnTo>
+                <a:lnTo>
+                  <a:pt x="1832" y="3221"/>
+                </a:lnTo>
+                <a:lnTo>
+                  <a:pt x="1802" y="3239"/>
+                </a:lnTo>
+                <a:lnTo>
+                  <a:pt x="1773" y="3256"/>
+                </a:lnTo>
+                <a:lnTo>
+                  <a:pt x="1742" y="3271"/>
+                </a:lnTo>
+                <a:lnTo>
+                  <a:pt x="1712" y="3283"/>
+                </a:lnTo>
+                <a:lnTo>
+                  <a:pt x="1681" y="3291"/>
+                </a:lnTo>
+                <a:lnTo>
+                  <a:pt x="1649" y="3294"/>
+                </a:lnTo>
+                <a:lnTo>
+                  <a:pt x="1617" y="3291"/>
+                </a:lnTo>
+                <a:lnTo>
+                  <a:pt x="1586" y="3283"/>
+                </a:lnTo>
+                <a:lnTo>
+                  <a:pt x="1556" y="3271"/>
+                </a:lnTo>
+                <a:lnTo>
+                  <a:pt x="1525" y="3256"/>
+                </a:lnTo>
+                <a:lnTo>
+                  <a:pt x="1496" y="3239"/>
+                </a:lnTo>
+                <a:lnTo>
+                  <a:pt x="1466" y="3221"/>
+                </a:lnTo>
+                <a:lnTo>
+                  <a:pt x="1436" y="3205"/>
+                </a:lnTo>
+                <a:lnTo>
+                  <a:pt x="1406" y="3189"/>
+                </a:lnTo>
+                <a:lnTo>
+                  <a:pt x="1376" y="3177"/>
+                </a:lnTo>
+                <a:lnTo>
+                  <a:pt x="1345" y="3169"/>
+                </a:lnTo>
+                <a:lnTo>
+                  <a:pt x="1314" y="3165"/>
+                </a:lnTo>
+                <a:lnTo>
+                  <a:pt x="1281" y="3165"/>
+                </a:lnTo>
+                <a:lnTo>
+                  <a:pt x="1247" y="3167"/>
+                </a:lnTo>
+                <a:lnTo>
+                  <a:pt x="1213" y="3171"/>
+                </a:lnTo>
+                <a:lnTo>
+                  <a:pt x="1179" y="3176"/>
+                </a:lnTo>
+                <a:lnTo>
+                  <a:pt x="1145" y="3180"/>
+                </a:lnTo>
+                <a:lnTo>
+                  <a:pt x="1111" y="3183"/>
+                </a:lnTo>
+                <a:lnTo>
+                  <a:pt x="1079" y="3182"/>
+                </a:lnTo>
+                <a:lnTo>
+                  <a:pt x="1048" y="3178"/>
+                </a:lnTo>
+                <a:lnTo>
+                  <a:pt x="1018" y="3169"/>
+                </a:lnTo>
+                <a:lnTo>
+                  <a:pt x="993" y="3156"/>
+                </a:lnTo>
+                <a:lnTo>
+                  <a:pt x="969" y="3139"/>
+                </a:lnTo>
+                <a:lnTo>
+                  <a:pt x="948" y="3119"/>
+                </a:lnTo>
+                <a:lnTo>
+                  <a:pt x="927" y="3096"/>
+                </a:lnTo>
+                <a:lnTo>
+                  <a:pt x="908" y="3072"/>
+                </a:lnTo>
+                <a:lnTo>
+                  <a:pt x="889" y="3047"/>
+                </a:lnTo>
+                <a:lnTo>
+                  <a:pt x="870" y="3022"/>
+                </a:lnTo>
+                <a:lnTo>
+                  <a:pt x="851" y="2998"/>
+                </a:lnTo>
+                <a:lnTo>
+                  <a:pt x="831" y="2975"/>
+                </a:lnTo>
+                <a:lnTo>
+                  <a:pt x="808" y="2955"/>
+                </a:lnTo>
+                <a:lnTo>
+                  <a:pt x="786" y="2937"/>
+                </a:lnTo>
+                <a:lnTo>
+                  <a:pt x="761" y="2923"/>
+                </a:lnTo>
+                <a:lnTo>
+                  <a:pt x="734" y="2911"/>
+                </a:lnTo>
+                <a:lnTo>
+                  <a:pt x="705" y="2901"/>
+                </a:lnTo>
+                <a:lnTo>
+                  <a:pt x="675" y="2892"/>
+                </a:lnTo>
+                <a:lnTo>
+                  <a:pt x="645" y="2884"/>
+                </a:lnTo>
+                <a:lnTo>
+                  <a:pt x="614" y="2876"/>
+                </a:lnTo>
+                <a:lnTo>
+                  <a:pt x="585" y="2867"/>
+                </a:lnTo>
+                <a:lnTo>
+                  <a:pt x="556" y="2857"/>
+                </a:lnTo>
+                <a:lnTo>
+                  <a:pt x="529" y="2845"/>
+                </a:lnTo>
+                <a:lnTo>
+                  <a:pt x="505" y="2830"/>
+                </a:lnTo>
+                <a:lnTo>
+                  <a:pt x="483" y="2812"/>
+                </a:lnTo>
+                <a:lnTo>
+                  <a:pt x="465" y="2790"/>
+                </a:lnTo>
+                <a:lnTo>
+                  <a:pt x="450" y="2766"/>
+                </a:lnTo>
+                <a:lnTo>
+                  <a:pt x="438" y="2739"/>
+                </a:lnTo>
+                <a:lnTo>
+                  <a:pt x="428" y="2710"/>
+                </a:lnTo>
+                <a:lnTo>
+                  <a:pt x="419" y="2681"/>
+                </a:lnTo>
+                <a:lnTo>
+                  <a:pt x="411" y="2650"/>
+                </a:lnTo>
+                <a:lnTo>
+                  <a:pt x="403" y="2620"/>
+                </a:lnTo>
+                <a:lnTo>
+                  <a:pt x="394" y="2590"/>
+                </a:lnTo>
+                <a:lnTo>
+                  <a:pt x="384" y="2561"/>
+                </a:lnTo>
+                <a:lnTo>
+                  <a:pt x="372" y="2534"/>
+                </a:lnTo>
+                <a:lnTo>
+                  <a:pt x="358" y="2509"/>
+                </a:lnTo>
+                <a:lnTo>
+                  <a:pt x="340" y="2487"/>
+                </a:lnTo>
+                <a:lnTo>
+                  <a:pt x="320" y="2464"/>
+                </a:lnTo>
+                <a:lnTo>
+                  <a:pt x="297" y="2444"/>
+                </a:lnTo>
+                <a:lnTo>
+                  <a:pt x="272" y="2425"/>
+                </a:lnTo>
+                <a:lnTo>
+                  <a:pt x="247" y="2406"/>
+                </a:lnTo>
+                <a:lnTo>
+                  <a:pt x="222" y="2387"/>
+                </a:lnTo>
+                <a:lnTo>
+                  <a:pt x="198" y="2368"/>
+                </a:lnTo>
+                <a:lnTo>
+                  <a:pt x="175" y="2347"/>
+                </a:lnTo>
+                <a:lnTo>
+                  <a:pt x="155" y="2326"/>
+                </a:lnTo>
+                <a:lnTo>
+                  <a:pt x="138" y="2302"/>
+                </a:lnTo>
+                <a:lnTo>
+                  <a:pt x="125" y="2277"/>
+                </a:lnTo>
+                <a:lnTo>
+                  <a:pt x="116" y="2247"/>
+                </a:lnTo>
+                <a:lnTo>
+                  <a:pt x="112" y="2216"/>
+                </a:lnTo>
+                <a:lnTo>
+                  <a:pt x="111" y="2184"/>
+                </a:lnTo>
+                <a:lnTo>
+                  <a:pt x="114" y="2150"/>
+                </a:lnTo>
+                <a:lnTo>
+                  <a:pt x="118" y="2116"/>
+                </a:lnTo>
+                <a:lnTo>
+                  <a:pt x="123" y="2082"/>
+                </a:lnTo>
+                <a:lnTo>
+                  <a:pt x="127" y="2048"/>
+                </a:lnTo>
+                <a:lnTo>
+                  <a:pt x="129" y="2014"/>
+                </a:lnTo>
+                <a:lnTo>
+                  <a:pt x="129" y="1981"/>
+                </a:lnTo>
+                <a:lnTo>
+                  <a:pt x="125" y="1950"/>
+                </a:lnTo>
+                <a:lnTo>
+                  <a:pt x="117" y="1919"/>
+                </a:lnTo>
+                <a:lnTo>
+                  <a:pt x="105" y="1890"/>
+                </a:lnTo>
+                <a:lnTo>
+                  <a:pt x="90" y="1860"/>
+                </a:lnTo>
+                <a:lnTo>
+                  <a:pt x="73" y="1830"/>
+                </a:lnTo>
+                <a:lnTo>
+                  <a:pt x="55" y="1800"/>
+                </a:lnTo>
+                <a:lnTo>
+                  <a:pt x="38" y="1771"/>
+                </a:lnTo>
+                <a:lnTo>
+                  <a:pt x="23" y="1740"/>
+                </a:lnTo>
+                <a:lnTo>
+                  <a:pt x="11" y="1710"/>
+                </a:lnTo>
+                <a:lnTo>
+                  <a:pt x="3" y="1679"/>
+                </a:lnTo>
+                <a:lnTo>
+                  <a:pt x="0" y="1647"/>
+                </a:lnTo>
+                <a:lnTo>
+                  <a:pt x="3" y="1615"/>
+                </a:lnTo>
+                <a:lnTo>
+                  <a:pt x="11" y="1584"/>
+                </a:lnTo>
+                <a:lnTo>
+                  <a:pt x="23" y="1554"/>
+                </a:lnTo>
+                <a:lnTo>
+                  <a:pt x="38" y="1523"/>
+                </a:lnTo>
+                <a:lnTo>
+                  <a:pt x="55" y="1494"/>
+                </a:lnTo>
+                <a:lnTo>
+                  <a:pt x="73" y="1464"/>
+                </a:lnTo>
+                <a:lnTo>
+                  <a:pt x="90" y="1434"/>
+                </a:lnTo>
+                <a:lnTo>
+                  <a:pt x="105" y="1404"/>
+                </a:lnTo>
+                <a:lnTo>
+                  <a:pt x="117" y="1375"/>
+                </a:lnTo>
+                <a:lnTo>
+                  <a:pt x="125" y="1344"/>
+                </a:lnTo>
+                <a:lnTo>
+                  <a:pt x="129" y="1313"/>
+                </a:lnTo>
+                <a:lnTo>
+                  <a:pt x="129" y="1280"/>
+                </a:lnTo>
+                <a:lnTo>
+                  <a:pt x="127" y="1246"/>
+                </a:lnTo>
+                <a:lnTo>
+                  <a:pt x="123" y="1212"/>
+                </a:lnTo>
+                <a:lnTo>
+                  <a:pt x="118" y="1178"/>
+                </a:lnTo>
+                <a:lnTo>
+                  <a:pt x="114" y="1144"/>
+                </a:lnTo>
+                <a:lnTo>
+                  <a:pt x="111" y="1110"/>
+                </a:lnTo>
+                <a:lnTo>
+                  <a:pt x="112" y="1078"/>
+                </a:lnTo>
+                <a:lnTo>
+                  <a:pt x="116" y="1047"/>
+                </a:lnTo>
+                <a:lnTo>
+                  <a:pt x="125" y="1017"/>
+                </a:lnTo>
+                <a:lnTo>
+                  <a:pt x="138" y="992"/>
+                </a:lnTo>
+                <a:lnTo>
+                  <a:pt x="155" y="968"/>
+                </a:lnTo>
+                <a:lnTo>
+                  <a:pt x="175" y="947"/>
+                </a:lnTo>
+                <a:lnTo>
+                  <a:pt x="198" y="926"/>
+                </a:lnTo>
+                <a:lnTo>
+                  <a:pt x="222" y="907"/>
+                </a:lnTo>
+                <a:lnTo>
+                  <a:pt x="247" y="888"/>
+                </a:lnTo>
+                <a:lnTo>
+                  <a:pt x="272" y="869"/>
+                </a:lnTo>
+                <a:lnTo>
+                  <a:pt x="297" y="850"/>
+                </a:lnTo>
+                <a:lnTo>
+                  <a:pt x="320" y="830"/>
+                </a:lnTo>
+                <a:lnTo>
+                  <a:pt x="340" y="807"/>
+                </a:lnTo>
+                <a:lnTo>
+                  <a:pt x="358" y="785"/>
+                </a:lnTo>
+                <a:lnTo>
+                  <a:pt x="372" y="760"/>
+                </a:lnTo>
+                <a:lnTo>
+                  <a:pt x="384" y="733"/>
+                </a:lnTo>
+                <a:lnTo>
+                  <a:pt x="394" y="704"/>
+                </a:lnTo>
+                <a:lnTo>
+                  <a:pt x="403" y="674"/>
+                </a:lnTo>
+                <a:lnTo>
+                  <a:pt x="411" y="644"/>
+                </a:lnTo>
+                <a:lnTo>
+                  <a:pt x="419" y="613"/>
+                </a:lnTo>
+                <a:lnTo>
+                  <a:pt x="428" y="584"/>
+                </a:lnTo>
+                <a:lnTo>
+                  <a:pt x="438" y="555"/>
+                </a:lnTo>
+                <a:lnTo>
+                  <a:pt x="450" y="528"/>
+                </a:lnTo>
+                <a:lnTo>
+                  <a:pt x="465" y="504"/>
+                </a:lnTo>
+                <a:lnTo>
+                  <a:pt x="483" y="482"/>
+                </a:lnTo>
+                <a:lnTo>
+                  <a:pt x="505" y="464"/>
+                </a:lnTo>
+                <a:lnTo>
+                  <a:pt x="529" y="449"/>
+                </a:lnTo>
+                <a:lnTo>
+                  <a:pt x="556" y="437"/>
+                </a:lnTo>
+                <a:lnTo>
+                  <a:pt x="585" y="427"/>
+                </a:lnTo>
+                <a:lnTo>
+                  <a:pt x="614" y="418"/>
+                </a:lnTo>
+                <a:lnTo>
+                  <a:pt x="645" y="410"/>
+                </a:lnTo>
+                <a:lnTo>
+                  <a:pt x="675" y="402"/>
+                </a:lnTo>
+                <a:lnTo>
+                  <a:pt x="705" y="393"/>
+                </a:lnTo>
+                <a:lnTo>
+                  <a:pt x="734" y="383"/>
+                </a:lnTo>
+                <a:lnTo>
+                  <a:pt x="761" y="371"/>
+                </a:lnTo>
+                <a:lnTo>
+                  <a:pt x="786" y="357"/>
+                </a:lnTo>
+                <a:lnTo>
+                  <a:pt x="808" y="339"/>
+                </a:lnTo>
+                <a:lnTo>
+                  <a:pt x="831" y="319"/>
+                </a:lnTo>
+                <a:lnTo>
+                  <a:pt x="851" y="296"/>
+                </a:lnTo>
+                <a:lnTo>
+                  <a:pt x="870" y="272"/>
+                </a:lnTo>
+                <a:lnTo>
+                  <a:pt x="889" y="247"/>
+                </a:lnTo>
+                <a:lnTo>
+                  <a:pt x="908" y="222"/>
+                </a:lnTo>
+                <a:lnTo>
+                  <a:pt x="927" y="198"/>
+                </a:lnTo>
+                <a:lnTo>
+                  <a:pt x="948" y="175"/>
+                </a:lnTo>
+                <a:lnTo>
+                  <a:pt x="969" y="155"/>
+                </a:lnTo>
+                <a:lnTo>
+                  <a:pt x="993" y="138"/>
+                </a:lnTo>
+                <a:lnTo>
+                  <a:pt x="1018" y="125"/>
+                </a:lnTo>
+                <a:lnTo>
+                  <a:pt x="1048" y="116"/>
+                </a:lnTo>
+                <a:lnTo>
+                  <a:pt x="1079" y="112"/>
+                </a:lnTo>
+                <a:lnTo>
+                  <a:pt x="1111" y="111"/>
+                </a:lnTo>
+                <a:lnTo>
+                  <a:pt x="1145" y="114"/>
+                </a:lnTo>
+                <a:lnTo>
+                  <a:pt x="1179" y="118"/>
+                </a:lnTo>
+                <a:lnTo>
+                  <a:pt x="1213" y="123"/>
+                </a:lnTo>
+                <a:lnTo>
+                  <a:pt x="1247" y="127"/>
+                </a:lnTo>
+                <a:lnTo>
+                  <a:pt x="1281" y="129"/>
+                </a:lnTo>
+                <a:lnTo>
+                  <a:pt x="1314" y="129"/>
+                </a:lnTo>
+                <a:lnTo>
+                  <a:pt x="1345" y="125"/>
+                </a:lnTo>
+                <a:lnTo>
+                  <a:pt x="1376" y="117"/>
+                </a:lnTo>
+                <a:lnTo>
+                  <a:pt x="1406" y="105"/>
+                </a:lnTo>
+                <a:lnTo>
+                  <a:pt x="1436" y="89"/>
+                </a:lnTo>
+                <a:lnTo>
+                  <a:pt x="1466" y="73"/>
+                </a:lnTo>
+                <a:lnTo>
+                  <a:pt x="1496" y="55"/>
+                </a:lnTo>
+                <a:lnTo>
+                  <a:pt x="1525" y="38"/>
+                </a:lnTo>
+                <a:lnTo>
+                  <a:pt x="1556" y="23"/>
+                </a:lnTo>
+                <a:lnTo>
+                  <a:pt x="1586" y="11"/>
+                </a:lnTo>
+                <a:lnTo>
+                  <a:pt x="1617" y="3"/>
+                </a:lnTo>
+                <a:lnTo>
+                  <a:pt x="1649" y="0"/>
+                </a:lnTo>
+                <a:close/>
+              </a:path>
+            </a:pathLst>
+          </a:custGeom>
+          <a:solidFill>
+            <a:schemeClr val="bg2"/>
+          </a:solidFill>
+          <a:ln w="0">
+            <a:noFill/>
+            <a:prstDash val="solid"/>
+            <a:round/>
+            <a:headEnd/>
+            <a:tailEnd/>
+          </a:ln>
+        </p:spPr>
+      </p:sp>
+      <p:sp>
+        <p:nvSpPr>
           <p:cNvPr id="2" name="Title 1"/>
           <p:cNvSpPr>
             <a:spLocks noGrp="1"/>
@@ -156,17 +1201,17 @@
         </p:nvSpPr>
         <p:spPr>
           <a:xfrm>
-            <a:off x="2417779" y="802298"/>
-            <a:ext cx="8637073" cy="2541431"/>
+            <a:off x="1078523" y="1098388"/>
+            <a:ext cx="10318418" cy="4394988"/>
           </a:xfrm>
         </p:spPr>
         <p:txBody>
-          <a:bodyPr bIns="0" anchor="b">
-            <a:normAutofit/>
+          <a:bodyPr anchor="ctr">
+            <a:noAutofit/>
           </a:bodyPr>
           <a:lstStyle>
-            <a:lvl1pPr algn="l">
-              <a:defRPr sz="6600"/>
+            <a:lvl1pPr algn="ctr">
+              <a:defRPr sz="10000" spc="800" baseline="0"/>
             </a:lvl1pPr>
           </a:lstStyle>
           <a:p>
@@ -190,26 +1235,29 @@
         </p:nvSpPr>
         <p:spPr>
           <a:xfrm>
-            <a:off x="2417780" y="3531204"/>
-            <a:ext cx="8637072" cy="977621"/>
+            <a:off x="2215045" y="5979196"/>
+            <a:ext cx="8045373" cy="742279"/>
           </a:xfrm>
         </p:spPr>
         <p:txBody>
-          <a:bodyPr tIns="91440" bIns="91440">
+          <a:bodyPr anchor="t">
             <a:normAutofit/>
           </a:bodyPr>
           <a:lstStyle>
-            <a:lvl1pPr marL="0" indent="0" algn="l">
+            <a:lvl1pPr marL="0" indent="0" algn="ctr">
+              <a:lnSpc>
+                <a:spcPct val="100000"/>
+              </a:lnSpc>
               <a:buNone/>
-              <a:defRPr sz="1800" b="0" cap="all" baseline="0">
+              <a:defRPr sz="2000" b="1" i="0" cap="all" spc="400" baseline="0">
                 <a:solidFill>
-                  <a:schemeClr val="tx1"/>
+                  <a:schemeClr val="tx2"/>
                 </a:solidFill>
               </a:defRPr>
             </a:lvl1pPr>
             <a:lvl2pPr marL="457200" indent="0" algn="ctr">
               <a:buNone/>
-              <a:defRPr sz="1800"/>
+              <a:defRPr sz="2000"/>
             </a:lvl2pPr>
             <a:lvl3pPr marL="914400" indent="0" algn="ctr">
               <a:buNone/>
@@ -259,10 +1307,25 @@
             <p:ph type="dt" sz="half" idx="10"/>
           </p:nvPr>
         </p:nvSpPr>
-        <p:spPr/>
+        <p:spPr>
+          <a:xfrm>
+            <a:off x="1078523" y="6375679"/>
+            <a:ext cx="2329722" cy="348462"/>
+          </a:xfrm>
+        </p:spPr>
         <p:txBody>
           <a:bodyPr/>
-          <a:lstStyle/>
+          <a:lstStyle>
+            <a:lvl1pPr>
+              <a:defRPr baseline="0">
+                <a:solidFill>
+                  <a:schemeClr val="accent1">
+                    <a:lumMod val="50000"/>
+                  </a:schemeClr>
+                </a:solidFill>
+              </a:defRPr>
+            </a:lvl1pPr>
+          </a:lstStyle>
           <a:p>
             <a:fld id="{C9E84918-8141-40FB-A98F-6F9361A5FE0F}" type="datetimeFigureOut">
               <a:rPr lang="en-US" smtClean="0"/>
@@ -284,13 +1347,23 @@
         </p:nvSpPr>
         <p:spPr>
           <a:xfrm>
-            <a:off x="2416500" y="329307"/>
-            <a:ext cx="4973915" cy="309201"/>
+            <a:off x="4180332" y="6375679"/>
+            <a:ext cx="4114800" cy="345796"/>
           </a:xfrm>
         </p:spPr>
         <p:txBody>
           <a:bodyPr/>
-          <a:lstStyle/>
+          <a:lstStyle>
+            <a:lvl1pPr>
+              <a:defRPr baseline="0">
+                <a:solidFill>
+                  <a:schemeClr val="accent1">
+                    <a:lumMod val="50000"/>
+                  </a:schemeClr>
+                </a:solidFill>
+              </a:defRPr>
+            </a:lvl1pPr>
+          </a:lstStyle>
           <a:p>
             <a:endParaRPr lang="en-US"/>
           </a:p>
@@ -308,13 +1381,23 @@
         </p:nvSpPr>
         <p:spPr>
           <a:xfrm>
-            <a:off x="1437664" y="798973"/>
-            <a:ext cx="811019" cy="503578"/>
+            <a:off x="9067218" y="6375679"/>
+            <a:ext cx="2329723" cy="345796"/>
           </a:xfrm>
         </p:spPr>
         <p:txBody>
           <a:bodyPr/>
-          <a:lstStyle/>
+          <a:lstStyle>
+            <a:lvl1pPr>
+              <a:defRPr baseline="0">
+                <a:solidFill>
+                  <a:schemeClr val="accent1">
+                    <a:lumMod val="50000"/>
+                  </a:schemeClr>
+                </a:solidFill>
+              </a:defRPr>
+            </a:lvl1pPr>
+          </a:lstStyle>
           <a:p>
             <a:fld id="{49B17372-57F1-439F-AF1C-FCC93439E854}" type="slidenum">
               <a:rPr lang="en-US" smtClean="0"/>
@@ -324,41 +1407,48 @@
           </a:p>
         </p:txBody>
       </p:sp>
-      <p:cxnSp>
-        <p:nvCxnSpPr>
-          <p:cNvPr id="15" name="Straight Connector 14"/>
-          <p:cNvCxnSpPr/>
+      <p:sp>
+        <p:nvSpPr>
+          <p:cNvPr id="13" name="Rectangle 12" title="left edge border"/>
+          <p:cNvSpPr/>
           <p:nvPr/>
-        </p:nvCxnSpPr>
+        </p:nvSpPr>
         <p:spPr>
           <a:xfrm>
-            <a:off x="2417780" y="3528542"/>
-            <a:ext cx="8637072" cy="0"/>
+            <a:off x="0" y="0"/>
+            <a:ext cx="283464" cy="6858000"/>
           </a:xfrm>
-          <a:prstGeom prst="line">
+          <a:prstGeom prst="rect">
             <a:avLst/>
           </a:prstGeom>
-          <a:ln w="31750"/>
+          <a:solidFill>
+            <a:schemeClr val="tx2"/>
+          </a:solidFill>
+          <a:ln>
+            <a:noFill/>
+          </a:ln>
         </p:spPr>
         <p:style>
-          <a:lnRef idx="3">
-            <a:schemeClr val="accent1"/>
+          <a:lnRef idx="2">
+            <a:schemeClr val="accent1">
+              <a:shade val="50000"/>
+            </a:schemeClr>
           </a:lnRef>
-          <a:fillRef idx="0">
+          <a:fillRef idx="1">
             <a:schemeClr val="accent1"/>
           </a:fillRef>
-          <a:effectRef idx="2">
+          <a:effectRef idx="0">
             <a:schemeClr val="accent1"/>
           </a:effectRef>
           <a:fontRef idx="minor">
-            <a:schemeClr val="tx1"/>
+            <a:schemeClr val="lt1"/>
           </a:fontRef>
         </p:style>
-      </p:cxnSp>
+      </p:sp>
     </p:spTree>
     <p:extLst>
       <p:ext uri="{BB962C8B-B14F-4D97-AF65-F5344CB8AC3E}">
-        <p14:creationId xmlns:p14="http://schemas.microsoft.com/office/powerpoint/2010/main" val="4062490591"/>
+        <p14:creationId xmlns:p14="http://schemas.microsoft.com/office/powerpoint/2010/main" val="3014563056"/>
       </p:ext>
     </p:extLst>
   </p:cSld>
@@ -525,41 +1615,10 @@
           </a:p>
         </p:txBody>
       </p:sp>
-      <p:cxnSp>
-        <p:nvCxnSpPr>
-          <p:cNvPr id="26" name="Straight Connector 25"/>
-          <p:cNvCxnSpPr/>
-          <p:nvPr/>
-        </p:nvCxnSpPr>
-        <p:spPr>
-          <a:xfrm>
-            <a:off x="1453896" y="1847088"/>
-            <a:ext cx="9607522" cy="0"/>
-          </a:xfrm>
-          <a:prstGeom prst="line">
-            <a:avLst/>
-          </a:prstGeom>
-          <a:ln w="31750"/>
-        </p:spPr>
-        <p:style>
-          <a:lnRef idx="3">
-            <a:schemeClr val="accent1"/>
-          </a:lnRef>
-          <a:fillRef idx="0">
-            <a:schemeClr val="accent1"/>
-          </a:fillRef>
-          <a:effectRef idx="2">
-            <a:schemeClr val="accent1"/>
-          </a:effectRef>
-          <a:fontRef idx="minor">
-            <a:schemeClr val="tx1"/>
-          </a:fontRef>
-        </p:style>
-      </p:cxnSp>
     </p:spTree>
     <p:extLst>
       <p:ext uri="{BB962C8B-B14F-4D97-AF65-F5344CB8AC3E}">
-        <p14:creationId xmlns:p14="http://schemas.microsoft.com/office/powerpoint/2010/main" val="2401699715"/>
+        <p14:creationId xmlns:p14="http://schemas.microsoft.com/office/powerpoint/2010/main" val="1562224200"/>
       </p:ext>
     </p:extLst>
   </p:cSld>
@@ -598,17 +1657,13 @@
         </p:nvSpPr>
         <p:spPr>
           <a:xfrm>
-            <a:off x="9439111" y="798973"/>
-            <a:ext cx="1615742" cy="4659889"/>
+            <a:off x="10066321" y="382386"/>
+            <a:ext cx="1492132" cy="5600404"/>
           </a:xfrm>
         </p:spPr>
         <p:txBody>
           <a:bodyPr vert="eaVert"/>
-          <a:lstStyle>
-            <a:lvl1pPr algn="l">
-              <a:defRPr/>
-            </a:lvl1pPr>
-          </a:lstStyle>
+          <a:lstStyle/>
           <a:p>
             <a:r>
               <a:rPr lang="en-US"/>
@@ -630,8 +1685,8 @@
         </p:nvSpPr>
         <p:spPr>
           <a:xfrm>
-            <a:off x="1444672" y="798973"/>
-            <a:ext cx="7828830" cy="4659889"/>
+            <a:off x="1257300" y="382385"/>
+            <a:ext cx="8392585" cy="5600405"/>
           </a:xfrm>
         </p:spPr>
         <p:txBody>
@@ -740,41 +1795,10 @@
           </a:p>
         </p:txBody>
       </p:sp>
-      <p:cxnSp>
-        <p:nvCxnSpPr>
-          <p:cNvPr id="15" name="Straight Connector 14"/>
-          <p:cNvCxnSpPr/>
-          <p:nvPr/>
-        </p:nvCxnSpPr>
-        <p:spPr>
-          <a:xfrm>
-            <a:off x="9439111" y="798973"/>
-            <a:ext cx="0" cy="4659889"/>
-          </a:xfrm>
-          <a:prstGeom prst="line">
-            <a:avLst/>
-          </a:prstGeom>
-          <a:ln w="31750"/>
-        </p:spPr>
-        <p:style>
-          <a:lnRef idx="3">
-            <a:schemeClr val="accent1"/>
-          </a:lnRef>
-          <a:fillRef idx="0">
-            <a:schemeClr val="accent1"/>
-          </a:fillRef>
-          <a:effectRef idx="2">
-            <a:schemeClr val="accent1"/>
-          </a:effectRef>
-          <a:fontRef idx="minor">
-            <a:schemeClr val="tx1"/>
-          </a:fontRef>
-        </p:style>
-      </p:cxnSp>
     </p:spTree>
     <p:extLst>
       <p:ext uri="{BB962C8B-B14F-4D97-AF65-F5344CB8AC3E}">
-        <p14:creationId xmlns:p14="http://schemas.microsoft.com/office/powerpoint/2010/main" val="1312592132"/>
+        <p14:creationId xmlns:p14="http://schemas.microsoft.com/office/powerpoint/2010/main" val="1247655912"/>
       </p:ext>
     </p:extLst>
   </p:cSld>
@@ -836,7 +1860,7 @@
         </p:nvSpPr>
         <p:spPr/>
         <p:txBody>
-          <a:bodyPr anchor="t"/>
+          <a:bodyPr/>
           <a:lstStyle/>
           <a:p>
             <a:pPr lvl="0"/>
@@ -941,41 +1965,10 @@
           </a:p>
         </p:txBody>
       </p:sp>
-      <p:cxnSp>
-        <p:nvCxnSpPr>
-          <p:cNvPr id="33" name="Straight Connector 32"/>
-          <p:cNvCxnSpPr/>
-          <p:nvPr/>
-        </p:nvCxnSpPr>
-        <p:spPr>
-          <a:xfrm>
-            <a:off x="1453896" y="1847088"/>
-            <a:ext cx="9607522" cy="0"/>
-          </a:xfrm>
-          <a:prstGeom prst="line">
-            <a:avLst/>
-          </a:prstGeom>
-          <a:ln w="31750"/>
-        </p:spPr>
-        <p:style>
-          <a:lnRef idx="3">
-            <a:schemeClr val="accent1"/>
-          </a:lnRef>
-          <a:fillRef idx="0">
-            <a:schemeClr val="accent1"/>
-          </a:fillRef>
-          <a:effectRef idx="2">
-            <a:schemeClr val="accent1"/>
-          </a:effectRef>
-          <a:fontRef idx="minor">
-            <a:schemeClr val="tx1"/>
-          </a:fontRef>
-        </p:style>
-      </p:cxnSp>
     </p:spTree>
     <p:extLst>
       <p:ext uri="{BB962C8B-B14F-4D97-AF65-F5344CB8AC3E}">
-        <p14:creationId xmlns:p14="http://schemas.microsoft.com/office/powerpoint/2010/main" val="896554181"/>
+        <p14:creationId xmlns:p14="http://schemas.microsoft.com/office/powerpoint/2010/main" val="1303472613"/>
       </p:ext>
     </p:extLst>
   </p:cSld>
@@ -986,8 +1979,16 @@
 </file>
 
 <file path=ppt/slideLayouts/slideLayout3.xml><?xml version="1.0" encoding="utf-8"?>
-<p:sldLayout xmlns:a="http://schemas.openxmlformats.org/drawingml/2006/main" xmlns:r="http://schemas.openxmlformats.org/officeDocument/2006/relationships" xmlns:p="http://schemas.openxmlformats.org/presentationml/2006/main" type="secHead" preserve="1">
+<p:sldLayout xmlns:a="http://schemas.openxmlformats.org/drawingml/2006/main" xmlns:r="http://schemas.openxmlformats.org/officeDocument/2006/relationships" xmlns:p="http://schemas.openxmlformats.org/presentationml/2006/main" showMasterSp="0" type="secHead" preserve="1">
   <p:cSld name="Section Header">
+    <p:bg>
+      <p:bgPr>
+        <a:solidFill>
+          <a:schemeClr val="bg2"/>
+        </a:solidFill>
+        <a:effectLst/>
+      </p:bgPr>
+    </p:bg>
     <p:spTree>
       <p:nvGrpSpPr>
         <p:cNvPr id="1" name=""/>
@@ -1014,8 +2015,8 @@
         </p:nvSpPr>
         <p:spPr>
           <a:xfrm>
-            <a:off x="1454239" y="1756130"/>
-            <a:ext cx="8643154" cy="1887950"/>
+            <a:off x="3242929" y="1073888"/>
+            <a:ext cx="8187071" cy="4064627"/>
           </a:xfrm>
         </p:spPr>
         <p:txBody>
@@ -1023,8 +2024,12 @@
             <a:normAutofit/>
           </a:bodyPr>
           <a:lstStyle>
-            <a:lvl1pPr algn="l">
-              <a:defRPr sz="3600"/>
+            <a:lvl1pPr>
+              <a:defRPr sz="8400" spc="800" baseline="0">
+                <a:solidFill>
+                  <a:schemeClr val="tx2"/>
+                </a:solidFill>
+              </a:defRPr>
             </a:lvl1pPr>
           </a:lstStyle>
           <a:p>
@@ -1048,26 +2053,29 @@
         </p:nvSpPr>
         <p:spPr>
           <a:xfrm>
-            <a:off x="1454239" y="3806195"/>
-            <a:ext cx="8630446" cy="1012929"/>
+            <a:off x="3242930" y="5159781"/>
+            <a:ext cx="7017488" cy="951135"/>
           </a:xfrm>
         </p:spPr>
         <p:txBody>
-          <a:bodyPr tIns="91440">
+          <a:bodyPr>
             <a:normAutofit/>
           </a:bodyPr>
           <a:lstStyle>
-            <a:lvl1pPr marL="0" indent="0" algn="l">
+            <a:lvl1pPr marL="0" indent="0">
+              <a:lnSpc>
+                <a:spcPct val="100000"/>
+              </a:lnSpc>
               <a:buNone/>
-              <a:defRPr sz="1800">
+              <a:defRPr sz="2000" b="1" i="0" cap="all" spc="400" baseline="0">
                 <a:solidFill>
-                  <a:schemeClr val="tx1"/>
+                  <a:schemeClr val="accent1"/>
                 </a:solidFill>
               </a:defRPr>
             </a:lvl1pPr>
             <a:lvl2pPr marL="457200" indent="0">
               <a:buNone/>
-              <a:defRPr sz="1800">
+              <a:defRPr sz="2000">
                 <a:solidFill>
                   <a:schemeClr val="tx1">
                     <a:tint val="75000"/>
@@ -1165,10 +2173,23 @@
             <p:ph type="dt" sz="half" idx="10"/>
           </p:nvPr>
         </p:nvSpPr>
-        <p:spPr/>
+        <p:spPr>
+          <a:xfrm>
+            <a:off x="3236546" y="6375679"/>
+            <a:ext cx="1493947" cy="348462"/>
+          </a:xfrm>
+        </p:spPr>
         <p:txBody>
           <a:bodyPr/>
-          <a:lstStyle/>
+          <a:lstStyle>
+            <a:lvl1pPr>
+              <a:defRPr baseline="0">
+                <a:solidFill>
+                  <a:schemeClr val="tx2"/>
+                </a:solidFill>
+              </a:defRPr>
+            </a:lvl1pPr>
+          </a:lstStyle>
           <a:p>
             <a:fld id="{C9E84918-8141-40FB-A98F-6F9361A5FE0F}" type="datetimeFigureOut">
               <a:rPr lang="en-US" smtClean="0"/>
@@ -1188,10 +2209,23 @@
             <p:ph type="ftr" sz="quarter" idx="11"/>
           </p:nvPr>
         </p:nvSpPr>
-        <p:spPr/>
+        <p:spPr>
+          <a:xfrm>
+            <a:off x="5279064" y="6375679"/>
+            <a:ext cx="4114800" cy="345796"/>
+          </a:xfrm>
+        </p:spPr>
         <p:txBody>
           <a:bodyPr/>
-          <a:lstStyle/>
+          <a:lstStyle>
+            <a:lvl1pPr>
+              <a:defRPr baseline="0">
+                <a:solidFill>
+                  <a:schemeClr val="tx2"/>
+                </a:solidFill>
+              </a:defRPr>
+            </a:lvl1pPr>
+          </a:lstStyle>
           <a:p>
             <a:endParaRPr lang="en-US"/>
           </a:p>
@@ -1207,10 +2241,23 @@
             <p:ph type="sldNum" sz="quarter" idx="12"/>
           </p:nvPr>
         </p:nvSpPr>
-        <p:spPr/>
+        <p:spPr>
+          <a:xfrm>
+            <a:off x="9942434" y="6375679"/>
+            <a:ext cx="1487566" cy="345796"/>
+          </a:xfrm>
+        </p:spPr>
         <p:txBody>
           <a:bodyPr/>
-          <a:lstStyle/>
+          <a:lstStyle>
+            <a:lvl1pPr>
+              <a:defRPr baseline="0">
+                <a:solidFill>
+                  <a:schemeClr val="tx2"/>
+                </a:solidFill>
+              </a:defRPr>
+            </a:lvl1pPr>
+          </a:lstStyle>
           <a:p>
             <a:fld id="{49B17372-57F1-439F-AF1C-FCC93439E854}" type="slidenum">
               <a:rPr lang="en-US" smtClean="0"/>
@@ -1220,46 +2267,958 @@
           </a:p>
         </p:txBody>
       </p:sp>
-      <p:cxnSp>
-        <p:nvCxnSpPr>
-          <p:cNvPr id="15" name="Straight Connector 14"/>
-          <p:cNvCxnSpPr/>
+      <p:grpSp>
+        <p:nvGrpSpPr>
+          <p:cNvPr id="7" name="Group 6" title="left scallop shape"/>
+          <p:cNvGrpSpPr/>
           <p:nvPr/>
-        </p:nvCxnSpPr>
-        <p:spPr>
+        </p:nvGrpSpPr>
+        <p:grpSpPr>
           <a:xfrm>
-            <a:off x="1454239" y="3804985"/>
-            <a:ext cx="8630446" cy="0"/>
+            <a:off x="0" y="0"/>
+            <a:ext cx="2814638" cy="6858000"/>
+            <a:chOff x="0" y="0"/>
+            <a:chExt cx="2814638" cy="6858000"/>
           </a:xfrm>
-          <a:prstGeom prst="line">
-            <a:avLst/>
-          </a:prstGeom>
-          <a:ln w="31750"/>
-        </p:spPr>
-        <p:style>
-          <a:lnRef idx="3">
-            <a:schemeClr val="accent1"/>
-          </a:lnRef>
-          <a:fillRef idx="0">
-            <a:schemeClr val="accent1"/>
-          </a:fillRef>
-          <a:effectRef idx="2">
-            <a:schemeClr val="accent1"/>
-          </a:effectRef>
-          <a:fontRef idx="minor">
-            <a:schemeClr val="tx1"/>
-          </a:fontRef>
-        </p:style>
-      </p:cxnSp>
+        </p:grpSpPr>
+        <p:sp>
+          <p:nvSpPr>
+            <p:cNvPr id="11" name="Freeform 6" title="left scallop shape"/>
+            <p:cNvSpPr/>
+            <p:nvPr/>
+          </p:nvSpPr>
+          <p:spPr bwMode="auto">
+            <a:xfrm>
+              <a:off x="0" y="0"/>
+              <a:ext cx="2814638" cy="6858000"/>
+            </a:xfrm>
+            <a:custGeom>
+              <a:avLst/>
+              <a:gdLst/>
+              <a:ahLst/>
+              <a:cxnLst/>
+              <a:rect l="0" t="0" r="r" b="b"/>
+              <a:pathLst>
+                <a:path w="1773" h="4320">
+                  <a:moveTo>
+                    <a:pt x="0" y="0"/>
+                  </a:moveTo>
+                  <a:lnTo>
+                    <a:pt x="891" y="0"/>
+                  </a:lnTo>
+                  <a:lnTo>
+                    <a:pt x="906" y="56"/>
+                  </a:lnTo>
+                  <a:lnTo>
+                    <a:pt x="921" y="111"/>
+                  </a:lnTo>
+                  <a:lnTo>
+                    <a:pt x="938" y="165"/>
+                  </a:lnTo>
+                  <a:lnTo>
+                    <a:pt x="957" y="217"/>
+                  </a:lnTo>
+                  <a:lnTo>
+                    <a:pt x="980" y="266"/>
+                  </a:lnTo>
+                  <a:lnTo>
+                    <a:pt x="1007" y="312"/>
+                  </a:lnTo>
+                  <a:lnTo>
+                    <a:pt x="1036" y="351"/>
+                  </a:lnTo>
+                  <a:lnTo>
+                    <a:pt x="1069" y="387"/>
+                  </a:lnTo>
+                  <a:lnTo>
+                    <a:pt x="1105" y="422"/>
+                  </a:lnTo>
+                  <a:lnTo>
+                    <a:pt x="1145" y="456"/>
+                  </a:lnTo>
+                  <a:lnTo>
+                    <a:pt x="1185" y="487"/>
+                  </a:lnTo>
+                  <a:lnTo>
+                    <a:pt x="1227" y="520"/>
+                  </a:lnTo>
+                  <a:lnTo>
+                    <a:pt x="1270" y="551"/>
+                  </a:lnTo>
+                  <a:lnTo>
+                    <a:pt x="1311" y="584"/>
+                  </a:lnTo>
+                  <a:lnTo>
+                    <a:pt x="1352" y="617"/>
+                  </a:lnTo>
+                  <a:lnTo>
+                    <a:pt x="1390" y="651"/>
+                  </a:lnTo>
+                  <a:lnTo>
+                    <a:pt x="1425" y="687"/>
+                  </a:lnTo>
+                  <a:lnTo>
+                    <a:pt x="1456" y="725"/>
+                  </a:lnTo>
+                  <a:lnTo>
+                    <a:pt x="1484" y="765"/>
+                  </a:lnTo>
+                  <a:lnTo>
+                    <a:pt x="1505" y="808"/>
+                  </a:lnTo>
+                  <a:lnTo>
+                    <a:pt x="1521" y="856"/>
+                  </a:lnTo>
+                  <a:lnTo>
+                    <a:pt x="1530" y="907"/>
+                  </a:lnTo>
+                  <a:lnTo>
+                    <a:pt x="1534" y="960"/>
+                  </a:lnTo>
+                  <a:lnTo>
+                    <a:pt x="1534" y="1013"/>
+                  </a:lnTo>
+                  <a:lnTo>
+                    <a:pt x="1530" y="1068"/>
+                  </a:lnTo>
+                  <a:lnTo>
+                    <a:pt x="1523" y="1125"/>
+                  </a:lnTo>
+                  <a:lnTo>
+                    <a:pt x="1515" y="1181"/>
+                  </a:lnTo>
+                  <a:lnTo>
+                    <a:pt x="1508" y="1237"/>
+                  </a:lnTo>
+                  <a:lnTo>
+                    <a:pt x="1501" y="1293"/>
+                  </a:lnTo>
+                  <a:lnTo>
+                    <a:pt x="1496" y="1350"/>
+                  </a:lnTo>
+                  <a:lnTo>
+                    <a:pt x="1494" y="1405"/>
+                  </a:lnTo>
+                  <a:lnTo>
+                    <a:pt x="1497" y="1458"/>
+                  </a:lnTo>
+                  <a:lnTo>
+                    <a:pt x="1504" y="1511"/>
+                  </a:lnTo>
+                  <a:lnTo>
+                    <a:pt x="1517" y="1560"/>
+                  </a:lnTo>
+                  <a:lnTo>
+                    <a:pt x="1535" y="1610"/>
+                  </a:lnTo>
+                  <a:lnTo>
+                    <a:pt x="1557" y="1659"/>
+                  </a:lnTo>
+                  <a:lnTo>
+                    <a:pt x="1583" y="1708"/>
+                  </a:lnTo>
+                  <a:lnTo>
+                    <a:pt x="1611" y="1757"/>
+                  </a:lnTo>
+                  <a:lnTo>
+                    <a:pt x="1640" y="1807"/>
+                  </a:lnTo>
+                  <a:lnTo>
+                    <a:pt x="1669" y="1855"/>
+                  </a:lnTo>
+                  <a:lnTo>
+                    <a:pt x="1696" y="1905"/>
+                  </a:lnTo>
+                  <a:lnTo>
+                    <a:pt x="1721" y="1954"/>
+                  </a:lnTo>
+                  <a:lnTo>
+                    <a:pt x="1742" y="2006"/>
+                  </a:lnTo>
+                  <a:lnTo>
+                    <a:pt x="1759" y="2057"/>
+                  </a:lnTo>
+                  <a:lnTo>
+                    <a:pt x="1769" y="2108"/>
+                  </a:lnTo>
+                  <a:lnTo>
+                    <a:pt x="1773" y="2160"/>
+                  </a:lnTo>
+                  <a:lnTo>
+                    <a:pt x="1769" y="2212"/>
+                  </a:lnTo>
+                  <a:lnTo>
+                    <a:pt x="1759" y="2263"/>
+                  </a:lnTo>
+                  <a:lnTo>
+                    <a:pt x="1742" y="2314"/>
+                  </a:lnTo>
+                  <a:lnTo>
+                    <a:pt x="1721" y="2366"/>
+                  </a:lnTo>
+                  <a:lnTo>
+                    <a:pt x="1696" y="2415"/>
+                  </a:lnTo>
+                  <a:lnTo>
+                    <a:pt x="1669" y="2465"/>
+                  </a:lnTo>
+                  <a:lnTo>
+                    <a:pt x="1640" y="2513"/>
+                  </a:lnTo>
+                  <a:lnTo>
+                    <a:pt x="1611" y="2563"/>
+                  </a:lnTo>
+                  <a:lnTo>
+                    <a:pt x="1583" y="2612"/>
+                  </a:lnTo>
+                  <a:lnTo>
+                    <a:pt x="1557" y="2661"/>
+                  </a:lnTo>
+                  <a:lnTo>
+                    <a:pt x="1535" y="2710"/>
+                  </a:lnTo>
+                  <a:lnTo>
+                    <a:pt x="1517" y="2760"/>
+                  </a:lnTo>
+                  <a:lnTo>
+                    <a:pt x="1504" y="2809"/>
+                  </a:lnTo>
+                  <a:lnTo>
+                    <a:pt x="1497" y="2862"/>
+                  </a:lnTo>
+                  <a:lnTo>
+                    <a:pt x="1494" y="2915"/>
+                  </a:lnTo>
+                  <a:lnTo>
+                    <a:pt x="1496" y="2970"/>
+                  </a:lnTo>
+                  <a:lnTo>
+                    <a:pt x="1501" y="3027"/>
+                  </a:lnTo>
+                  <a:lnTo>
+                    <a:pt x="1508" y="3083"/>
+                  </a:lnTo>
+                  <a:lnTo>
+                    <a:pt x="1515" y="3139"/>
+                  </a:lnTo>
+                  <a:lnTo>
+                    <a:pt x="1523" y="3195"/>
+                  </a:lnTo>
+                  <a:lnTo>
+                    <a:pt x="1530" y="3252"/>
+                  </a:lnTo>
+                  <a:lnTo>
+                    <a:pt x="1534" y="3307"/>
+                  </a:lnTo>
+                  <a:lnTo>
+                    <a:pt x="1534" y="3360"/>
+                  </a:lnTo>
+                  <a:lnTo>
+                    <a:pt x="1530" y="3413"/>
+                  </a:lnTo>
+                  <a:lnTo>
+                    <a:pt x="1521" y="3464"/>
+                  </a:lnTo>
+                  <a:lnTo>
+                    <a:pt x="1505" y="3512"/>
+                  </a:lnTo>
+                  <a:lnTo>
+                    <a:pt x="1484" y="3555"/>
+                  </a:lnTo>
+                  <a:lnTo>
+                    <a:pt x="1456" y="3595"/>
+                  </a:lnTo>
+                  <a:lnTo>
+                    <a:pt x="1425" y="3633"/>
+                  </a:lnTo>
+                  <a:lnTo>
+                    <a:pt x="1390" y="3669"/>
+                  </a:lnTo>
+                  <a:lnTo>
+                    <a:pt x="1352" y="3703"/>
+                  </a:lnTo>
+                  <a:lnTo>
+                    <a:pt x="1311" y="3736"/>
+                  </a:lnTo>
+                  <a:lnTo>
+                    <a:pt x="1270" y="3769"/>
+                  </a:lnTo>
+                  <a:lnTo>
+                    <a:pt x="1227" y="3800"/>
+                  </a:lnTo>
+                  <a:lnTo>
+                    <a:pt x="1185" y="3833"/>
+                  </a:lnTo>
+                  <a:lnTo>
+                    <a:pt x="1145" y="3864"/>
+                  </a:lnTo>
+                  <a:lnTo>
+                    <a:pt x="1105" y="3898"/>
+                  </a:lnTo>
+                  <a:lnTo>
+                    <a:pt x="1069" y="3933"/>
+                  </a:lnTo>
+                  <a:lnTo>
+                    <a:pt x="1036" y="3969"/>
+                  </a:lnTo>
+                  <a:lnTo>
+                    <a:pt x="1007" y="4008"/>
+                  </a:lnTo>
+                  <a:lnTo>
+                    <a:pt x="980" y="4054"/>
+                  </a:lnTo>
+                  <a:lnTo>
+                    <a:pt x="957" y="4103"/>
+                  </a:lnTo>
+                  <a:lnTo>
+                    <a:pt x="938" y="4155"/>
+                  </a:lnTo>
+                  <a:lnTo>
+                    <a:pt x="921" y="4209"/>
+                  </a:lnTo>
+                  <a:lnTo>
+                    <a:pt x="906" y="4264"/>
+                  </a:lnTo>
+                  <a:lnTo>
+                    <a:pt x="891" y="4320"/>
+                  </a:lnTo>
+                  <a:lnTo>
+                    <a:pt x="0" y="4320"/>
+                  </a:lnTo>
+                  <a:lnTo>
+                    <a:pt x="0" y="0"/>
+                  </a:lnTo>
+                  <a:close/>
+                </a:path>
+              </a:pathLst>
+            </a:custGeom>
+            <a:solidFill>
+              <a:schemeClr val="tx2"/>
+            </a:solidFill>
+            <a:ln w="0">
+              <a:noFill/>
+              <a:prstDash val="solid"/>
+              <a:round/>
+              <a:headEnd/>
+              <a:tailEnd/>
+            </a:ln>
+          </p:spPr>
+        </p:sp>
+        <p:sp>
+          <p:nvSpPr>
+            <p:cNvPr id="16" name="Freeform 11" title="left scallop inline"/>
+            <p:cNvSpPr/>
+            <p:nvPr/>
+          </p:nvSpPr>
+          <p:spPr bwMode="auto">
+            <a:xfrm>
+              <a:off x="874382" y="0"/>
+              <a:ext cx="1646238" cy="6858000"/>
+            </a:xfrm>
+            <a:custGeom>
+              <a:avLst/>
+              <a:gdLst/>
+              <a:ahLst/>
+              <a:cxnLst/>
+              <a:rect l="0" t="0" r="r" b="b"/>
+              <a:pathLst>
+                <a:path w="1037" h="4320">
+                  <a:moveTo>
+                    <a:pt x="0" y="0"/>
+                  </a:moveTo>
+                  <a:lnTo>
+                    <a:pt x="171" y="0"/>
+                  </a:lnTo>
+                  <a:lnTo>
+                    <a:pt x="188" y="55"/>
+                  </a:lnTo>
+                  <a:lnTo>
+                    <a:pt x="204" y="110"/>
+                  </a:lnTo>
+                  <a:lnTo>
+                    <a:pt x="220" y="166"/>
+                  </a:lnTo>
+                  <a:lnTo>
+                    <a:pt x="234" y="223"/>
+                  </a:lnTo>
+                  <a:lnTo>
+                    <a:pt x="251" y="278"/>
+                  </a:lnTo>
+                  <a:lnTo>
+                    <a:pt x="269" y="331"/>
+                  </a:lnTo>
+                  <a:lnTo>
+                    <a:pt x="292" y="381"/>
+                  </a:lnTo>
+                  <a:lnTo>
+                    <a:pt x="319" y="427"/>
+                  </a:lnTo>
+                  <a:lnTo>
+                    <a:pt x="349" y="466"/>
+                  </a:lnTo>
+                  <a:lnTo>
+                    <a:pt x="382" y="503"/>
+                  </a:lnTo>
+                  <a:lnTo>
+                    <a:pt x="420" y="537"/>
+                  </a:lnTo>
+                  <a:lnTo>
+                    <a:pt x="460" y="571"/>
+                  </a:lnTo>
+                  <a:lnTo>
+                    <a:pt x="502" y="603"/>
+                  </a:lnTo>
+                  <a:lnTo>
+                    <a:pt x="544" y="635"/>
+                  </a:lnTo>
+                  <a:lnTo>
+                    <a:pt x="587" y="668"/>
+                  </a:lnTo>
+                  <a:lnTo>
+                    <a:pt x="628" y="700"/>
+                  </a:lnTo>
+                  <a:lnTo>
+                    <a:pt x="667" y="734"/>
+                  </a:lnTo>
+                  <a:lnTo>
+                    <a:pt x="703" y="771"/>
+                  </a:lnTo>
+                  <a:lnTo>
+                    <a:pt x="736" y="808"/>
+                  </a:lnTo>
+                  <a:lnTo>
+                    <a:pt x="763" y="848"/>
+                  </a:lnTo>
+                  <a:lnTo>
+                    <a:pt x="786" y="893"/>
+                  </a:lnTo>
+                  <a:lnTo>
+                    <a:pt x="800" y="937"/>
+                  </a:lnTo>
+                  <a:lnTo>
+                    <a:pt x="809" y="986"/>
+                  </a:lnTo>
+                  <a:lnTo>
+                    <a:pt x="813" y="1034"/>
+                  </a:lnTo>
+                  <a:lnTo>
+                    <a:pt x="812" y="1085"/>
+                  </a:lnTo>
+                  <a:lnTo>
+                    <a:pt x="808" y="1136"/>
+                  </a:lnTo>
+                  <a:lnTo>
+                    <a:pt x="803" y="1189"/>
+                  </a:lnTo>
+                  <a:lnTo>
+                    <a:pt x="796" y="1242"/>
+                  </a:lnTo>
+                  <a:lnTo>
+                    <a:pt x="788" y="1295"/>
+                  </a:lnTo>
+                  <a:lnTo>
+                    <a:pt x="782" y="1348"/>
+                  </a:lnTo>
+                  <a:lnTo>
+                    <a:pt x="778" y="1401"/>
+                  </a:lnTo>
+                  <a:lnTo>
+                    <a:pt x="775" y="1452"/>
+                  </a:lnTo>
+                  <a:lnTo>
+                    <a:pt x="778" y="1502"/>
+                  </a:lnTo>
+                  <a:lnTo>
+                    <a:pt x="784" y="1551"/>
+                  </a:lnTo>
+                  <a:lnTo>
+                    <a:pt x="797" y="1602"/>
+                  </a:lnTo>
+                  <a:lnTo>
+                    <a:pt x="817" y="1652"/>
+                  </a:lnTo>
+                  <a:lnTo>
+                    <a:pt x="841" y="1702"/>
+                  </a:lnTo>
+                  <a:lnTo>
+                    <a:pt x="868" y="1752"/>
+                  </a:lnTo>
+                  <a:lnTo>
+                    <a:pt x="896" y="1801"/>
+                  </a:lnTo>
+                  <a:lnTo>
+                    <a:pt x="926" y="1851"/>
+                  </a:lnTo>
+                  <a:lnTo>
+                    <a:pt x="953" y="1901"/>
+                  </a:lnTo>
+                  <a:lnTo>
+                    <a:pt x="980" y="1952"/>
+                  </a:lnTo>
+                  <a:lnTo>
+                    <a:pt x="1003" y="2003"/>
+                  </a:lnTo>
+                  <a:lnTo>
+                    <a:pt x="1021" y="2054"/>
+                  </a:lnTo>
+                  <a:lnTo>
+                    <a:pt x="1031" y="2106"/>
+                  </a:lnTo>
+                  <a:lnTo>
+                    <a:pt x="1037" y="2160"/>
+                  </a:lnTo>
+                  <a:lnTo>
+                    <a:pt x="1031" y="2214"/>
+                  </a:lnTo>
+                  <a:lnTo>
+                    <a:pt x="1021" y="2266"/>
+                  </a:lnTo>
+                  <a:lnTo>
+                    <a:pt x="1003" y="2317"/>
+                  </a:lnTo>
+                  <a:lnTo>
+                    <a:pt x="980" y="2368"/>
+                  </a:lnTo>
+                  <a:lnTo>
+                    <a:pt x="953" y="2419"/>
+                  </a:lnTo>
+                  <a:lnTo>
+                    <a:pt x="926" y="2469"/>
+                  </a:lnTo>
+                  <a:lnTo>
+                    <a:pt x="896" y="2519"/>
+                  </a:lnTo>
+                  <a:lnTo>
+                    <a:pt x="868" y="2568"/>
+                  </a:lnTo>
+                  <a:lnTo>
+                    <a:pt x="841" y="2618"/>
+                  </a:lnTo>
+                  <a:lnTo>
+                    <a:pt x="817" y="2668"/>
+                  </a:lnTo>
+                  <a:lnTo>
+                    <a:pt x="797" y="2718"/>
+                  </a:lnTo>
+                  <a:lnTo>
+                    <a:pt x="784" y="2769"/>
+                  </a:lnTo>
+                  <a:lnTo>
+                    <a:pt x="778" y="2818"/>
+                  </a:lnTo>
+                  <a:lnTo>
+                    <a:pt x="775" y="2868"/>
+                  </a:lnTo>
+                  <a:lnTo>
+                    <a:pt x="778" y="2919"/>
+                  </a:lnTo>
+                  <a:lnTo>
+                    <a:pt x="782" y="2972"/>
+                  </a:lnTo>
+                  <a:lnTo>
+                    <a:pt x="788" y="3025"/>
+                  </a:lnTo>
+                  <a:lnTo>
+                    <a:pt x="796" y="3078"/>
+                  </a:lnTo>
+                  <a:lnTo>
+                    <a:pt x="803" y="3131"/>
+                  </a:lnTo>
+                  <a:lnTo>
+                    <a:pt x="808" y="3184"/>
+                  </a:lnTo>
+                  <a:lnTo>
+                    <a:pt x="812" y="3235"/>
+                  </a:lnTo>
+                  <a:lnTo>
+                    <a:pt x="813" y="3286"/>
+                  </a:lnTo>
+                  <a:lnTo>
+                    <a:pt x="809" y="3334"/>
+                  </a:lnTo>
+                  <a:lnTo>
+                    <a:pt x="800" y="3383"/>
+                  </a:lnTo>
+                  <a:lnTo>
+                    <a:pt x="786" y="3427"/>
+                  </a:lnTo>
+                  <a:lnTo>
+                    <a:pt x="763" y="3472"/>
+                  </a:lnTo>
+                  <a:lnTo>
+                    <a:pt x="736" y="3512"/>
+                  </a:lnTo>
+                  <a:lnTo>
+                    <a:pt x="703" y="3549"/>
+                  </a:lnTo>
+                  <a:lnTo>
+                    <a:pt x="667" y="3586"/>
+                  </a:lnTo>
+                  <a:lnTo>
+                    <a:pt x="628" y="3620"/>
+                  </a:lnTo>
+                  <a:lnTo>
+                    <a:pt x="587" y="3652"/>
+                  </a:lnTo>
+                  <a:lnTo>
+                    <a:pt x="544" y="3685"/>
+                  </a:lnTo>
+                  <a:lnTo>
+                    <a:pt x="502" y="3717"/>
+                  </a:lnTo>
+                  <a:lnTo>
+                    <a:pt x="460" y="3749"/>
+                  </a:lnTo>
+                  <a:lnTo>
+                    <a:pt x="420" y="3783"/>
+                  </a:lnTo>
+                  <a:lnTo>
+                    <a:pt x="382" y="3817"/>
+                  </a:lnTo>
+                  <a:lnTo>
+                    <a:pt x="349" y="3854"/>
+                  </a:lnTo>
+                  <a:lnTo>
+                    <a:pt x="319" y="3893"/>
+                  </a:lnTo>
+                  <a:lnTo>
+                    <a:pt x="292" y="3939"/>
+                  </a:lnTo>
+                  <a:lnTo>
+                    <a:pt x="269" y="3989"/>
+                  </a:lnTo>
+                  <a:lnTo>
+                    <a:pt x="251" y="4042"/>
+                  </a:lnTo>
+                  <a:lnTo>
+                    <a:pt x="234" y="4097"/>
+                  </a:lnTo>
+                  <a:lnTo>
+                    <a:pt x="220" y="4154"/>
+                  </a:lnTo>
+                  <a:lnTo>
+                    <a:pt x="204" y="4210"/>
+                  </a:lnTo>
+                  <a:lnTo>
+                    <a:pt x="188" y="4265"/>
+                  </a:lnTo>
+                  <a:lnTo>
+                    <a:pt x="171" y="4320"/>
+                  </a:lnTo>
+                  <a:lnTo>
+                    <a:pt x="0" y="4320"/>
+                  </a:lnTo>
+                  <a:lnTo>
+                    <a:pt x="17" y="4278"/>
+                  </a:lnTo>
+                  <a:lnTo>
+                    <a:pt x="33" y="4232"/>
+                  </a:lnTo>
+                  <a:lnTo>
+                    <a:pt x="46" y="4183"/>
+                  </a:lnTo>
+                  <a:lnTo>
+                    <a:pt x="60" y="4131"/>
+                  </a:lnTo>
+                  <a:lnTo>
+                    <a:pt x="75" y="4075"/>
+                  </a:lnTo>
+                  <a:lnTo>
+                    <a:pt x="90" y="4019"/>
+                  </a:lnTo>
+                  <a:lnTo>
+                    <a:pt x="109" y="3964"/>
+                  </a:lnTo>
+                  <a:lnTo>
+                    <a:pt x="129" y="3909"/>
+                  </a:lnTo>
+                  <a:lnTo>
+                    <a:pt x="156" y="3855"/>
+                  </a:lnTo>
+                  <a:lnTo>
+                    <a:pt x="186" y="3804"/>
+                  </a:lnTo>
+                  <a:lnTo>
+                    <a:pt x="222" y="3756"/>
+                  </a:lnTo>
+                  <a:lnTo>
+                    <a:pt x="261" y="3713"/>
+                  </a:lnTo>
+                  <a:lnTo>
+                    <a:pt x="303" y="3672"/>
+                  </a:lnTo>
+                  <a:lnTo>
+                    <a:pt x="348" y="3634"/>
+                  </a:lnTo>
+                  <a:lnTo>
+                    <a:pt x="392" y="3599"/>
+                  </a:lnTo>
+                  <a:lnTo>
+                    <a:pt x="438" y="3565"/>
+                  </a:lnTo>
+                  <a:lnTo>
+                    <a:pt x="482" y="3531"/>
+                  </a:lnTo>
+                  <a:lnTo>
+                    <a:pt x="523" y="3499"/>
+                  </a:lnTo>
+                  <a:lnTo>
+                    <a:pt x="561" y="3466"/>
+                  </a:lnTo>
+                  <a:lnTo>
+                    <a:pt x="594" y="3434"/>
+                  </a:lnTo>
+                  <a:lnTo>
+                    <a:pt x="620" y="3400"/>
+                  </a:lnTo>
+                  <a:lnTo>
+                    <a:pt x="638" y="3367"/>
+                  </a:lnTo>
+                  <a:lnTo>
+                    <a:pt x="647" y="3336"/>
+                  </a:lnTo>
+                  <a:lnTo>
+                    <a:pt x="652" y="3302"/>
+                  </a:lnTo>
+                  <a:lnTo>
+                    <a:pt x="654" y="3265"/>
+                  </a:lnTo>
+                  <a:lnTo>
+                    <a:pt x="651" y="3224"/>
+                  </a:lnTo>
+                  <a:lnTo>
+                    <a:pt x="647" y="3181"/>
+                  </a:lnTo>
+                  <a:lnTo>
+                    <a:pt x="642" y="3137"/>
+                  </a:lnTo>
+                  <a:lnTo>
+                    <a:pt x="637" y="3091"/>
+                  </a:lnTo>
+                  <a:lnTo>
+                    <a:pt x="626" y="3021"/>
+                  </a:lnTo>
+                  <a:lnTo>
+                    <a:pt x="620" y="2952"/>
+                  </a:lnTo>
+                  <a:lnTo>
+                    <a:pt x="616" y="2881"/>
+                  </a:lnTo>
+                  <a:lnTo>
+                    <a:pt x="618" y="2809"/>
+                  </a:lnTo>
+                  <a:lnTo>
+                    <a:pt x="628" y="2737"/>
+                  </a:lnTo>
+                  <a:lnTo>
+                    <a:pt x="642" y="2681"/>
+                  </a:lnTo>
+                  <a:lnTo>
+                    <a:pt x="661" y="2626"/>
+                  </a:lnTo>
+                  <a:lnTo>
+                    <a:pt x="685" y="2574"/>
+                  </a:lnTo>
+                  <a:lnTo>
+                    <a:pt x="711" y="2521"/>
+                  </a:lnTo>
+                  <a:lnTo>
+                    <a:pt x="739" y="2472"/>
+                  </a:lnTo>
+                  <a:lnTo>
+                    <a:pt x="767" y="2423"/>
+                  </a:lnTo>
+                  <a:lnTo>
+                    <a:pt x="791" y="2381"/>
+                  </a:lnTo>
+                  <a:lnTo>
+                    <a:pt x="813" y="2342"/>
+                  </a:lnTo>
+                  <a:lnTo>
+                    <a:pt x="834" y="2303"/>
+                  </a:lnTo>
+                  <a:lnTo>
+                    <a:pt x="851" y="2265"/>
+                  </a:lnTo>
+                  <a:lnTo>
+                    <a:pt x="864" y="2228"/>
+                  </a:lnTo>
+                  <a:lnTo>
+                    <a:pt x="873" y="2194"/>
+                  </a:lnTo>
+                  <a:lnTo>
+                    <a:pt x="876" y="2160"/>
+                  </a:lnTo>
+                  <a:lnTo>
+                    <a:pt x="873" y="2126"/>
+                  </a:lnTo>
+                  <a:lnTo>
+                    <a:pt x="864" y="2092"/>
+                  </a:lnTo>
+                  <a:lnTo>
+                    <a:pt x="851" y="2055"/>
+                  </a:lnTo>
+                  <a:lnTo>
+                    <a:pt x="834" y="2017"/>
+                  </a:lnTo>
+                  <a:lnTo>
+                    <a:pt x="813" y="1978"/>
+                  </a:lnTo>
+                  <a:lnTo>
+                    <a:pt x="791" y="1939"/>
+                  </a:lnTo>
+                  <a:lnTo>
+                    <a:pt x="767" y="1897"/>
+                  </a:lnTo>
+                  <a:lnTo>
+                    <a:pt x="739" y="1848"/>
+                  </a:lnTo>
+                  <a:lnTo>
+                    <a:pt x="711" y="1799"/>
+                  </a:lnTo>
+                  <a:lnTo>
+                    <a:pt x="685" y="1746"/>
+                  </a:lnTo>
+                  <a:lnTo>
+                    <a:pt x="661" y="1694"/>
+                  </a:lnTo>
+                  <a:lnTo>
+                    <a:pt x="642" y="1639"/>
+                  </a:lnTo>
+                  <a:lnTo>
+                    <a:pt x="628" y="1583"/>
+                  </a:lnTo>
+                  <a:lnTo>
+                    <a:pt x="618" y="1511"/>
+                  </a:lnTo>
+                  <a:lnTo>
+                    <a:pt x="616" y="1439"/>
+                  </a:lnTo>
+                  <a:lnTo>
+                    <a:pt x="620" y="1368"/>
+                  </a:lnTo>
+                  <a:lnTo>
+                    <a:pt x="626" y="1299"/>
+                  </a:lnTo>
+                  <a:lnTo>
+                    <a:pt x="637" y="1229"/>
+                  </a:lnTo>
+                  <a:lnTo>
+                    <a:pt x="642" y="1183"/>
+                  </a:lnTo>
+                  <a:lnTo>
+                    <a:pt x="647" y="1139"/>
+                  </a:lnTo>
+                  <a:lnTo>
+                    <a:pt x="651" y="1096"/>
+                  </a:lnTo>
+                  <a:lnTo>
+                    <a:pt x="654" y="1055"/>
+                  </a:lnTo>
+                  <a:lnTo>
+                    <a:pt x="652" y="1018"/>
+                  </a:lnTo>
+                  <a:lnTo>
+                    <a:pt x="647" y="984"/>
+                  </a:lnTo>
+                  <a:lnTo>
+                    <a:pt x="638" y="953"/>
+                  </a:lnTo>
+                  <a:lnTo>
+                    <a:pt x="620" y="920"/>
+                  </a:lnTo>
+                  <a:lnTo>
+                    <a:pt x="594" y="886"/>
+                  </a:lnTo>
+                  <a:lnTo>
+                    <a:pt x="561" y="854"/>
+                  </a:lnTo>
+                  <a:lnTo>
+                    <a:pt x="523" y="822"/>
+                  </a:lnTo>
+                  <a:lnTo>
+                    <a:pt x="482" y="789"/>
+                  </a:lnTo>
+                  <a:lnTo>
+                    <a:pt x="438" y="755"/>
+                  </a:lnTo>
+                  <a:lnTo>
+                    <a:pt x="392" y="721"/>
+                  </a:lnTo>
+                  <a:lnTo>
+                    <a:pt x="348" y="686"/>
+                  </a:lnTo>
+                  <a:lnTo>
+                    <a:pt x="303" y="648"/>
+                  </a:lnTo>
+                  <a:lnTo>
+                    <a:pt x="261" y="607"/>
+                  </a:lnTo>
+                  <a:lnTo>
+                    <a:pt x="222" y="564"/>
+                  </a:lnTo>
+                  <a:lnTo>
+                    <a:pt x="186" y="516"/>
+                  </a:lnTo>
+                  <a:lnTo>
+                    <a:pt x="156" y="465"/>
+                  </a:lnTo>
+                  <a:lnTo>
+                    <a:pt x="129" y="411"/>
+                  </a:lnTo>
+                  <a:lnTo>
+                    <a:pt x="109" y="356"/>
+                  </a:lnTo>
+                  <a:lnTo>
+                    <a:pt x="90" y="301"/>
+                  </a:lnTo>
+                  <a:lnTo>
+                    <a:pt x="75" y="245"/>
+                  </a:lnTo>
+                  <a:lnTo>
+                    <a:pt x="60" y="189"/>
+                  </a:lnTo>
+                  <a:lnTo>
+                    <a:pt x="46" y="137"/>
+                  </a:lnTo>
+                  <a:lnTo>
+                    <a:pt x="33" y="88"/>
+                  </a:lnTo>
+                  <a:lnTo>
+                    <a:pt x="17" y="42"/>
+                  </a:lnTo>
+                  <a:lnTo>
+                    <a:pt x="0" y="0"/>
+                  </a:lnTo>
+                  <a:lnTo>
+                    <a:pt x="0" y="0"/>
+                  </a:lnTo>
+                  <a:close/>
+                </a:path>
+              </a:pathLst>
+            </a:custGeom>
+            <a:solidFill>
+              <a:schemeClr val="accent1"/>
+            </a:solidFill>
+            <a:ln w="0">
+              <a:noFill/>
+              <a:prstDash val="solid"/>
+              <a:round/>
+              <a:headEnd/>
+              <a:tailEnd/>
+            </a:ln>
+          </p:spPr>
+        </p:sp>
+      </p:grpSp>
     </p:spTree>
     <p:extLst>
       <p:ext uri="{BB962C8B-B14F-4D97-AF65-F5344CB8AC3E}">
-        <p14:creationId xmlns:p14="http://schemas.microsoft.com/office/powerpoint/2010/main" val="699978866"/>
+        <p14:creationId xmlns:p14="http://schemas.microsoft.com/office/powerpoint/2010/main" val="4137233809"/>
       </p:ext>
     </p:extLst>
   </p:cSld>
   <p:clrMapOvr>
-    <a:masterClrMapping/>
+    <a:overrideClrMapping bg1="dk1" tx1="lt1" bg2="dk2" tx2="lt2" accent1="accent1" accent2="accent2" accent3="accent3" accent4="accent4" accent5="accent5" accent6="accent6" hlink="hlink" folHlink="folHlink"/>
   </p:clrMapOvr>
 </p:sldLayout>
 </file>
@@ -1291,12 +3250,7 @@
             <p:ph type="title"/>
           </p:nvPr>
         </p:nvSpPr>
-        <p:spPr>
-          <a:xfrm>
-            <a:off x="1449217" y="804889"/>
-            <a:ext cx="9605635" cy="1059305"/>
-          </a:xfrm>
-        </p:spPr>
+        <p:spPr/>
         <p:txBody>
           <a:bodyPr/>
           <a:lstStyle/>
@@ -1321,8 +3275,8 @@
         </p:nvSpPr>
         <p:spPr>
           <a:xfrm>
-            <a:off x="1447331" y="2010878"/>
-            <a:ext cx="4645152" cy="3448595"/>
+            <a:off x="1257300" y="2286000"/>
+            <a:ext cx="4800600" cy="3619500"/>
           </a:xfrm>
         </p:spPr>
         <p:txBody>
@@ -1378,8 +3332,8 @@
         </p:nvSpPr>
         <p:spPr>
           <a:xfrm>
-            <a:off x="6413771" y="2017343"/>
-            <a:ext cx="4645152" cy="3441520"/>
+            <a:off x="6647796" y="2286000"/>
+            <a:ext cx="4800600" cy="3619500"/>
           </a:xfrm>
         </p:spPr>
         <p:txBody>
@@ -1488,47 +3442,21 @@
           </a:p>
         </p:txBody>
       </p:sp>
-      <p:cxnSp>
-        <p:nvCxnSpPr>
-          <p:cNvPr id="35" name="Straight Connector 34"/>
-          <p:cNvCxnSpPr/>
-          <p:nvPr/>
-        </p:nvCxnSpPr>
-        <p:spPr>
-          <a:xfrm>
-            <a:off x="1453896" y="1847088"/>
-            <a:ext cx="9607522" cy="0"/>
-          </a:xfrm>
-          <a:prstGeom prst="line">
-            <a:avLst/>
-          </a:prstGeom>
-          <a:ln w="31750"/>
-        </p:spPr>
-        <p:style>
-          <a:lnRef idx="3">
-            <a:schemeClr val="accent1"/>
-          </a:lnRef>
-          <a:fillRef idx="0">
-            <a:schemeClr val="accent1"/>
-          </a:fillRef>
-          <a:effectRef idx="2">
-            <a:schemeClr val="accent1"/>
-          </a:effectRef>
-          <a:fontRef idx="minor">
-            <a:schemeClr val="tx1"/>
-          </a:fontRef>
-        </p:style>
-      </p:cxnSp>
     </p:spTree>
     <p:extLst>
       <p:ext uri="{BB962C8B-B14F-4D97-AF65-F5344CB8AC3E}">
-        <p14:creationId xmlns:p14="http://schemas.microsoft.com/office/powerpoint/2010/main" val="3090681461"/>
+        <p14:creationId xmlns:p14="http://schemas.microsoft.com/office/powerpoint/2010/main" val="83025842"/>
       </p:ext>
     </p:extLst>
   </p:cSld>
   <p:clrMapOvr>
     <a:masterClrMapping/>
   </p:clrMapOvr>
+  <p:extLst mod="1">
+    <p:ext uri="{DCECCB84-F9BA-43D5-87BE-67443E8EF086}">
+      <p15:sldGuideLst xmlns:p15="http://schemas.microsoft.com/office/powerpoint/2012/main"/>
+    </p:ext>
+  </p:extLst>
 </p:sldLayout>
 </file>
 
@@ -1561,8 +3489,8 @@
         </p:nvSpPr>
         <p:spPr>
           <a:xfrm>
-            <a:off x="1447191" y="804163"/>
-            <a:ext cx="9607661" cy="1056319"/>
+            <a:off x="1252728" y="381000"/>
+            <a:ext cx="10172700" cy="1493517"/>
           </a:xfrm>
         </p:spPr>
         <p:txBody>
@@ -1589,13 +3517,13 @@
         </p:nvSpPr>
         <p:spPr>
           <a:xfrm>
-            <a:off x="1447191" y="2019549"/>
-            <a:ext cx="4645152" cy="801943"/>
+            <a:off x="1251678" y="2199633"/>
+            <a:ext cx="4800600" cy="632529"/>
           </a:xfrm>
         </p:spPr>
         <p:txBody>
           <a:bodyPr anchor="b">
-            <a:normAutofit/>
+            <a:noAutofit/>
           </a:bodyPr>
           <a:lstStyle>
             <a:lvl1pPr marL="0" indent="0">
@@ -1603,15 +3531,15 @@
                 <a:spcPct val="100000"/>
               </a:lnSpc>
               <a:buNone/>
-              <a:defRPr sz="2200" b="0" cap="all" baseline="0">
+              <a:defRPr sz="1900" b="1" cap="all" spc="200" baseline="0">
                 <a:solidFill>
-                  <a:schemeClr val="accent1"/>
+                  <a:schemeClr val="tx2"/>
                 </a:solidFill>
               </a:defRPr>
             </a:lvl1pPr>
             <a:lvl2pPr marL="457200" indent="0">
               <a:buNone/>
-              <a:defRPr sz="2000" b="1"/>
+              <a:defRPr sz="1900" b="1"/>
             </a:lvl2pPr>
             <a:lvl3pPr marL="914400" indent="0">
               <a:buNone/>
@@ -1663,8 +3591,8 @@
         </p:nvSpPr>
         <p:spPr>
           <a:xfrm>
-            <a:off x="1447191" y="2824269"/>
-            <a:ext cx="4645152" cy="2644457"/>
+            <a:off x="1257300" y="2909102"/>
+            <a:ext cx="4800600" cy="2996398"/>
           </a:xfrm>
         </p:spPr>
         <p:txBody>
@@ -1720,13 +3648,13 @@
         </p:nvSpPr>
         <p:spPr>
           <a:xfrm>
-            <a:off x="6412362" y="2023003"/>
-            <a:ext cx="4645152" cy="802237"/>
+            <a:off x="6633864" y="2199633"/>
+            <a:ext cx="4800600" cy="632529"/>
           </a:xfrm>
         </p:spPr>
         <p:txBody>
           <a:bodyPr anchor="b">
-            <a:normAutofit/>
+            <a:noAutofit/>
           </a:bodyPr>
           <a:lstStyle>
             <a:lvl1pPr marL="0" indent="0">
@@ -1734,15 +3662,15 @@
                 <a:spcPct val="100000"/>
               </a:lnSpc>
               <a:buNone/>
-              <a:defRPr sz="2200" b="0" cap="all" baseline="0">
+              <a:defRPr sz="1900" b="1" cap="all" spc="200" baseline="0">
                 <a:solidFill>
-                  <a:schemeClr val="accent1"/>
+                  <a:schemeClr val="tx2"/>
                 </a:solidFill>
               </a:defRPr>
             </a:lvl1pPr>
             <a:lvl2pPr marL="457200" indent="0">
               <a:buNone/>
-              <a:defRPr sz="2000" b="1"/>
+              <a:defRPr sz="1900" b="1"/>
             </a:lvl2pPr>
             <a:lvl3pPr marL="914400" indent="0">
               <a:buNone/>
@@ -1794,8 +3722,8 @@
         </p:nvSpPr>
         <p:spPr>
           <a:xfrm>
-            <a:off x="6412362" y="2821491"/>
-            <a:ext cx="4645152" cy="2637371"/>
+            <a:off x="6633864" y="2909102"/>
+            <a:ext cx="4800600" cy="2996398"/>
           </a:xfrm>
         </p:spPr>
         <p:txBody>
@@ -1904,47 +3832,21 @@
           </a:p>
         </p:txBody>
       </p:sp>
-      <p:cxnSp>
-        <p:nvCxnSpPr>
-          <p:cNvPr id="29" name="Straight Connector 28"/>
-          <p:cNvCxnSpPr/>
-          <p:nvPr/>
-        </p:nvCxnSpPr>
-        <p:spPr>
-          <a:xfrm>
-            <a:off x="1453896" y="1847088"/>
-            <a:ext cx="9607522" cy="0"/>
-          </a:xfrm>
-          <a:prstGeom prst="line">
-            <a:avLst/>
-          </a:prstGeom>
-          <a:ln w="31750"/>
-        </p:spPr>
-        <p:style>
-          <a:lnRef idx="3">
-            <a:schemeClr val="accent1"/>
-          </a:lnRef>
-          <a:fillRef idx="0">
-            <a:schemeClr val="accent1"/>
-          </a:fillRef>
-          <a:effectRef idx="2">
-            <a:schemeClr val="accent1"/>
-          </a:effectRef>
-          <a:fontRef idx="minor">
-            <a:schemeClr val="tx1"/>
-          </a:fontRef>
-        </p:style>
-      </p:cxnSp>
     </p:spTree>
     <p:extLst>
       <p:ext uri="{BB962C8B-B14F-4D97-AF65-F5344CB8AC3E}">
-        <p14:creationId xmlns:p14="http://schemas.microsoft.com/office/powerpoint/2010/main" val="1555567570"/>
+        <p14:creationId xmlns:p14="http://schemas.microsoft.com/office/powerpoint/2010/main" val="1105998222"/>
       </p:ext>
     </p:extLst>
   </p:cSld>
   <p:clrMapOvr>
     <a:masterClrMapping/>
   </p:clrMapOvr>
+  <p:extLst mod="1">
+    <p:ext uri="{DCECCB84-F9BA-43D5-87BE-67443E8EF086}">
+      <p15:sldGuideLst xmlns:p15="http://schemas.microsoft.com/office/powerpoint/2012/main"/>
+    </p:ext>
+  </p:extLst>
 </p:sldLayout>
 </file>
 
@@ -2053,41 +3955,10 @@
           </a:p>
         </p:txBody>
       </p:sp>
-      <p:cxnSp>
-        <p:nvCxnSpPr>
-          <p:cNvPr id="25" name="Straight Connector 24"/>
-          <p:cNvCxnSpPr/>
-          <p:nvPr/>
-        </p:nvCxnSpPr>
-        <p:spPr>
-          <a:xfrm>
-            <a:off x="1453896" y="1847088"/>
-            <a:ext cx="9607522" cy="0"/>
-          </a:xfrm>
-          <a:prstGeom prst="line">
-            <a:avLst/>
-          </a:prstGeom>
-          <a:ln w="31750"/>
-        </p:spPr>
-        <p:style>
-          <a:lnRef idx="3">
-            <a:schemeClr val="accent1"/>
-          </a:lnRef>
-          <a:fillRef idx="0">
-            <a:schemeClr val="accent1"/>
-          </a:fillRef>
-          <a:effectRef idx="2">
-            <a:schemeClr val="accent1"/>
-          </a:effectRef>
-          <a:fontRef idx="minor">
-            <a:schemeClr val="tx1"/>
-          </a:fontRef>
-        </p:style>
-      </p:cxnSp>
     </p:spTree>
     <p:extLst>
       <p:ext uri="{BB962C8B-B14F-4D97-AF65-F5344CB8AC3E}">
-        <p14:creationId xmlns:p14="http://schemas.microsoft.com/office/powerpoint/2010/main" val="4161751253"/>
+        <p14:creationId xmlns:p14="http://schemas.microsoft.com/office/powerpoint/2010/main" val="72984990"/>
       </p:ext>
     </p:extLst>
   </p:cSld>
@@ -2182,7 +4053,7 @@
     </p:spTree>
     <p:extLst>
       <p:ext uri="{BB962C8B-B14F-4D97-AF65-F5344CB8AC3E}">
-        <p14:creationId xmlns:p14="http://schemas.microsoft.com/office/powerpoint/2010/main" val="1039739918"/>
+        <p14:creationId xmlns:p14="http://schemas.microsoft.com/office/powerpoint/2010/main" val="1543623310"/>
       </p:ext>
     </p:extLst>
   </p:cSld>
@@ -2193,7 +4064,7 @@
 </file>
 
 <file path=ppt/slideLayouts/slideLayout8.xml><?xml version="1.0" encoding="utf-8"?>
-<p:sldLayout xmlns:a="http://schemas.openxmlformats.org/drawingml/2006/main" xmlns:r="http://schemas.openxmlformats.org/officeDocument/2006/relationships" xmlns:p="http://schemas.openxmlformats.org/presentationml/2006/main" type="objTx" preserve="1">
+<p:sldLayout xmlns:a="http://schemas.openxmlformats.org/drawingml/2006/main" xmlns:r="http://schemas.openxmlformats.org/officeDocument/2006/relationships" xmlns:p="http://schemas.openxmlformats.org/presentationml/2006/main" showMasterSp="0" type="objTx" preserve="1">
   <p:cSld name="Content with Caption">
     <p:spTree>
       <p:nvGrpSpPr>
@@ -2211,6 +4082,467 @@
       </p:grpSpPr>
       <p:sp>
         <p:nvSpPr>
+          <p:cNvPr id="17" name="Freeform 11" title="right scallop background shape"/>
+          <p:cNvSpPr/>
+          <p:nvPr/>
+        </p:nvSpPr>
+        <p:spPr bwMode="auto">
+          <a:xfrm>
+            <a:off x="7389812" y="0"/>
+            <a:ext cx="4802188" cy="6858000"/>
+          </a:xfrm>
+          <a:custGeom>
+            <a:avLst/>
+            <a:gdLst/>
+            <a:ahLst/>
+            <a:cxnLst/>
+            <a:rect l="0" t="0" r="r" b="b"/>
+            <a:pathLst>
+              <a:path w="3025" h="4320">
+                <a:moveTo>
+                  <a:pt x="0" y="0"/>
+                </a:moveTo>
+                <a:lnTo>
+                  <a:pt x="3025" y="0"/>
+                </a:lnTo>
+                <a:lnTo>
+                  <a:pt x="3025" y="4320"/>
+                </a:lnTo>
+                <a:lnTo>
+                  <a:pt x="0" y="4320"/>
+                </a:lnTo>
+                <a:lnTo>
+                  <a:pt x="3" y="4278"/>
+                </a:lnTo>
+                <a:lnTo>
+                  <a:pt x="8" y="4243"/>
+                </a:lnTo>
+                <a:lnTo>
+                  <a:pt x="14" y="4210"/>
+                </a:lnTo>
+                <a:lnTo>
+                  <a:pt x="24" y="4183"/>
+                </a:lnTo>
+                <a:lnTo>
+                  <a:pt x="34" y="4156"/>
+                </a:lnTo>
+                <a:lnTo>
+                  <a:pt x="46" y="4133"/>
+                </a:lnTo>
+                <a:lnTo>
+                  <a:pt x="58" y="4109"/>
+                </a:lnTo>
+                <a:lnTo>
+                  <a:pt x="69" y="4087"/>
+                </a:lnTo>
+                <a:lnTo>
+                  <a:pt x="80" y="4062"/>
+                </a:lnTo>
+                <a:lnTo>
+                  <a:pt x="90" y="4036"/>
+                </a:lnTo>
+                <a:lnTo>
+                  <a:pt x="99" y="4007"/>
+                </a:lnTo>
+                <a:lnTo>
+                  <a:pt x="106" y="3976"/>
+                </a:lnTo>
+                <a:lnTo>
+                  <a:pt x="111" y="3938"/>
+                </a:lnTo>
+                <a:lnTo>
+                  <a:pt x="113" y="3895"/>
+                </a:lnTo>
+                <a:lnTo>
+                  <a:pt x="111" y="3851"/>
+                </a:lnTo>
+                <a:lnTo>
+                  <a:pt x="106" y="3815"/>
+                </a:lnTo>
+                <a:lnTo>
+                  <a:pt x="99" y="3782"/>
+                </a:lnTo>
+                <a:lnTo>
+                  <a:pt x="90" y="3752"/>
+                </a:lnTo>
+                <a:lnTo>
+                  <a:pt x="80" y="3726"/>
+                </a:lnTo>
+                <a:lnTo>
+                  <a:pt x="68" y="3702"/>
+                </a:lnTo>
+                <a:lnTo>
+                  <a:pt x="56" y="3679"/>
+                </a:lnTo>
+                <a:lnTo>
+                  <a:pt x="44" y="3655"/>
+                </a:lnTo>
+                <a:lnTo>
+                  <a:pt x="33" y="3630"/>
+                </a:lnTo>
+                <a:lnTo>
+                  <a:pt x="22" y="3604"/>
+                </a:lnTo>
+                <a:lnTo>
+                  <a:pt x="13" y="3575"/>
+                </a:lnTo>
+                <a:lnTo>
+                  <a:pt x="7" y="3542"/>
+                </a:lnTo>
+                <a:lnTo>
+                  <a:pt x="1" y="3504"/>
+                </a:lnTo>
+                <a:lnTo>
+                  <a:pt x="0" y="3461"/>
+                </a:lnTo>
+                <a:lnTo>
+                  <a:pt x="1" y="3418"/>
+                </a:lnTo>
+                <a:lnTo>
+                  <a:pt x="7" y="3380"/>
+                </a:lnTo>
+                <a:lnTo>
+                  <a:pt x="13" y="3347"/>
+                </a:lnTo>
+                <a:lnTo>
+                  <a:pt x="22" y="3319"/>
+                </a:lnTo>
+                <a:lnTo>
+                  <a:pt x="33" y="3292"/>
+                </a:lnTo>
+                <a:lnTo>
+                  <a:pt x="44" y="3267"/>
+                </a:lnTo>
+                <a:lnTo>
+                  <a:pt x="56" y="3244"/>
+                </a:lnTo>
+                <a:lnTo>
+                  <a:pt x="68" y="3222"/>
+                </a:lnTo>
+                <a:lnTo>
+                  <a:pt x="80" y="3197"/>
+                </a:lnTo>
+                <a:lnTo>
+                  <a:pt x="90" y="3171"/>
+                </a:lnTo>
+                <a:lnTo>
+                  <a:pt x="99" y="3142"/>
+                </a:lnTo>
+                <a:lnTo>
+                  <a:pt x="106" y="3109"/>
+                </a:lnTo>
+                <a:lnTo>
+                  <a:pt x="111" y="3071"/>
+                </a:lnTo>
+                <a:lnTo>
+                  <a:pt x="113" y="3028"/>
+                </a:lnTo>
+                <a:lnTo>
+                  <a:pt x="111" y="2985"/>
+                </a:lnTo>
+                <a:lnTo>
+                  <a:pt x="106" y="2947"/>
+                </a:lnTo>
+                <a:lnTo>
+                  <a:pt x="99" y="2914"/>
+                </a:lnTo>
+                <a:lnTo>
+                  <a:pt x="90" y="2885"/>
+                </a:lnTo>
+                <a:lnTo>
+                  <a:pt x="80" y="2858"/>
+                </a:lnTo>
+                <a:lnTo>
+                  <a:pt x="68" y="2834"/>
+                </a:lnTo>
+                <a:lnTo>
+                  <a:pt x="44" y="2787"/>
+                </a:lnTo>
+                <a:lnTo>
+                  <a:pt x="33" y="2763"/>
+                </a:lnTo>
+                <a:lnTo>
+                  <a:pt x="22" y="2736"/>
+                </a:lnTo>
+                <a:lnTo>
+                  <a:pt x="13" y="2707"/>
+                </a:lnTo>
+                <a:lnTo>
+                  <a:pt x="7" y="2674"/>
+                </a:lnTo>
+                <a:lnTo>
+                  <a:pt x="1" y="2637"/>
+                </a:lnTo>
+                <a:lnTo>
+                  <a:pt x="0" y="2593"/>
+                </a:lnTo>
+                <a:lnTo>
+                  <a:pt x="1" y="2550"/>
+                </a:lnTo>
+                <a:lnTo>
+                  <a:pt x="7" y="2512"/>
+                </a:lnTo>
+                <a:lnTo>
+                  <a:pt x="13" y="2479"/>
+                </a:lnTo>
+                <a:lnTo>
+                  <a:pt x="22" y="2451"/>
+                </a:lnTo>
+                <a:lnTo>
+                  <a:pt x="33" y="2424"/>
+                </a:lnTo>
+                <a:lnTo>
+                  <a:pt x="44" y="2401"/>
+                </a:lnTo>
+                <a:lnTo>
+                  <a:pt x="68" y="2354"/>
+                </a:lnTo>
+                <a:lnTo>
+                  <a:pt x="80" y="2329"/>
+                </a:lnTo>
+                <a:lnTo>
+                  <a:pt x="90" y="2303"/>
+                </a:lnTo>
+                <a:lnTo>
+                  <a:pt x="99" y="2274"/>
+                </a:lnTo>
+                <a:lnTo>
+                  <a:pt x="106" y="2241"/>
+                </a:lnTo>
+                <a:lnTo>
+                  <a:pt x="111" y="2203"/>
+                </a:lnTo>
+                <a:lnTo>
+                  <a:pt x="113" y="2159"/>
+                </a:lnTo>
+                <a:lnTo>
+                  <a:pt x="111" y="2117"/>
+                </a:lnTo>
+                <a:lnTo>
+                  <a:pt x="106" y="2079"/>
+                </a:lnTo>
+                <a:lnTo>
+                  <a:pt x="99" y="2046"/>
+                </a:lnTo>
+                <a:lnTo>
+                  <a:pt x="90" y="2017"/>
+                </a:lnTo>
+                <a:lnTo>
+                  <a:pt x="80" y="1991"/>
+                </a:lnTo>
+                <a:lnTo>
+                  <a:pt x="68" y="1966"/>
+                </a:lnTo>
+                <a:lnTo>
+                  <a:pt x="56" y="1943"/>
+                </a:lnTo>
+                <a:lnTo>
+                  <a:pt x="44" y="1919"/>
+                </a:lnTo>
+                <a:lnTo>
+                  <a:pt x="33" y="1896"/>
+                </a:lnTo>
+                <a:lnTo>
+                  <a:pt x="22" y="1869"/>
+                </a:lnTo>
+                <a:lnTo>
+                  <a:pt x="13" y="1841"/>
+                </a:lnTo>
+                <a:lnTo>
+                  <a:pt x="7" y="1807"/>
+                </a:lnTo>
+                <a:lnTo>
+                  <a:pt x="1" y="1770"/>
+                </a:lnTo>
+                <a:lnTo>
+                  <a:pt x="0" y="1727"/>
+                </a:lnTo>
+                <a:lnTo>
+                  <a:pt x="1" y="1683"/>
+                </a:lnTo>
+                <a:lnTo>
+                  <a:pt x="7" y="1646"/>
+                </a:lnTo>
+                <a:lnTo>
+                  <a:pt x="13" y="1613"/>
+                </a:lnTo>
+                <a:lnTo>
+                  <a:pt x="22" y="1583"/>
+                </a:lnTo>
+                <a:lnTo>
+                  <a:pt x="33" y="1557"/>
+                </a:lnTo>
+                <a:lnTo>
+                  <a:pt x="44" y="1533"/>
+                </a:lnTo>
+                <a:lnTo>
+                  <a:pt x="56" y="1509"/>
+                </a:lnTo>
+                <a:lnTo>
+                  <a:pt x="68" y="1486"/>
+                </a:lnTo>
+                <a:lnTo>
+                  <a:pt x="80" y="1461"/>
+                </a:lnTo>
+                <a:lnTo>
+                  <a:pt x="90" y="1435"/>
+                </a:lnTo>
+                <a:lnTo>
+                  <a:pt x="99" y="1406"/>
+                </a:lnTo>
+                <a:lnTo>
+                  <a:pt x="106" y="1373"/>
+                </a:lnTo>
+                <a:lnTo>
+                  <a:pt x="111" y="1335"/>
+                </a:lnTo>
+                <a:lnTo>
+                  <a:pt x="113" y="1292"/>
+                </a:lnTo>
+                <a:lnTo>
+                  <a:pt x="111" y="1249"/>
+                </a:lnTo>
+                <a:lnTo>
+                  <a:pt x="106" y="1211"/>
+                </a:lnTo>
+                <a:lnTo>
+                  <a:pt x="99" y="1178"/>
+                </a:lnTo>
+                <a:lnTo>
+                  <a:pt x="90" y="1149"/>
+                </a:lnTo>
+                <a:lnTo>
+                  <a:pt x="80" y="1123"/>
+                </a:lnTo>
+                <a:lnTo>
+                  <a:pt x="68" y="1098"/>
+                </a:lnTo>
+                <a:lnTo>
+                  <a:pt x="56" y="1076"/>
+                </a:lnTo>
+                <a:lnTo>
+                  <a:pt x="44" y="1053"/>
+                </a:lnTo>
+                <a:lnTo>
+                  <a:pt x="33" y="1028"/>
+                </a:lnTo>
+                <a:lnTo>
+                  <a:pt x="22" y="1001"/>
+                </a:lnTo>
+                <a:lnTo>
+                  <a:pt x="13" y="973"/>
+                </a:lnTo>
+                <a:lnTo>
+                  <a:pt x="7" y="940"/>
+                </a:lnTo>
+                <a:lnTo>
+                  <a:pt x="1" y="902"/>
+                </a:lnTo>
+                <a:lnTo>
+                  <a:pt x="0" y="859"/>
+                </a:lnTo>
+                <a:lnTo>
+                  <a:pt x="1" y="816"/>
+                </a:lnTo>
+                <a:lnTo>
+                  <a:pt x="7" y="778"/>
+                </a:lnTo>
+                <a:lnTo>
+                  <a:pt x="13" y="745"/>
+                </a:lnTo>
+                <a:lnTo>
+                  <a:pt x="22" y="716"/>
+                </a:lnTo>
+                <a:lnTo>
+                  <a:pt x="33" y="690"/>
+                </a:lnTo>
+                <a:lnTo>
+                  <a:pt x="44" y="665"/>
+                </a:lnTo>
+                <a:lnTo>
+                  <a:pt x="56" y="641"/>
+                </a:lnTo>
+                <a:lnTo>
+                  <a:pt x="68" y="618"/>
+                </a:lnTo>
+                <a:lnTo>
+                  <a:pt x="80" y="594"/>
+                </a:lnTo>
+                <a:lnTo>
+                  <a:pt x="90" y="568"/>
+                </a:lnTo>
+                <a:lnTo>
+                  <a:pt x="99" y="538"/>
+                </a:lnTo>
+                <a:lnTo>
+                  <a:pt x="106" y="505"/>
+                </a:lnTo>
+                <a:lnTo>
+                  <a:pt x="111" y="469"/>
+                </a:lnTo>
+                <a:lnTo>
+                  <a:pt x="113" y="424"/>
+                </a:lnTo>
+                <a:lnTo>
+                  <a:pt x="111" y="382"/>
+                </a:lnTo>
+                <a:lnTo>
+                  <a:pt x="106" y="344"/>
+                </a:lnTo>
+                <a:lnTo>
+                  <a:pt x="99" y="313"/>
+                </a:lnTo>
+                <a:lnTo>
+                  <a:pt x="90" y="284"/>
+                </a:lnTo>
+                <a:lnTo>
+                  <a:pt x="80" y="258"/>
+                </a:lnTo>
+                <a:lnTo>
+                  <a:pt x="69" y="233"/>
+                </a:lnTo>
+                <a:lnTo>
+                  <a:pt x="58" y="211"/>
+                </a:lnTo>
+                <a:lnTo>
+                  <a:pt x="46" y="187"/>
+                </a:lnTo>
+                <a:lnTo>
+                  <a:pt x="34" y="164"/>
+                </a:lnTo>
+                <a:lnTo>
+                  <a:pt x="24" y="137"/>
+                </a:lnTo>
+                <a:lnTo>
+                  <a:pt x="14" y="110"/>
+                </a:lnTo>
+                <a:lnTo>
+                  <a:pt x="8" y="77"/>
+                </a:lnTo>
+                <a:lnTo>
+                  <a:pt x="3" y="42"/>
+                </a:lnTo>
+                <a:lnTo>
+                  <a:pt x="0" y="0"/>
+                </a:lnTo>
+                <a:close/>
+              </a:path>
+            </a:pathLst>
+          </a:custGeom>
+          <a:solidFill>
+            <a:schemeClr val="tx2"/>
+          </a:solidFill>
+          <a:ln w="0">
+            <a:noFill/>
+            <a:prstDash val="solid"/>
+            <a:round/>
+            <a:headEnd/>
+            <a:tailEnd/>
+          </a:ln>
+        </p:spPr>
+      </p:sp>
+      <p:sp>
+        <p:nvSpPr>
           <p:cNvPr id="2" name="Title 1"/>
           <p:cNvSpPr>
             <a:spLocks noGrp="1"/>
@@ -2221,8 +4553,8 @@
         </p:nvSpPr>
         <p:spPr>
           <a:xfrm>
-            <a:off x="1444671" y="798973"/>
-            <a:ext cx="3273099" cy="2247117"/>
+            <a:off x="8337884" y="457199"/>
+            <a:ext cx="3092115" cy="1196671"/>
           </a:xfrm>
         </p:spPr>
         <p:txBody>
@@ -2230,8 +4562,16 @@
             <a:normAutofit/>
           </a:bodyPr>
           <a:lstStyle>
-            <a:lvl1pPr algn="l">
-              <a:defRPr sz="2400"/>
+            <a:lvl1pPr>
+              <a:lnSpc>
+                <a:spcPct val="100000"/>
+              </a:lnSpc>
+              <a:defRPr sz="1900" b="1" i="0" cap="all" spc="300" baseline="0">
+                <a:solidFill>
+                  <a:schemeClr val="accent1"/>
+                </a:solidFill>
+                <a:latin typeface="+mn-lt"/>
+              </a:defRPr>
             </a:lvl1pPr>
           </a:lstStyle>
           <a:p>
@@ -2255,13 +4595,41 @@
         </p:nvSpPr>
         <p:spPr>
           <a:xfrm>
-            <a:off x="5043714" y="798974"/>
-            <a:ext cx="6012470" cy="4658826"/>
+            <a:off x="765051" y="920377"/>
+            <a:ext cx="6158418" cy="4985124"/>
           </a:xfrm>
         </p:spPr>
         <p:txBody>
-          <a:bodyPr anchor="ctr"/>
-          <a:lstStyle/>
+          <a:bodyPr/>
+          <a:lstStyle>
+            <a:lvl1pPr>
+              <a:defRPr sz="3200"/>
+            </a:lvl1pPr>
+            <a:lvl2pPr>
+              <a:defRPr sz="2800"/>
+            </a:lvl2pPr>
+            <a:lvl3pPr>
+              <a:defRPr sz="2400"/>
+            </a:lvl3pPr>
+            <a:lvl4pPr>
+              <a:defRPr sz="2000"/>
+            </a:lvl4pPr>
+            <a:lvl5pPr>
+              <a:defRPr sz="2000"/>
+            </a:lvl5pPr>
+            <a:lvl6pPr>
+              <a:defRPr sz="2000"/>
+            </a:lvl6pPr>
+            <a:lvl7pPr>
+              <a:defRPr sz="2000"/>
+            </a:lvl7pPr>
+            <a:lvl8pPr>
+              <a:defRPr sz="2000"/>
+            </a:lvl8pPr>
+            <a:lvl9pPr>
+              <a:defRPr sz="2000"/>
+            </a:lvl9pPr>
+          </a:lstStyle>
           <a:p>
             <a:pPr lvl="0"/>
             <a:r>
@@ -2312,16 +4680,26 @@
         </p:nvSpPr>
         <p:spPr>
           <a:xfrm>
-            <a:off x="1444671" y="3205491"/>
-            <a:ext cx="3275013" cy="2248181"/>
+            <a:off x="8337885" y="1741336"/>
+            <a:ext cx="3092115" cy="4164164"/>
           </a:xfrm>
         </p:spPr>
         <p:txBody>
           <a:bodyPr/>
           <a:lstStyle>
-            <a:lvl1pPr marL="0" indent="0" algn="l">
+            <a:lvl1pPr marL="0" indent="0">
+              <a:lnSpc>
+                <a:spcPct val="120000"/>
+              </a:lnSpc>
+              <a:spcBef>
+                <a:spcPts val="1200"/>
+              </a:spcBef>
               <a:buNone/>
-              <a:defRPr sz="1600"/>
+              <a:defRPr sz="1600" baseline="0">
+                <a:solidFill>
+                  <a:schemeClr val="bg2"/>
+                </a:solidFill>
+              </a:defRPr>
             </a:lvl1pPr>
             <a:lvl2pPr marL="457200" indent="0">
               <a:buNone/>
@@ -2375,7 +4753,12 @@
             <p:ph type="dt" sz="half" idx="10"/>
           </p:nvPr>
         </p:nvSpPr>
-        <p:spPr/>
+        <p:spPr>
+          <a:xfrm>
+            <a:off x="765051" y="6375679"/>
+            <a:ext cx="1233355" cy="348462"/>
+          </a:xfrm>
+        </p:spPr>
         <p:txBody>
           <a:bodyPr/>
           <a:lstStyle/>
@@ -2398,7 +4781,12 @@
             <p:ph type="ftr" sz="quarter" idx="11"/>
           </p:nvPr>
         </p:nvSpPr>
-        <p:spPr/>
+        <p:spPr>
+          <a:xfrm>
+            <a:off x="2103620" y="6375679"/>
+            <a:ext cx="3482179" cy="345796"/>
+          </a:xfrm>
+        </p:spPr>
         <p:txBody>
           <a:bodyPr/>
           <a:lstStyle/>
@@ -2417,7 +4805,12 @@
             <p:ph type="sldNum" sz="quarter" idx="12"/>
           </p:nvPr>
         </p:nvSpPr>
-        <p:spPr/>
+        <p:spPr>
+          <a:xfrm>
+            <a:off x="5691014" y="6375679"/>
+            <a:ext cx="1232456" cy="345796"/>
+          </a:xfrm>
+        </p:spPr>
         <p:txBody>
           <a:bodyPr/>
           <a:lstStyle/>
@@ -2430,52 +4823,70 @@
           </a:p>
         </p:txBody>
       </p:sp>
-      <p:cxnSp>
-        <p:nvCxnSpPr>
-          <p:cNvPr id="17" name="Straight Connector 16"/>
-          <p:cNvCxnSpPr/>
+      <p:sp>
+        <p:nvSpPr>
+          <p:cNvPr id="8" name="Rectangle 7" title="left edge border"/>
+          <p:cNvSpPr/>
           <p:nvPr/>
-        </p:nvCxnSpPr>
+        </p:nvSpPr>
         <p:spPr>
           <a:xfrm>
-            <a:off x="1448280" y="3205491"/>
-            <a:ext cx="3269490" cy="0"/>
+            <a:off x="0" y="0"/>
+            <a:ext cx="283464" cy="6858000"/>
           </a:xfrm>
-          <a:prstGeom prst="line">
+          <a:prstGeom prst="rect">
             <a:avLst/>
           </a:prstGeom>
-          <a:ln w="31750"/>
+          <a:solidFill>
+            <a:schemeClr val="accent1"/>
+          </a:solidFill>
+          <a:ln>
+            <a:noFill/>
+          </a:ln>
         </p:spPr>
         <p:style>
-          <a:lnRef idx="3">
-            <a:schemeClr val="accent1"/>
+          <a:lnRef idx="2">
+            <a:schemeClr val="accent1">
+              <a:shade val="50000"/>
+            </a:schemeClr>
           </a:lnRef>
-          <a:fillRef idx="0">
+          <a:fillRef idx="1">
             <a:schemeClr val="accent1"/>
           </a:fillRef>
-          <a:effectRef idx="2">
+          <a:effectRef idx="0">
             <a:schemeClr val="accent1"/>
           </a:effectRef>
           <a:fontRef idx="minor">
-            <a:schemeClr val="tx1"/>
+            <a:schemeClr val="lt1"/>
           </a:fontRef>
         </p:style>
-      </p:cxnSp>
+      </p:sp>
     </p:spTree>
     <p:extLst>
       <p:ext uri="{BB962C8B-B14F-4D97-AF65-F5344CB8AC3E}">
-        <p14:creationId xmlns:p14="http://schemas.microsoft.com/office/powerpoint/2010/main" val="3439824808"/>
+        <p14:creationId xmlns:p14="http://schemas.microsoft.com/office/powerpoint/2010/main" val="3598484230"/>
       </p:ext>
     </p:extLst>
   </p:cSld>
   <p:clrMapOvr>
     <a:masterClrMapping/>
   </p:clrMapOvr>
+  <p:extLst mod="1">
+    <p:ext uri="{DCECCB84-F9BA-43D5-87BE-67443E8EF086}">
+      <p15:sldGuideLst xmlns:p15="http://schemas.microsoft.com/office/powerpoint/2012/main">
+        <p15:guide id="1" orient="horz" pos="696">
+          <p15:clr>
+            <a:srgbClr val="FBAE40"/>
+          </p15:clr>
+        </p15:guide>
+      </p15:sldGuideLst>
+    </p:ext>
+  </p:extLst>
 </p:sldLayout>
 </file>
 
 <file path=ppt/slideLayouts/slideLayout9.xml><?xml version="1.0" encoding="utf-8"?>
-<p:sldLayout xmlns:a="http://schemas.openxmlformats.org/drawingml/2006/main" xmlns:r="http://schemas.openxmlformats.org/officeDocument/2006/relationships" xmlns:p="http://schemas.openxmlformats.org/presentationml/2006/main" type="picTx" preserve="1">
+<p:sldLayout xmlns:a="http://schemas.openxmlformats.org/drawingml/2006/main" xmlns:r="http://schemas.openxmlformats.org/officeDocument/2006/relationships" xmlns:p="http://schemas.openxmlformats.org/presentationml/2006/main" showMasterSp="0" type="picTx" preserve="1">
   <p:cSld name="Picture with Caption">
     <p:spTree>
       <p:nvGrpSpPr>
@@ -2491,174 +4902,6 @@
           <a:chExt cx="0" cy="0"/>
         </a:xfrm>
       </p:grpSpPr>
-      <p:grpSp>
-        <p:nvGrpSpPr>
-          <p:cNvPr id="8" name="Group 7"/>
-          <p:cNvGrpSpPr/>
-          <p:nvPr/>
-        </p:nvGrpSpPr>
-        <p:grpSpPr>
-          <a:xfrm>
-            <a:off x="7477387" y="482170"/>
-            <a:ext cx="4074533" cy="5149101"/>
-            <a:chOff x="7477387" y="482170"/>
-            <a:chExt cx="4074533" cy="5149101"/>
-          </a:xfrm>
-        </p:grpSpPr>
-        <p:sp>
-          <p:nvSpPr>
-            <p:cNvPr id="18" name="Rectangle 17"/>
-            <p:cNvSpPr/>
-            <p:nvPr/>
-          </p:nvSpPr>
-          <p:spPr bwMode="black">
-            <a:xfrm>
-              <a:off x="7477387" y="482170"/>
-              <a:ext cx="4074533" cy="5149101"/>
-            </a:xfrm>
-            <a:prstGeom prst="rect">
-              <a:avLst/>
-            </a:prstGeom>
-            <a:gradFill>
-              <a:gsLst>
-                <a:gs pos="0">
-                  <a:srgbClr val="000001"/>
-                </a:gs>
-                <a:gs pos="100000">
-                  <a:srgbClr val="191919"/>
-                </a:gs>
-              </a:gsLst>
-            </a:gradFill>
-            <a:ln w="76200" cmpd="sng">
-              <a:noFill/>
-              <a:miter lim="800000"/>
-            </a:ln>
-            <a:effectLst>
-              <a:outerShdw blurRad="127000" dist="228600" dir="4740000" sx="98000" sy="98000" algn="tl" rotWithShape="0">
-                <a:srgbClr val="000000">
-                  <a:alpha val="34000"/>
-                </a:srgbClr>
-              </a:outerShdw>
-            </a:effectLst>
-            <a:scene3d>
-              <a:camera prst="orthographicFront"/>
-              <a:lightRig rig="threePt" dir="t"/>
-            </a:scene3d>
-            <a:sp3d>
-              <a:bevelT w="152400" h="50800" prst="softRound"/>
-            </a:sp3d>
-          </p:spPr>
-          <p:style>
-            <a:lnRef idx="1">
-              <a:schemeClr val="accent1"/>
-            </a:lnRef>
-            <a:fillRef idx="3">
-              <a:schemeClr val="accent1"/>
-            </a:fillRef>
-            <a:effectRef idx="2">
-              <a:schemeClr val="accent1"/>
-            </a:effectRef>
-            <a:fontRef idx="minor">
-              <a:schemeClr val="lt1"/>
-            </a:fontRef>
-          </p:style>
-        </p:sp>
-        <p:sp>
-          <p:nvSpPr>
-            <p:cNvPr id="19" name="Rectangle 18"/>
-            <p:cNvSpPr/>
-            <p:nvPr/>
-          </p:nvSpPr>
-          <p:spPr bwMode="blackWhite">
-            <a:xfrm>
-              <a:off x="7790446" y="812506"/>
-              <a:ext cx="3450289" cy="4466452"/>
-            </a:xfrm>
-            <a:prstGeom prst="rect">
-              <a:avLst/>
-            </a:prstGeom>
-            <a:gradFill>
-              <a:gsLst>
-                <a:gs pos="0">
-                  <a:srgbClr val="DADADA"/>
-                </a:gs>
-                <a:gs pos="100000">
-                  <a:srgbClr val="FFFFFE"/>
-                </a:gs>
-              </a:gsLst>
-              <a:lin ang="16200000" scaled="0"/>
-            </a:gradFill>
-            <a:ln w="50800" cmpd="sng">
-              <a:solidFill>
-                <a:srgbClr val="191919"/>
-              </a:solidFill>
-              <a:miter lim="800000"/>
-            </a:ln>
-            <a:effectLst>
-              <a:innerShdw blurRad="63500" dist="88900" dir="14100000">
-                <a:srgbClr val="000000">
-                  <a:alpha val="30000"/>
-                </a:srgbClr>
-              </a:innerShdw>
-            </a:effectLst>
-            <a:scene3d>
-              <a:camera prst="orthographicFront"/>
-              <a:lightRig rig="threePt" dir="t"/>
-            </a:scene3d>
-            <a:sp3d>
-              <a:bevelT prst="relaxedInset"/>
-            </a:sp3d>
-          </p:spPr>
-          <p:style>
-            <a:lnRef idx="1">
-              <a:schemeClr val="accent1"/>
-            </a:lnRef>
-            <a:fillRef idx="3">
-              <a:schemeClr val="accent1"/>
-            </a:fillRef>
-            <a:effectRef idx="2">
-              <a:schemeClr val="accent1"/>
-            </a:effectRef>
-            <a:fontRef idx="minor">
-              <a:schemeClr val="lt1"/>
-            </a:fontRef>
-          </p:style>
-        </p:sp>
-      </p:grpSp>
-      <p:sp>
-        <p:nvSpPr>
-          <p:cNvPr id="2" name="Title 1"/>
-          <p:cNvSpPr>
-            <a:spLocks noGrp="1"/>
-          </p:cNvSpPr>
-          <p:nvPr>
-            <p:ph type="title"/>
-          </p:nvPr>
-        </p:nvSpPr>
-        <p:spPr>
-          <a:xfrm>
-            <a:off x="1451206" y="1129513"/>
-            <a:ext cx="5532328" cy="1830584"/>
-          </a:xfrm>
-        </p:spPr>
-        <p:txBody>
-          <a:bodyPr anchor="b">
-            <a:normAutofit/>
-          </a:bodyPr>
-          <a:lstStyle>
-            <a:lvl1pPr>
-              <a:defRPr sz="3200"/>
-            </a:lvl1pPr>
-          </a:lstStyle>
-          <a:p>
-            <a:r>
-              <a:rPr lang="en-US"/>
-              <a:t>Click to edit Master title style</a:t>
-            </a:r>
-            <a:endParaRPr lang="en-US" dirty="0"/>
-          </a:p>
-        </p:txBody>
-      </p:sp>
       <p:sp>
         <p:nvSpPr>
           <p:cNvPr id="3" name="Picture Placeholder 2"/>
@@ -2671,24 +4914,14 @@
         </p:nvSpPr>
         <p:spPr>
           <a:xfrm>
-            <a:off x="8124389" y="1122542"/>
-            <a:ext cx="2791171" cy="3866327"/>
+            <a:off x="283464" y="0"/>
+            <a:ext cx="7355585" cy="6857999"/>
           </a:xfrm>
-          <a:solidFill>
-            <a:schemeClr val="bg1">
-              <a:lumMod val="85000"/>
-            </a:schemeClr>
-          </a:solidFill>
-          <a:ln w="9525" cap="sq">
-            <a:noFill/>
-            <a:miter lim="800000"/>
-          </a:ln>
-          <a:effectLst/>
         </p:spPr>
         <p:txBody>
           <a:bodyPr anchor="t"/>
           <a:lstStyle>
-            <a:lvl1pPr marL="0" indent="0" algn="ctr">
+            <a:lvl1pPr marL="0" indent="0">
               <a:buNone/>
               <a:defRPr sz="3200"/>
             </a:lvl1pPr>
@@ -2736,6 +4969,547 @@
       </p:sp>
       <p:sp>
         <p:nvSpPr>
+          <p:cNvPr id="11" name="Freeform 11" title="right scallop background shape"/>
+          <p:cNvSpPr/>
+          <p:nvPr/>
+        </p:nvSpPr>
+        <p:spPr bwMode="auto">
+          <a:xfrm>
+            <a:off x="7389812" y="0"/>
+            <a:ext cx="4802188" cy="6858000"/>
+          </a:xfrm>
+          <a:custGeom>
+            <a:avLst/>
+            <a:gdLst/>
+            <a:ahLst/>
+            <a:cxnLst/>
+            <a:rect l="0" t="0" r="r" b="b"/>
+            <a:pathLst>
+              <a:path w="3025" h="4320">
+                <a:moveTo>
+                  <a:pt x="0" y="0"/>
+                </a:moveTo>
+                <a:lnTo>
+                  <a:pt x="3025" y="0"/>
+                </a:lnTo>
+                <a:lnTo>
+                  <a:pt x="3025" y="4320"/>
+                </a:lnTo>
+                <a:lnTo>
+                  <a:pt x="0" y="4320"/>
+                </a:lnTo>
+                <a:lnTo>
+                  <a:pt x="3" y="4278"/>
+                </a:lnTo>
+                <a:lnTo>
+                  <a:pt x="8" y="4243"/>
+                </a:lnTo>
+                <a:lnTo>
+                  <a:pt x="14" y="4210"/>
+                </a:lnTo>
+                <a:lnTo>
+                  <a:pt x="24" y="4183"/>
+                </a:lnTo>
+                <a:lnTo>
+                  <a:pt x="34" y="4156"/>
+                </a:lnTo>
+                <a:lnTo>
+                  <a:pt x="46" y="4133"/>
+                </a:lnTo>
+                <a:lnTo>
+                  <a:pt x="58" y="4109"/>
+                </a:lnTo>
+                <a:lnTo>
+                  <a:pt x="69" y="4087"/>
+                </a:lnTo>
+                <a:lnTo>
+                  <a:pt x="80" y="4062"/>
+                </a:lnTo>
+                <a:lnTo>
+                  <a:pt x="90" y="4036"/>
+                </a:lnTo>
+                <a:lnTo>
+                  <a:pt x="99" y="4007"/>
+                </a:lnTo>
+                <a:lnTo>
+                  <a:pt x="106" y="3976"/>
+                </a:lnTo>
+                <a:lnTo>
+                  <a:pt x="111" y="3938"/>
+                </a:lnTo>
+                <a:lnTo>
+                  <a:pt x="113" y="3895"/>
+                </a:lnTo>
+                <a:lnTo>
+                  <a:pt x="111" y="3851"/>
+                </a:lnTo>
+                <a:lnTo>
+                  <a:pt x="106" y="3815"/>
+                </a:lnTo>
+                <a:lnTo>
+                  <a:pt x="99" y="3782"/>
+                </a:lnTo>
+                <a:lnTo>
+                  <a:pt x="90" y="3752"/>
+                </a:lnTo>
+                <a:lnTo>
+                  <a:pt x="80" y="3726"/>
+                </a:lnTo>
+                <a:lnTo>
+                  <a:pt x="68" y="3702"/>
+                </a:lnTo>
+                <a:lnTo>
+                  <a:pt x="56" y="3679"/>
+                </a:lnTo>
+                <a:lnTo>
+                  <a:pt x="44" y="3655"/>
+                </a:lnTo>
+                <a:lnTo>
+                  <a:pt x="33" y="3630"/>
+                </a:lnTo>
+                <a:lnTo>
+                  <a:pt x="22" y="3604"/>
+                </a:lnTo>
+                <a:lnTo>
+                  <a:pt x="13" y="3575"/>
+                </a:lnTo>
+                <a:lnTo>
+                  <a:pt x="7" y="3542"/>
+                </a:lnTo>
+                <a:lnTo>
+                  <a:pt x="1" y="3504"/>
+                </a:lnTo>
+                <a:lnTo>
+                  <a:pt x="0" y="3461"/>
+                </a:lnTo>
+                <a:lnTo>
+                  <a:pt x="1" y="3418"/>
+                </a:lnTo>
+                <a:lnTo>
+                  <a:pt x="7" y="3380"/>
+                </a:lnTo>
+                <a:lnTo>
+                  <a:pt x="13" y="3347"/>
+                </a:lnTo>
+                <a:lnTo>
+                  <a:pt x="22" y="3319"/>
+                </a:lnTo>
+                <a:lnTo>
+                  <a:pt x="33" y="3292"/>
+                </a:lnTo>
+                <a:lnTo>
+                  <a:pt x="44" y="3267"/>
+                </a:lnTo>
+                <a:lnTo>
+                  <a:pt x="56" y="3244"/>
+                </a:lnTo>
+                <a:lnTo>
+                  <a:pt x="68" y="3222"/>
+                </a:lnTo>
+                <a:lnTo>
+                  <a:pt x="80" y="3197"/>
+                </a:lnTo>
+                <a:lnTo>
+                  <a:pt x="90" y="3171"/>
+                </a:lnTo>
+                <a:lnTo>
+                  <a:pt x="99" y="3142"/>
+                </a:lnTo>
+                <a:lnTo>
+                  <a:pt x="106" y="3109"/>
+                </a:lnTo>
+                <a:lnTo>
+                  <a:pt x="111" y="3071"/>
+                </a:lnTo>
+                <a:lnTo>
+                  <a:pt x="113" y="3028"/>
+                </a:lnTo>
+                <a:lnTo>
+                  <a:pt x="111" y="2985"/>
+                </a:lnTo>
+                <a:lnTo>
+                  <a:pt x="106" y="2947"/>
+                </a:lnTo>
+                <a:lnTo>
+                  <a:pt x="99" y="2914"/>
+                </a:lnTo>
+                <a:lnTo>
+                  <a:pt x="90" y="2885"/>
+                </a:lnTo>
+                <a:lnTo>
+                  <a:pt x="80" y="2858"/>
+                </a:lnTo>
+                <a:lnTo>
+                  <a:pt x="68" y="2834"/>
+                </a:lnTo>
+                <a:lnTo>
+                  <a:pt x="44" y="2787"/>
+                </a:lnTo>
+                <a:lnTo>
+                  <a:pt x="33" y="2763"/>
+                </a:lnTo>
+                <a:lnTo>
+                  <a:pt x="22" y="2736"/>
+                </a:lnTo>
+                <a:lnTo>
+                  <a:pt x="13" y="2707"/>
+                </a:lnTo>
+                <a:lnTo>
+                  <a:pt x="7" y="2674"/>
+                </a:lnTo>
+                <a:lnTo>
+                  <a:pt x="1" y="2637"/>
+                </a:lnTo>
+                <a:lnTo>
+                  <a:pt x="0" y="2593"/>
+                </a:lnTo>
+                <a:lnTo>
+                  <a:pt x="1" y="2550"/>
+                </a:lnTo>
+                <a:lnTo>
+                  <a:pt x="7" y="2512"/>
+                </a:lnTo>
+                <a:lnTo>
+                  <a:pt x="13" y="2479"/>
+                </a:lnTo>
+                <a:lnTo>
+                  <a:pt x="22" y="2451"/>
+                </a:lnTo>
+                <a:lnTo>
+                  <a:pt x="33" y="2424"/>
+                </a:lnTo>
+                <a:lnTo>
+                  <a:pt x="44" y="2401"/>
+                </a:lnTo>
+                <a:lnTo>
+                  <a:pt x="68" y="2354"/>
+                </a:lnTo>
+                <a:lnTo>
+                  <a:pt x="80" y="2329"/>
+                </a:lnTo>
+                <a:lnTo>
+                  <a:pt x="90" y="2303"/>
+                </a:lnTo>
+                <a:lnTo>
+                  <a:pt x="99" y="2274"/>
+                </a:lnTo>
+                <a:lnTo>
+                  <a:pt x="106" y="2241"/>
+                </a:lnTo>
+                <a:lnTo>
+                  <a:pt x="111" y="2203"/>
+                </a:lnTo>
+                <a:lnTo>
+                  <a:pt x="113" y="2159"/>
+                </a:lnTo>
+                <a:lnTo>
+                  <a:pt x="111" y="2117"/>
+                </a:lnTo>
+                <a:lnTo>
+                  <a:pt x="106" y="2079"/>
+                </a:lnTo>
+                <a:lnTo>
+                  <a:pt x="99" y="2046"/>
+                </a:lnTo>
+                <a:lnTo>
+                  <a:pt x="90" y="2017"/>
+                </a:lnTo>
+                <a:lnTo>
+                  <a:pt x="80" y="1991"/>
+                </a:lnTo>
+                <a:lnTo>
+                  <a:pt x="68" y="1966"/>
+                </a:lnTo>
+                <a:lnTo>
+                  <a:pt x="56" y="1943"/>
+                </a:lnTo>
+                <a:lnTo>
+                  <a:pt x="44" y="1919"/>
+                </a:lnTo>
+                <a:lnTo>
+                  <a:pt x="33" y="1896"/>
+                </a:lnTo>
+                <a:lnTo>
+                  <a:pt x="22" y="1869"/>
+                </a:lnTo>
+                <a:lnTo>
+                  <a:pt x="13" y="1841"/>
+                </a:lnTo>
+                <a:lnTo>
+                  <a:pt x="7" y="1807"/>
+                </a:lnTo>
+                <a:lnTo>
+                  <a:pt x="1" y="1770"/>
+                </a:lnTo>
+                <a:lnTo>
+                  <a:pt x="0" y="1727"/>
+                </a:lnTo>
+                <a:lnTo>
+                  <a:pt x="1" y="1683"/>
+                </a:lnTo>
+                <a:lnTo>
+                  <a:pt x="7" y="1646"/>
+                </a:lnTo>
+                <a:lnTo>
+                  <a:pt x="13" y="1613"/>
+                </a:lnTo>
+                <a:lnTo>
+                  <a:pt x="22" y="1583"/>
+                </a:lnTo>
+                <a:lnTo>
+                  <a:pt x="33" y="1557"/>
+                </a:lnTo>
+                <a:lnTo>
+                  <a:pt x="44" y="1533"/>
+                </a:lnTo>
+                <a:lnTo>
+                  <a:pt x="56" y="1509"/>
+                </a:lnTo>
+                <a:lnTo>
+                  <a:pt x="68" y="1486"/>
+                </a:lnTo>
+                <a:lnTo>
+                  <a:pt x="80" y="1461"/>
+                </a:lnTo>
+                <a:lnTo>
+                  <a:pt x="90" y="1435"/>
+                </a:lnTo>
+                <a:lnTo>
+                  <a:pt x="99" y="1406"/>
+                </a:lnTo>
+                <a:lnTo>
+                  <a:pt x="106" y="1373"/>
+                </a:lnTo>
+                <a:lnTo>
+                  <a:pt x="111" y="1335"/>
+                </a:lnTo>
+                <a:lnTo>
+                  <a:pt x="113" y="1292"/>
+                </a:lnTo>
+                <a:lnTo>
+                  <a:pt x="111" y="1249"/>
+                </a:lnTo>
+                <a:lnTo>
+                  <a:pt x="106" y="1211"/>
+                </a:lnTo>
+                <a:lnTo>
+                  <a:pt x="99" y="1178"/>
+                </a:lnTo>
+                <a:lnTo>
+                  <a:pt x="90" y="1149"/>
+                </a:lnTo>
+                <a:lnTo>
+                  <a:pt x="80" y="1123"/>
+                </a:lnTo>
+                <a:lnTo>
+                  <a:pt x="68" y="1098"/>
+                </a:lnTo>
+                <a:lnTo>
+                  <a:pt x="56" y="1076"/>
+                </a:lnTo>
+                <a:lnTo>
+                  <a:pt x="44" y="1053"/>
+                </a:lnTo>
+                <a:lnTo>
+                  <a:pt x="33" y="1028"/>
+                </a:lnTo>
+                <a:lnTo>
+                  <a:pt x="22" y="1001"/>
+                </a:lnTo>
+                <a:lnTo>
+                  <a:pt x="13" y="973"/>
+                </a:lnTo>
+                <a:lnTo>
+                  <a:pt x="7" y="940"/>
+                </a:lnTo>
+                <a:lnTo>
+                  <a:pt x="1" y="902"/>
+                </a:lnTo>
+                <a:lnTo>
+                  <a:pt x="0" y="859"/>
+                </a:lnTo>
+                <a:lnTo>
+                  <a:pt x="1" y="816"/>
+                </a:lnTo>
+                <a:lnTo>
+                  <a:pt x="7" y="778"/>
+                </a:lnTo>
+                <a:lnTo>
+                  <a:pt x="13" y="745"/>
+                </a:lnTo>
+                <a:lnTo>
+                  <a:pt x="22" y="716"/>
+                </a:lnTo>
+                <a:lnTo>
+                  <a:pt x="33" y="690"/>
+                </a:lnTo>
+                <a:lnTo>
+                  <a:pt x="44" y="665"/>
+                </a:lnTo>
+                <a:lnTo>
+                  <a:pt x="56" y="641"/>
+                </a:lnTo>
+                <a:lnTo>
+                  <a:pt x="68" y="618"/>
+                </a:lnTo>
+                <a:lnTo>
+                  <a:pt x="80" y="594"/>
+                </a:lnTo>
+                <a:lnTo>
+                  <a:pt x="90" y="568"/>
+                </a:lnTo>
+                <a:lnTo>
+                  <a:pt x="99" y="538"/>
+                </a:lnTo>
+                <a:lnTo>
+                  <a:pt x="106" y="505"/>
+                </a:lnTo>
+                <a:lnTo>
+                  <a:pt x="111" y="469"/>
+                </a:lnTo>
+                <a:lnTo>
+                  <a:pt x="113" y="424"/>
+                </a:lnTo>
+                <a:lnTo>
+                  <a:pt x="111" y="382"/>
+                </a:lnTo>
+                <a:lnTo>
+                  <a:pt x="106" y="344"/>
+                </a:lnTo>
+                <a:lnTo>
+                  <a:pt x="99" y="313"/>
+                </a:lnTo>
+                <a:lnTo>
+                  <a:pt x="90" y="284"/>
+                </a:lnTo>
+                <a:lnTo>
+                  <a:pt x="80" y="258"/>
+                </a:lnTo>
+                <a:lnTo>
+                  <a:pt x="69" y="233"/>
+                </a:lnTo>
+                <a:lnTo>
+                  <a:pt x="58" y="211"/>
+                </a:lnTo>
+                <a:lnTo>
+                  <a:pt x="46" y="187"/>
+                </a:lnTo>
+                <a:lnTo>
+                  <a:pt x="34" y="164"/>
+                </a:lnTo>
+                <a:lnTo>
+                  <a:pt x="24" y="137"/>
+                </a:lnTo>
+                <a:lnTo>
+                  <a:pt x="14" y="110"/>
+                </a:lnTo>
+                <a:lnTo>
+                  <a:pt x="8" y="77"/>
+                </a:lnTo>
+                <a:lnTo>
+                  <a:pt x="3" y="42"/>
+                </a:lnTo>
+                <a:lnTo>
+                  <a:pt x="0" y="0"/>
+                </a:lnTo>
+                <a:close/>
+              </a:path>
+            </a:pathLst>
+          </a:custGeom>
+          <a:solidFill>
+            <a:schemeClr val="tx2"/>
+          </a:solidFill>
+          <a:ln w="0">
+            <a:noFill/>
+            <a:prstDash val="solid"/>
+            <a:round/>
+            <a:headEnd/>
+            <a:tailEnd/>
+          </a:ln>
+        </p:spPr>
+      </p:sp>
+      <p:sp>
+        <p:nvSpPr>
+          <p:cNvPr id="12" name="Rectangle 11" title="left edge border"/>
+          <p:cNvSpPr/>
+          <p:nvPr/>
+        </p:nvSpPr>
+        <p:spPr>
+          <a:xfrm>
+            <a:off x="0" y="0"/>
+            <a:ext cx="283464" cy="6858000"/>
+          </a:xfrm>
+          <a:prstGeom prst="rect">
+            <a:avLst/>
+          </a:prstGeom>
+          <a:solidFill>
+            <a:schemeClr val="accent1"/>
+          </a:solidFill>
+          <a:ln>
+            <a:noFill/>
+          </a:ln>
+        </p:spPr>
+        <p:style>
+          <a:lnRef idx="2">
+            <a:schemeClr val="accent1">
+              <a:shade val="50000"/>
+            </a:schemeClr>
+          </a:lnRef>
+          <a:fillRef idx="1">
+            <a:schemeClr val="accent1"/>
+          </a:fillRef>
+          <a:effectRef idx="0">
+            <a:schemeClr val="accent1"/>
+          </a:effectRef>
+          <a:fontRef idx="minor">
+            <a:schemeClr val="lt1"/>
+          </a:fontRef>
+        </p:style>
+      </p:sp>
+      <p:sp>
+        <p:nvSpPr>
+          <p:cNvPr id="2" name="Title 1"/>
+          <p:cNvSpPr>
+            <a:spLocks noGrp="1"/>
+          </p:cNvSpPr>
+          <p:nvPr>
+            <p:ph type="title"/>
+          </p:nvPr>
+        </p:nvSpPr>
+        <p:spPr>
+          <a:xfrm>
+            <a:off x="8337883" y="457200"/>
+            <a:ext cx="3092117" cy="1196670"/>
+          </a:xfrm>
+        </p:spPr>
+        <p:txBody>
+          <a:bodyPr anchor="b">
+            <a:normAutofit/>
+          </a:bodyPr>
+          <a:lstStyle>
+            <a:lvl1pPr>
+              <a:lnSpc>
+                <a:spcPct val="100000"/>
+              </a:lnSpc>
+              <a:defRPr sz="1900" b="1" i="0" spc="300" baseline="0">
+                <a:solidFill>
+                  <a:schemeClr val="accent1"/>
+                </a:solidFill>
+                <a:latin typeface="+mn-lt"/>
+              </a:defRPr>
+            </a:lvl1pPr>
+          </a:lstStyle>
+          <a:p>
+            <a:r>
+              <a:rPr lang="en-US"/>
+              <a:t>Click to edit Master title style</a:t>
+            </a:r>
+            <a:endParaRPr lang="en-US" dirty="0"/>
+          </a:p>
+        </p:txBody>
+      </p:sp>
+      <p:sp>
+        <p:nvSpPr>
           <p:cNvPr id="4" name="Text Placeholder 3"/>
           <p:cNvSpPr>
             <a:spLocks noGrp="1"/>
@@ -2746,18 +5520,26 @@
         </p:nvSpPr>
         <p:spPr>
           <a:xfrm>
-            <a:off x="1450329" y="3145992"/>
-            <a:ext cx="5524404" cy="2003742"/>
+            <a:off x="8337883" y="1741336"/>
+            <a:ext cx="3092117" cy="4164164"/>
           </a:xfrm>
         </p:spPr>
         <p:txBody>
-          <a:bodyPr>
-            <a:normAutofit/>
-          </a:bodyPr>
+          <a:bodyPr/>
           <a:lstStyle>
-            <a:lvl1pPr marL="0" indent="0" algn="l">
+            <a:lvl1pPr marL="0" indent="0">
+              <a:lnSpc>
+                <a:spcPct val="120000"/>
+              </a:lnSpc>
+              <a:spcBef>
+                <a:spcPts val="1200"/>
+              </a:spcBef>
               <a:buNone/>
-              <a:defRPr sz="1800"/>
+              <a:defRPr sz="1600" baseline="0">
+                <a:solidFill>
+                  <a:schemeClr val="bg2"/>
+                </a:solidFill>
+              </a:defRPr>
             </a:lvl1pPr>
             <a:lvl2pPr marL="457200" indent="0">
               <a:buNone/>
@@ -2813,17 +5595,13 @@
         </p:nvSpPr>
         <p:spPr>
           <a:xfrm>
-            <a:off x="1447382" y="5469856"/>
-            <a:ext cx="5527351" cy="320123"/>
+            <a:off x="765950" y="6375679"/>
+            <a:ext cx="1232456" cy="348462"/>
           </a:xfrm>
         </p:spPr>
         <p:txBody>
           <a:bodyPr/>
-          <a:lstStyle>
-            <a:lvl1pPr algn="l">
-              <a:defRPr/>
-            </a:lvl1pPr>
-          </a:lstStyle>
+          <a:lstStyle/>
           <a:p>
             <a:fld id="{C9E84918-8141-40FB-A98F-6F9361A5FE0F}" type="datetimeFigureOut">
               <a:rPr lang="en-US" smtClean="0"/>
@@ -2845,8 +5623,8 @@
         </p:nvSpPr>
         <p:spPr>
           <a:xfrm>
-            <a:off x="1447382" y="318640"/>
-            <a:ext cx="5541004" cy="320931"/>
+            <a:off x="2103621" y="6375679"/>
+            <a:ext cx="3482178" cy="345796"/>
           </a:xfrm>
         </p:spPr>
         <p:txBody>
@@ -2867,7 +5645,12 @@
             <p:ph type="sldNum" sz="quarter" idx="12"/>
           </p:nvPr>
         </p:nvSpPr>
-        <p:spPr/>
+        <p:spPr>
+          <a:xfrm>
+            <a:off x="5687568" y="6375679"/>
+            <a:ext cx="1234440" cy="345796"/>
+          </a:xfrm>
+        </p:spPr>
         <p:txBody>
           <a:bodyPr/>
           <a:lstStyle/>
@@ -2880,41 +5663,10 @@
           </a:p>
         </p:txBody>
       </p:sp>
-      <p:cxnSp>
-        <p:nvCxnSpPr>
-          <p:cNvPr id="31" name="Straight Connector 30"/>
-          <p:cNvCxnSpPr/>
-          <p:nvPr/>
-        </p:nvCxnSpPr>
-        <p:spPr>
-          <a:xfrm>
-            <a:off x="1447382" y="3143605"/>
-            <a:ext cx="5527351" cy="0"/>
-          </a:xfrm>
-          <a:prstGeom prst="line">
-            <a:avLst/>
-          </a:prstGeom>
-          <a:ln w="31750"/>
-        </p:spPr>
-        <p:style>
-          <a:lnRef idx="3">
-            <a:schemeClr val="accent1"/>
-          </a:lnRef>
-          <a:fillRef idx="0">
-            <a:schemeClr val="accent1"/>
-          </a:fillRef>
-          <a:effectRef idx="2">
-            <a:schemeClr val="accent1"/>
-          </a:effectRef>
-          <a:fontRef idx="minor">
-            <a:schemeClr val="tx1"/>
-          </a:fontRef>
-        </p:style>
-      </p:cxnSp>
     </p:spTree>
     <p:extLst>
       <p:ext uri="{BB962C8B-B14F-4D97-AF65-F5344CB8AC3E}">
-        <p14:creationId xmlns:p14="http://schemas.microsoft.com/office/powerpoint/2010/main" val="1742165871"/>
+        <p14:creationId xmlns:p14="http://schemas.microsoft.com/office/powerpoint/2010/main" val="2849415684"/>
       </p:ext>
     </p:extLst>
   </p:cSld>
@@ -2928,9 +5680,12 @@
 <p:sldMaster xmlns:a="http://schemas.openxmlformats.org/drawingml/2006/main" xmlns:r="http://schemas.openxmlformats.org/officeDocument/2006/relationships" xmlns:p="http://schemas.openxmlformats.org/presentationml/2006/main">
   <p:cSld>
     <p:bg>
-      <p:bgRef idx="1003">
-        <a:schemeClr val="bg2"/>
-      </p:bgRef>
+      <p:bgPr>
+        <a:solidFill>
+          <a:schemeClr val="bg2"/>
+        </a:solidFill>
+        <a:effectLst/>
+      </p:bgPr>
     </p:bg>
     <p:spTree>
       <p:nvGrpSpPr>
@@ -2948,32 +5703,702 @@
       </p:grpSpPr>
       <p:sp>
         <p:nvSpPr>
-          <p:cNvPr id="8" name="Rectangle 7"/>
+          <p:cNvPr id="2" name="Title Placeholder 1"/>
+          <p:cNvSpPr>
+            <a:spLocks noGrp="1"/>
+          </p:cNvSpPr>
+          <p:nvPr>
+            <p:ph type="title"/>
+          </p:nvPr>
+        </p:nvSpPr>
+        <p:spPr>
+          <a:xfrm>
+            <a:off x="1251678" y="382385"/>
+            <a:ext cx="10178322" cy="1492132"/>
+          </a:xfrm>
+          <a:prstGeom prst="rect">
+            <a:avLst/>
+          </a:prstGeom>
+        </p:spPr>
+        <p:txBody>
+          <a:bodyPr vert="horz" lIns="91440" tIns="45720" rIns="91440" bIns="45720" rtlCol="0" anchor="t">
+            <a:normAutofit/>
+          </a:bodyPr>
+          <a:lstStyle/>
+          <a:p>
+            <a:r>
+              <a:rPr lang="en-US"/>
+              <a:t>Click to edit Master title style</a:t>
+            </a:r>
+            <a:endParaRPr lang="en-US" dirty="0"/>
+          </a:p>
+        </p:txBody>
+      </p:sp>
+      <p:sp>
+        <p:nvSpPr>
+          <p:cNvPr id="3" name="Text Placeholder 2"/>
+          <p:cNvSpPr>
+            <a:spLocks noGrp="1"/>
+          </p:cNvSpPr>
+          <p:nvPr>
+            <p:ph type="body" idx="1"/>
+          </p:nvPr>
+        </p:nvSpPr>
+        <p:spPr>
+          <a:xfrm>
+            <a:off x="1251678" y="2286001"/>
+            <a:ext cx="10178322" cy="3593591"/>
+          </a:xfrm>
+          <a:prstGeom prst="rect">
+            <a:avLst/>
+          </a:prstGeom>
+        </p:spPr>
+        <p:txBody>
+          <a:bodyPr vert="horz" lIns="91440" tIns="45720" rIns="91440" bIns="45720" rtlCol="0">
+            <a:normAutofit/>
+          </a:bodyPr>
+          <a:lstStyle/>
+          <a:p>
+            <a:pPr lvl="0"/>
+            <a:r>
+              <a:rPr lang="en-US"/>
+              <a:t>Edit Master text styles</a:t>
+            </a:r>
+          </a:p>
+          <a:p>
+            <a:pPr lvl="1"/>
+            <a:r>
+              <a:rPr lang="en-US"/>
+              <a:t>Second level</a:t>
+            </a:r>
+          </a:p>
+          <a:p>
+            <a:pPr lvl="2"/>
+            <a:r>
+              <a:rPr lang="en-US"/>
+              <a:t>Third level</a:t>
+            </a:r>
+          </a:p>
+          <a:p>
+            <a:pPr lvl="3"/>
+            <a:r>
+              <a:rPr lang="en-US"/>
+              <a:t>Fourth level</a:t>
+            </a:r>
+          </a:p>
+          <a:p>
+            <a:pPr lvl="4"/>
+            <a:r>
+              <a:rPr lang="en-US"/>
+              <a:t>Fifth level</a:t>
+            </a:r>
+            <a:endParaRPr lang="en-US" dirty="0"/>
+          </a:p>
+        </p:txBody>
+      </p:sp>
+      <p:sp>
+        <p:nvSpPr>
+          <p:cNvPr id="4" name="Date Placeholder 3"/>
+          <p:cNvSpPr>
+            <a:spLocks noGrp="1"/>
+          </p:cNvSpPr>
+          <p:nvPr>
+            <p:ph type="dt" sz="half" idx="2"/>
+          </p:nvPr>
+        </p:nvSpPr>
+        <p:spPr>
+          <a:xfrm>
+            <a:off x="1251678" y="6375679"/>
+            <a:ext cx="2329722" cy="348462"/>
+          </a:xfrm>
+          <a:prstGeom prst="rect">
+            <a:avLst/>
+          </a:prstGeom>
+        </p:spPr>
+        <p:txBody>
+          <a:bodyPr vert="horz" lIns="91440" tIns="45720" rIns="91440" bIns="45720" rtlCol="0" anchor="ctr"/>
+          <a:lstStyle>
+            <a:lvl1pPr algn="l">
+              <a:defRPr sz="1200">
+                <a:solidFill>
+                  <a:schemeClr val="tx1">
+                    <a:lumMod val="65000"/>
+                    <a:lumOff val="35000"/>
+                  </a:schemeClr>
+                </a:solidFill>
+              </a:defRPr>
+            </a:lvl1pPr>
+          </a:lstStyle>
+          <a:p>
+            <a:fld id="{C9E84918-8141-40FB-A98F-6F9361A5FE0F}" type="datetimeFigureOut">
+              <a:rPr lang="en-US" smtClean="0"/>
+              <a:t>12/9/2019</a:t>
+            </a:fld>
+            <a:endParaRPr lang="en-US"/>
+          </a:p>
+        </p:txBody>
+      </p:sp>
+      <p:sp>
+        <p:nvSpPr>
+          <p:cNvPr id="5" name="Footer Placeholder 4"/>
+          <p:cNvSpPr>
+            <a:spLocks noGrp="1"/>
+          </p:cNvSpPr>
+          <p:nvPr>
+            <p:ph type="ftr" sz="quarter" idx="3"/>
+          </p:nvPr>
+        </p:nvSpPr>
+        <p:spPr>
+          <a:xfrm>
+            <a:off x="4038600" y="6375679"/>
+            <a:ext cx="4114800" cy="345796"/>
+          </a:xfrm>
+          <a:prstGeom prst="rect">
+            <a:avLst/>
+          </a:prstGeom>
+        </p:spPr>
+        <p:txBody>
+          <a:bodyPr vert="horz" lIns="91440" tIns="45720" rIns="91440" bIns="45720" rtlCol="0" anchor="ctr"/>
+          <a:lstStyle>
+            <a:lvl1pPr algn="ctr">
+              <a:defRPr sz="1200">
+                <a:solidFill>
+                  <a:schemeClr val="tx1">
+                    <a:lumMod val="65000"/>
+                    <a:lumOff val="35000"/>
+                  </a:schemeClr>
+                </a:solidFill>
+              </a:defRPr>
+            </a:lvl1pPr>
+          </a:lstStyle>
+          <a:p>
+            <a:endParaRPr lang="en-US"/>
+          </a:p>
+        </p:txBody>
+      </p:sp>
+      <p:sp>
+        <p:nvSpPr>
+          <p:cNvPr id="6" name="Slide Number Placeholder 5"/>
+          <p:cNvSpPr>
+            <a:spLocks noGrp="1"/>
+          </p:cNvSpPr>
+          <p:nvPr>
+            <p:ph type="sldNum" sz="quarter" idx="4"/>
+          </p:nvPr>
+        </p:nvSpPr>
+        <p:spPr>
+          <a:xfrm>
+            <a:off x="8610601" y="6375679"/>
+            <a:ext cx="2819399" cy="345796"/>
+          </a:xfrm>
+          <a:prstGeom prst="rect">
+            <a:avLst/>
+          </a:prstGeom>
+        </p:spPr>
+        <p:txBody>
+          <a:bodyPr vert="horz" lIns="91440" tIns="45720" rIns="91440" bIns="45720" rtlCol="0" anchor="ctr"/>
+          <a:lstStyle>
+            <a:lvl1pPr algn="r">
+              <a:defRPr sz="1200">
+                <a:solidFill>
+                  <a:schemeClr val="tx1">
+                    <a:lumMod val="65000"/>
+                    <a:lumOff val="35000"/>
+                  </a:schemeClr>
+                </a:solidFill>
+              </a:defRPr>
+            </a:lvl1pPr>
+          </a:lstStyle>
+          <a:p>
+            <a:fld id="{49B17372-57F1-439F-AF1C-FCC93439E854}" type="slidenum">
+              <a:rPr lang="en-US" smtClean="0"/>
+              <a:t>‹#›</a:t>
+            </a:fld>
+            <a:endParaRPr lang="en-US"/>
+          </a:p>
+        </p:txBody>
+      </p:sp>
+      <p:sp>
+        <p:nvSpPr>
+          <p:cNvPr id="11" name="Freeform 6" title="Left scallop edge"/>
+          <p:cNvSpPr/>
+          <p:nvPr/>
+        </p:nvSpPr>
+        <p:spPr bwMode="auto">
+          <a:xfrm>
+            <a:off x="0" y="0"/>
+            <a:ext cx="885825" cy="6858000"/>
+          </a:xfrm>
+          <a:custGeom>
+            <a:avLst/>
+            <a:gdLst/>
+            <a:ahLst/>
+            <a:cxnLst/>
+            <a:rect l="0" t="0" r="r" b="b"/>
+            <a:pathLst>
+              <a:path w="558" h="4320">
+                <a:moveTo>
+                  <a:pt x="0" y="0"/>
+                </a:moveTo>
+                <a:lnTo>
+                  <a:pt x="447" y="0"/>
+                </a:lnTo>
+                <a:lnTo>
+                  <a:pt x="448" y="43"/>
+                </a:lnTo>
+                <a:lnTo>
+                  <a:pt x="453" y="81"/>
+                </a:lnTo>
+                <a:lnTo>
+                  <a:pt x="460" y="114"/>
+                </a:lnTo>
+                <a:lnTo>
+                  <a:pt x="469" y="143"/>
+                </a:lnTo>
+                <a:lnTo>
+                  <a:pt x="479" y="169"/>
+                </a:lnTo>
+                <a:lnTo>
+                  <a:pt x="491" y="192"/>
+                </a:lnTo>
+                <a:lnTo>
+                  <a:pt x="503" y="216"/>
+                </a:lnTo>
+                <a:lnTo>
+                  <a:pt x="515" y="240"/>
+                </a:lnTo>
+                <a:lnTo>
+                  <a:pt x="525" y="263"/>
+                </a:lnTo>
+                <a:lnTo>
+                  <a:pt x="535" y="289"/>
+                </a:lnTo>
+                <a:lnTo>
+                  <a:pt x="545" y="318"/>
+                </a:lnTo>
+                <a:lnTo>
+                  <a:pt x="552" y="351"/>
+                </a:lnTo>
+                <a:lnTo>
+                  <a:pt x="556" y="389"/>
+                </a:lnTo>
+                <a:lnTo>
+                  <a:pt x="558" y="432"/>
+                </a:lnTo>
+                <a:lnTo>
+                  <a:pt x="556" y="475"/>
+                </a:lnTo>
+                <a:lnTo>
+                  <a:pt x="552" y="513"/>
+                </a:lnTo>
+                <a:lnTo>
+                  <a:pt x="545" y="546"/>
+                </a:lnTo>
+                <a:lnTo>
+                  <a:pt x="535" y="575"/>
+                </a:lnTo>
+                <a:lnTo>
+                  <a:pt x="525" y="601"/>
+                </a:lnTo>
+                <a:lnTo>
+                  <a:pt x="515" y="624"/>
+                </a:lnTo>
+                <a:lnTo>
+                  <a:pt x="503" y="648"/>
+                </a:lnTo>
+                <a:lnTo>
+                  <a:pt x="491" y="672"/>
+                </a:lnTo>
+                <a:lnTo>
+                  <a:pt x="479" y="695"/>
+                </a:lnTo>
+                <a:lnTo>
+                  <a:pt x="469" y="721"/>
+                </a:lnTo>
+                <a:lnTo>
+                  <a:pt x="460" y="750"/>
+                </a:lnTo>
+                <a:lnTo>
+                  <a:pt x="453" y="783"/>
+                </a:lnTo>
+                <a:lnTo>
+                  <a:pt x="448" y="821"/>
+                </a:lnTo>
+                <a:lnTo>
+                  <a:pt x="447" y="864"/>
+                </a:lnTo>
+                <a:lnTo>
+                  <a:pt x="448" y="907"/>
+                </a:lnTo>
+                <a:lnTo>
+                  <a:pt x="453" y="945"/>
+                </a:lnTo>
+                <a:lnTo>
+                  <a:pt x="460" y="978"/>
+                </a:lnTo>
+                <a:lnTo>
+                  <a:pt x="469" y="1007"/>
+                </a:lnTo>
+                <a:lnTo>
+                  <a:pt x="479" y="1033"/>
+                </a:lnTo>
+                <a:lnTo>
+                  <a:pt x="491" y="1056"/>
+                </a:lnTo>
+                <a:lnTo>
+                  <a:pt x="503" y="1080"/>
+                </a:lnTo>
+                <a:lnTo>
+                  <a:pt x="515" y="1104"/>
+                </a:lnTo>
+                <a:lnTo>
+                  <a:pt x="525" y="1127"/>
+                </a:lnTo>
+                <a:lnTo>
+                  <a:pt x="535" y="1153"/>
+                </a:lnTo>
+                <a:lnTo>
+                  <a:pt x="545" y="1182"/>
+                </a:lnTo>
+                <a:lnTo>
+                  <a:pt x="552" y="1215"/>
+                </a:lnTo>
+                <a:lnTo>
+                  <a:pt x="556" y="1253"/>
+                </a:lnTo>
+                <a:lnTo>
+                  <a:pt x="558" y="1296"/>
+                </a:lnTo>
+                <a:lnTo>
+                  <a:pt x="556" y="1339"/>
+                </a:lnTo>
+                <a:lnTo>
+                  <a:pt x="552" y="1377"/>
+                </a:lnTo>
+                <a:lnTo>
+                  <a:pt x="545" y="1410"/>
+                </a:lnTo>
+                <a:lnTo>
+                  <a:pt x="535" y="1439"/>
+                </a:lnTo>
+                <a:lnTo>
+                  <a:pt x="525" y="1465"/>
+                </a:lnTo>
+                <a:lnTo>
+                  <a:pt x="515" y="1488"/>
+                </a:lnTo>
+                <a:lnTo>
+                  <a:pt x="503" y="1512"/>
+                </a:lnTo>
+                <a:lnTo>
+                  <a:pt x="491" y="1536"/>
+                </a:lnTo>
+                <a:lnTo>
+                  <a:pt x="479" y="1559"/>
+                </a:lnTo>
+                <a:lnTo>
+                  <a:pt x="469" y="1585"/>
+                </a:lnTo>
+                <a:lnTo>
+                  <a:pt x="460" y="1614"/>
+                </a:lnTo>
+                <a:lnTo>
+                  <a:pt x="453" y="1647"/>
+                </a:lnTo>
+                <a:lnTo>
+                  <a:pt x="448" y="1685"/>
+                </a:lnTo>
+                <a:lnTo>
+                  <a:pt x="447" y="1728"/>
+                </a:lnTo>
+                <a:lnTo>
+                  <a:pt x="448" y="1771"/>
+                </a:lnTo>
+                <a:lnTo>
+                  <a:pt x="453" y="1809"/>
+                </a:lnTo>
+                <a:lnTo>
+                  <a:pt x="460" y="1842"/>
+                </a:lnTo>
+                <a:lnTo>
+                  <a:pt x="469" y="1871"/>
+                </a:lnTo>
+                <a:lnTo>
+                  <a:pt x="479" y="1897"/>
+                </a:lnTo>
+                <a:lnTo>
+                  <a:pt x="491" y="1920"/>
+                </a:lnTo>
+                <a:lnTo>
+                  <a:pt x="503" y="1944"/>
+                </a:lnTo>
+                <a:lnTo>
+                  <a:pt x="515" y="1968"/>
+                </a:lnTo>
+                <a:lnTo>
+                  <a:pt x="525" y="1991"/>
+                </a:lnTo>
+                <a:lnTo>
+                  <a:pt x="535" y="2017"/>
+                </a:lnTo>
+                <a:lnTo>
+                  <a:pt x="545" y="2046"/>
+                </a:lnTo>
+                <a:lnTo>
+                  <a:pt x="552" y="2079"/>
+                </a:lnTo>
+                <a:lnTo>
+                  <a:pt x="556" y="2117"/>
+                </a:lnTo>
+                <a:lnTo>
+                  <a:pt x="558" y="2159"/>
+                </a:lnTo>
+                <a:lnTo>
+                  <a:pt x="556" y="2203"/>
+                </a:lnTo>
+                <a:lnTo>
+                  <a:pt x="552" y="2241"/>
+                </a:lnTo>
+                <a:lnTo>
+                  <a:pt x="545" y="2274"/>
+                </a:lnTo>
+                <a:lnTo>
+                  <a:pt x="535" y="2303"/>
+                </a:lnTo>
+                <a:lnTo>
+                  <a:pt x="525" y="2329"/>
+                </a:lnTo>
+                <a:lnTo>
+                  <a:pt x="515" y="2352"/>
+                </a:lnTo>
+                <a:lnTo>
+                  <a:pt x="503" y="2376"/>
+                </a:lnTo>
+                <a:lnTo>
+                  <a:pt x="491" y="2400"/>
+                </a:lnTo>
+                <a:lnTo>
+                  <a:pt x="479" y="2423"/>
+                </a:lnTo>
+                <a:lnTo>
+                  <a:pt x="469" y="2449"/>
+                </a:lnTo>
+                <a:lnTo>
+                  <a:pt x="460" y="2478"/>
+                </a:lnTo>
+                <a:lnTo>
+                  <a:pt x="453" y="2511"/>
+                </a:lnTo>
+                <a:lnTo>
+                  <a:pt x="448" y="2549"/>
+                </a:lnTo>
+                <a:lnTo>
+                  <a:pt x="447" y="2592"/>
+                </a:lnTo>
+                <a:lnTo>
+                  <a:pt x="448" y="2635"/>
+                </a:lnTo>
+                <a:lnTo>
+                  <a:pt x="453" y="2673"/>
+                </a:lnTo>
+                <a:lnTo>
+                  <a:pt x="460" y="2706"/>
+                </a:lnTo>
+                <a:lnTo>
+                  <a:pt x="469" y="2735"/>
+                </a:lnTo>
+                <a:lnTo>
+                  <a:pt x="479" y="2761"/>
+                </a:lnTo>
+                <a:lnTo>
+                  <a:pt x="491" y="2784"/>
+                </a:lnTo>
+                <a:lnTo>
+                  <a:pt x="515" y="2832"/>
+                </a:lnTo>
+                <a:lnTo>
+                  <a:pt x="525" y="2855"/>
+                </a:lnTo>
+                <a:lnTo>
+                  <a:pt x="535" y="2881"/>
+                </a:lnTo>
+                <a:lnTo>
+                  <a:pt x="545" y="2910"/>
+                </a:lnTo>
+                <a:lnTo>
+                  <a:pt x="552" y="2943"/>
+                </a:lnTo>
+                <a:lnTo>
+                  <a:pt x="556" y="2981"/>
+                </a:lnTo>
+                <a:lnTo>
+                  <a:pt x="558" y="3024"/>
+                </a:lnTo>
+                <a:lnTo>
+                  <a:pt x="556" y="3067"/>
+                </a:lnTo>
+                <a:lnTo>
+                  <a:pt x="552" y="3105"/>
+                </a:lnTo>
+                <a:lnTo>
+                  <a:pt x="545" y="3138"/>
+                </a:lnTo>
+                <a:lnTo>
+                  <a:pt x="535" y="3167"/>
+                </a:lnTo>
+                <a:lnTo>
+                  <a:pt x="525" y="3193"/>
+                </a:lnTo>
+                <a:lnTo>
+                  <a:pt x="515" y="3216"/>
+                </a:lnTo>
+                <a:lnTo>
+                  <a:pt x="503" y="3240"/>
+                </a:lnTo>
+                <a:lnTo>
+                  <a:pt x="491" y="3264"/>
+                </a:lnTo>
+                <a:lnTo>
+                  <a:pt x="479" y="3287"/>
+                </a:lnTo>
+                <a:lnTo>
+                  <a:pt x="469" y="3313"/>
+                </a:lnTo>
+                <a:lnTo>
+                  <a:pt x="460" y="3342"/>
+                </a:lnTo>
+                <a:lnTo>
+                  <a:pt x="453" y="3375"/>
+                </a:lnTo>
+                <a:lnTo>
+                  <a:pt x="448" y="3413"/>
+                </a:lnTo>
+                <a:lnTo>
+                  <a:pt x="447" y="3456"/>
+                </a:lnTo>
+                <a:lnTo>
+                  <a:pt x="448" y="3499"/>
+                </a:lnTo>
+                <a:lnTo>
+                  <a:pt x="453" y="3537"/>
+                </a:lnTo>
+                <a:lnTo>
+                  <a:pt x="460" y="3570"/>
+                </a:lnTo>
+                <a:lnTo>
+                  <a:pt x="469" y="3599"/>
+                </a:lnTo>
+                <a:lnTo>
+                  <a:pt x="479" y="3625"/>
+                </a:lnTo>
+                <a:lnTo>
+                  <a:pt x="491" y="3648"/>
+                </a:lnTo>
+                <a:lnTo>
+                  <a:pt x="503" y="3672"/>
+                </a:lnTo>
+                <a:lnTo>
+                  <a:pt x="515" y="3696"/>
+                </a:lnTo>
+                <a:lnTo>
+                  <a:pt x="525" y="3719"/>
+                </a:lnTo>
+                <a:lnTo>
+                  <a:pt x="535" y="3745"/>
+                </a:lnTo>
+                <a:lnTo>
+                  <a:pt x="545" y="3774"/>
+                </a:lnTo>
+                <a:lnTo>
+                  <a:pt x="552" y="3807"/>
+                </a:lnTo>
+                <a:lnTo>
+                  <a:pt x="556" y="3845"/>
+                </a:lnTo>
+                <a:lnTo>
+                  <a:pt x="558" y="3888"/>
+                </a:lnTo>
+                <a:lnTo>
+                  <a:pt x="556" y="3931"/>
+                </a:lnTo>
+                <a:lnTo>
+                  <a:pt x="552" y="3969"/>
+                </a:lnTo>
+                <a:lnTo>
+                  <a:pt x="545" y="4002"/>
+                </a:lnTo>
+                <a:lnTo>
+                  <a:pt x="535" y="4031"/>
+                </a:lnTo>
+                <a:lnTo>
+                  <a:pt x="525" y="4057"/>
+                </a:lnTo>
+                <a:lnTo>
+                  <a:pt x="515" y="4080"/>
+                </a:lnTo>
+                <a:lnTo>
+                  <a:pt x="503" y="4104"/>
+                </a:lnTo>
+                <a:lnTo>
+                  <a:pt x="491" y="4128"/>
+                </a:lnTo>
+                <a:lnTo>
+                  <a:pt x="479" y="4151"/>
+                </a:lnTo>
+                <a:lnTo>
+                  <a:pt x="469" y="4177"/>
+                </a:lnTo>
+                <a:lnTo>
+                  <a:pt x="460" y="4206"/>
+                </a:lnTo>
+                <a:lnTo>
+                  <a:pt x="453" y="4239"/>
+                </a:lnTo>
+                <a:lnTo>
+                  <a:pt x="448" y="4277"/>
+                </a:lnTo>
+                <a:lnTo>
+                  <a:pt x="447" y="4320"/>
+                </a:lnTo>
+                <a:lnTo>
+                  <a:pt x="0" y="4320"/>
+                </a:lnTo>
+                <a:lnTo>
+                  <a:pt x="0" y="0"/>
+                </a:lnTo>
+                <a:close/>
+              </a:path>
+            </a:pathLst>
+          </a:custGeom>
+          <a:solidFill>
+            <a:schemeClr val="tx2"/>
+          </a:solidFill>
+          <a:ln w="0">
+            <a:noFill/>
+            <a:prstDash val="solid"/>
+            <a:round/>
+            <a:headEnd/>
+            <a:tailEnd/>
+          </a:ln>
+        </p:spPr>
+      </p:sp>
+      <p:sp>
+        <p:nvSpPr>
+          <p:cNvPr id="12" name="Rectangle 11" title="right edge border"/>
           <p:cNvSpPr/>
           <p:nvPr/>
         </p:nvSpPr>
         <p:spPr>
           <a:xfrm>
-            <a:off x="0" y="2019476"/>
-            <a:ext cx="12192000" cy="4105941"/>
+            <a:off x="11908536" y="0"/>
+            <a:ext cx="283464" cy="6858000"/>
           </a:xfrm>
           <a:prstGeom prst="rect">
             <a:avLst/>
           </a:prstGeom>
-          <a:gradFill flip="none" rotWithShape="1">
-            <a:gsLst>
-              <a:gs pos="0">
-                <a:schemeClr val="bg2">
-                  <a:alpha val="0"/>
-                </a:schemeClr>
-              </a:gs>
-              <a:gs pos="100000">
-                <a:schemeClr val="bg2"/>
-              </a:gs>
-            </a:gsLst>
-            <a:lin ang="5400000" scaled="0"/>
-            <a:tileRect/>
-          </a:gradFill>
+          <a:solidFill>
+            <a:schemeClr val="accent1"/>
+          </a:solidFill>
           <a:ln>
             <a:noFill/>
           </a:ln>
@@ -2995,303 +6420,26 @@
           </a:fontRef>
         </p:style>
       </p:sp>
-      <p:pic>
-        <p:nvPicPr>
-          <p:cNvPr id="7" name="Picture 6"/>
-          <p:cNvPicPr>
-            <a:picLocks noChangeAspect="1"/>
-          </p:cNvPicPr>
-          <p:nvPr/>
-        </p:nvPicPr>
-        <p:blipFill rotWithShape="1">
-          <a:blip r:embed="rId13">
-            <a:extLst>
-              <a:ext uri="{28A0092B-C50C-407E-A947-70E740481C1C}">
-                <a14:useLocalDpi xmlns:a14="http://schemas.microsoft.com/office/drawing/2010/main" val="0"/>
-              </a:ext>
-            </a:extLst>
-          </a:blip>
-          <a:srcRect t="1538" b="-1538"/>
-          <a:stretch/>
-        </p:blipFill>
-        <p:spPr bwMode="black">
-          <a:xfrm>
-            <a:off x="0" y="6126480"/>
-            <a:ext cx="12192000" cy="742950"/>
-          </a:xfrm>
-          <a:prstGeom prst="rect">
-            <a:avLst/>
-          </a:prstGeom>
-        </p:spPr>
-      </p:pic>
-      <p:sp>
-        <p:nvSpPr>
-          <p:cNvPr id="2" name="Title Placeholder 1"/>
-          <p:cNvSpPr>
-            <a:spLocks noGrp="1"/>
-          </p:cNvSpPr>
-          <p:nvPr>
-            <p:ph type="title"/>
-          </p:nvPr>
-        </p:nvSpPr>
-        <p:spPr>
-          <a:xfrm>
-            <a:off x="1451579" y="804519"/>
-            <a:ext cx="9603275" cy="1049235"/>
-          </a:xfrm>
-          <a:prstGeom prst="rect">
-            <a:avLst/>
-          </a:prstGeom>
-        </p:spPr>
-        <p:txBody>
-          <a:bodyPr vert="horz" lIns="91440" tIns="45720" rIns="91440" bIns="45720" rtlCol="0" anchor="t">
-            <a:normAutofit/>
-          </a:bodyPr>
-          <a:lstStyle/>
-          <a:p>
-            <a:r>
-              <a:rPr lang="en-US"/>
-              <a:t>Click to edit Master title style</a:t>
-            </a:r>
-            <a:endParaRPr lang="en-US" dirty="0"/>
-          </a:p>
-        </p:txBody>
-      </p:sp>
-      <p:sp>
-        <p:nvSpPr>
-          <p:cNvPr id="3" name="Text Placeholder 2"/>
-          <p:cNvSpPr>
-            <a:spLocks noGrp="1"/>
-          </p:cNvSpPr>
-          <p:nvPr>
-            <p:ph type="body" idx="1"/>
-          </p:nvPr>
-        </p:nvSpPr>
-        <p:spPr>
-          <a:xfrm>
-            <a:off x="1451579" y="2015732"/>
-            <a:ext cx="9603275" cy="3450613"/>
-          </a:xfrm>
-          <a:prstGeom prst="rect">
-            <a:avLst/>
-          </a:prstGeom>
-        </p:spPr>
-        <p:txBody>
-          <a:bodyPr vert="horz" lIns="91440" tIns="45720" rIns="91440" bIns="45720" rtlCol="0">
-            <a:normAutofit/>
-          </a:bodyPr>
-          <a:lstStyle/>
-          <a:p>
-            <a:pPr lvl="0"/>
-            <a:r>
-              <a:rPr lang="en-US" dirty="0"/>
-              <a:t>Edit Master text styles</a:t>
-            </a:r>
-          </a:p>
-          <a:p>
-            <a:pPr lvl="1"/>
-            <a:r>
-              <a:rPr lang="en-US" dirty="0"/>
-              <a:t>Second level</a:t>
-            </a:r>
-          </a:p>
-          <a:p>
-            <a:pPr lvl="2"/>
-            <a:r>
-              <a:rPr lang="en-US" dirty="0"/>
-              <a:t>Third level</a:t>
-            </a:r>
-          </a:p>
-          <a:p>
-            <a:pPr lvl="3"/>
-            <a:r>
-              <a:rPr lang="en-US" dirty="0"/>
-              <a:t>Fourth level</a:t>
-            </a:r>
-          </a:p>
-          <a:p>
-            <a:pPr lvl="4"/>
-            <a:r>
-              <a:rPr lang="en-US" dirty="0"/>
-              <a:t>Fifth level</a:t>
-            </a:r>
-          </a:p>
-        </p:txBody>
-      </p:sp>
-      <p:sp>
-        <p:nvSpPr>
-          <p:cNvPr id="4" name="Date Placeholder 3"/>
-          <p:cNvSpPr>
-            <a:spLocks noGrp="1"/>
-          </p:cNvSpPr>
-          <p:nvPr>
-            <p:ph type="dt" sz="half" idx="2"/>
-          </p:nvPr>
-        </p:nvSpPr>
-        <p:spPr>
-          <a:xfrm>
-            <a:off x="7554138" y="330370"/>
-            <a:ext cx="3500715" cy="309201"/>
-          </a:xfrm>
-          <a:prstGeom prst="rect">
-            <a:avLst/>
-          </a:prstGeom>
-        </p:spPr>
-        <p:txBody>
-          <a:bodyPr vert="horz" lIns="91440" tIns="45720" rIns="91440" bIns="45720" rtlCol="0" anchor="ctr"/>
-          <a:lstStyle>
-            <a:lvl1pPr algn="r">
-              <a:defRPr sz="1000">
-                <a:solidFill>
-                  <a:schemeClr val="tx1">
-                    <a:tint val="75000"/>
-                  </a:schemeClr>
-                </a:solidFill>
-              </a:defRPr>
-            </a:lvl1pPr>
-          </a:lstStyle>
-          <a:p>
-            <a:fld id="{C9E84918-8141-40FB-A98F-6F9361A5FE0F}" type="datetimeFigureOut">
-              <a:rPr lang="en-US" smtClean="0"/>
-              <a:t>12/9/2019</a:t>
-            </a:fld>
-            <a:endParaRPr lang="en-US"/>
-          </a:p>
-        </p:txBody>
-      </p:sp>
-      <p:sp>
-        <p:nvSpPr>
-          <p:cNvPr id="5" name="Footer Placeholder 4"/>
-          <p:cNvSpPr>
-            <a:spLocks noGrp="1"/>
-          </p:cNvSpPr>
-          <p:nvPr>
-            <p:ph type="ftr" sz="quarter" idx="3"/>
-          </p:nvPr>
-        </p:nvSpPr>
-        <p:spPr>
-          <a:xfrm>
-            <a:off x="1451579" y="329307"/>
-            <a:ext cx="5938836" cy="309201"/>
-          </a:xfrm>
-          <a:prstGeom prst="rect">
-            <a:avLst/>
-          </a:prstGeom>
-        </p:spPr>
-        <p:txBody>
-          <a:bodyPr vert="horz" lIns="91440" tIns="45720" rIns="91440" bIns="45720" rtlCol="0" anchor="ctr"/>
-          <a:lstStyle>
-            <a:lvl1pPr algn="l">
-              <a:defRPr sz="1000">
-                <a:solidFill>
-                  <a:schemeClr val="tx1">
-                    <a:tint val="75000"/>
-                  </a:schemeClr>
-                </a:solidFill>
-              </a:defRPr>
-            </a:lvl1pPr>
-          </a:lstStyle>
-          <a:p>
-            <a:endParaRPr lang="en-US"/>
-          </a:p>
-        </p:txBody>
-      </p:sp>
-      <p:sp>
-        <p:nvSpPr>
-          <p:cNvPr id="6" name="Slide Number Placeholder 5"/>
-          <p:cNvSpPr>
-            <a:spLocks noGrp="1"/>
-          </p:cNvSpPr>
-          <p:nvPr>
-            <p:ph type="sldNum" sz="quarter" idx="4"/>
-          </p:nvPr>
-        </p:nvSpPr>
-        <p:spPr>
-          <a:xfrm>
-            <a:off x="480060" y="798973"/>
-            <a:ext cx="811019" cy="503578"/>
-          </a:xfrm>
-          <a:prstGeom prst="rect">
-            <a:avLst/>
-          </a:prstGeom>
-        </p:spPr>
-        <p:txBody>
-          <a:bodyPr vert="horz" lIns="91440" tIns="45720" rIns="91440" bIns="45720" rtlCol="0" anchor="t"/>
-          <a:lstStyle>
-            <a:lvl1pPr algn="r">
-              <a:defRPr sz="2800">
-                <a:solidFill>
-                  <a:schemeClr val="accent1"/>
-                </a:solidFill>
-              </a:defRPr>
-            </a:lvl1pPr>
-          </a:lstStyle>
-          <a:p>
-            <a:fld id="{49B17372-57F1-439F-AF1C-FCC93439E854}" type="slidenum">
-              <a:rPr lang="en-US" smtClean="0"/>
-              <a:t>‹#›</a:t>
-            </a:fld>
-            <a:endParaRPr lang="en-US"/>
-          </a:p>
-        </p:txBody>
-      </p:sp>
-      <p:cxnSp>
-        <p:nvCxnSpPr>
-          <p:cNvPr id="10" name="Straight Connector 9"/>
-          <p:cNvCxnSpPr/>
-          <p:nvPr/>
-        </p:nvCxnSpPr>
-        <p:spPr>
-          <a:xfrm>
-            <a:off x="0" y="6128413"/>
-            <a:ext cx="12192000" cy="0"/>
-          </a:xfrm>
-          <a:prstGeom prst="line">
-            <a:avLst/>
-          </a:prstGeom>
-          <a:ln w="12700">
-            <a:solidFill>
-              <a:srgbClr val="000001">
-                <a:alpha val="20000"/>
-              </a:srgbClr>
-            </a:solidFill>
-          </a:ln>
-        </p:spPr>
-        <p:style>
-          <a:lnRef idx="1">
-            <a:schemeClr val="accent1"/>
-          </a:lnRef>
-          <a:fillRef idx="0">
-            <a:schemeClr val="accent1"/>
-          </a:fillRef>
-          <a:effectRef idx="0">
-            <a:schemeClr val="accent1"/>
-          </a:effectRef>
-          <a:fontRef idx="minor">
-            <a:schemeClr val="tx1"/>
-          </a:fontRef>
-        </p:style>
-      </p:cxnSp>
     </p:spTree>
     <p:extLst>
       <p:ext uri="{BB962C8B-B14F-4D97-AF65-F5344CB8AC3E}">
-        <p14:creationId xmlns:p14="http://schemas.microsoft.com/office/powerpoint/2010/main" val="2425793101"/>
+        <p14:creationId xmlns:p14="http://schemas.microsoft.com/office/powerpoint/2010/main" val="747076067"/>
       </p:ext>
     </p:extLst>
   </p:cSld>
   <p:clrMap bg1="lt1" tx1="dk1" bg2="lt2" tx2="dk2" accent1="accent1" accent2="accent2" accent3="accent3" accent4="accent4" accent5="accent5" accent6="accent6" hlink="hlink" folHlink="folHlink"/>
   <p:sldLayoutIdLst>
-    <p:sldLayoutId id="2147483661" r:id="rId1"/>
-    <p:sldLayoutId id="2147483662" r:id="rId2"/>
-    <p:sldLayoutId id="2147483663" r:id="rId3"/>
-    <p:sldLayoutId id="2147483664" r:id="rId4"/>
-    <p:sldLayoutId id="2147483665" r:id="rId5"/>
-    <p:sldLayoutId id="2147483666" r:id="rId6"/>
-    <p:sldLayoutId id="2147483667" r:id="rId7"/>
-    <p:sldLayoutId id="2147483668" r:id="rId8"/>
-    <p:sldLayoutId id="2147483669" r:id="rId9"/>
-    <p:sldLayoutId id="2147483670" r:id="rId10"/>
-    <p:sldLayoutId id="2147483671" r:id="rId11"/>
+    <p:sldLayoutId id="2147483673" r:id="rId1"/>
+    <p:sldLayoutId id="2147483674" r:id="rId2"/>
+    <p:sldLayoutId id="2147483675" r:id="rId3"/>
+    <p:sldLayoutId id="2147483676" r:id="rId4"/>
+    <p:sldLayoutId id="2147483677" r:id="rId5"/>
+    <p:sldLayoutId id="2147483678" r:id="rId6"/>
+    <p:sldLayoutId id="2147483679" r:id="rId7"/>
+    <p:sldLayoutId id="2147483680" r:id="rId8"/>
+    <p:sldLayoutId id="2147483681" r:id="rId9"/>
+    <p:sldLayoutId id="2147483682" r:id="rId10"/>
+    <p:sldLayoutId id="2147483683" r:id="rId11"/>
   </p:sldLayoutIdLst>
   <p:txStyles>
     <p:titleStyle>
@@ -3303,11 +6451,10 @@
           <a:spcPct val="0"/>
         </a:spcBef>
         <a:buNone/>
-        <a:defRPr sz="3200" b="0" i="0" kern="1200" cap="all">
+        <a:defRPr sz="5100" kern="1200" cap="all" spc="200" baseline="0">
           <a:solidFill>
-            <a:schemeClr val="tx1"/>
+            <a:schemeClr val="tx2"/>
           </a:solidFill>
-          <a:effectLst/>
           <a:latin typeface="+mj-lt"/>
           <a:ea typeface="+mj-ea"/>
           <a:cs typeface="+mj-cs"/>
@@ -3317,22 +6464,23 @@
     <p:bodyStyle>
       <a:lvl1pPr marL="228600" indent="-228600" algn="l" defTabSz="914400" rtl="0" eaLnBrk="1" latinLnBrk="0" hangingPunct="1">
         <a:lnSpc>
-          <a:spcPct val="120000"/>
+          <a:spcPct val="110000"/>
         </a:lnSpc>
         <a:spcBef>
-          <a:spcPts val="1000"/>
+          <a:spcPts val="700"/>
         </a:spcBef>
         <a:buClr>
-          <a:schemeClr val="accent1"/>
+          <a:schemeClr val="tx2"/>
         </a:buClr>
-        <a:buSzPct val="100000"/>
         <a:buFont typeface="Arial" panose="020B0604020202020204" pitchFamily="34" charset="0"/>
         <a:buChar char="•"/>
         <a:defRPr sz="2000" kern="1200">
           <a:solidFill>
-            <a:schemeClr val="tx1"/>
+            <a:schemeClr val="tx1">
+              <a:lumMod val="65000"/>
+              <a:lumOff val="35000"/>
+            </a:schemeClr>
           </a:solidFill>
-          <a:effectLst/>
           <a:latin typeface="+mn-lt"/>
           <a:ea typeface="+mn-ea"/>
           <a:cs typeface="+mn-cs"/>
@@ -3340,22 +6488,23 @@
       </a:lvl1pPr>
       <a:lvl2pPr marL="685800" indent="-228600" algn="l" defTabSz="914400" rtl="0" eaLnBrk="1" latinLnBrk="0" hangingPunct="1">
         <a:lnSpc>
-          <a:spcPct val="120000"/>
+          <a:spcPct val="110000"/>
         </a:lnSpc>
         <a:spcBef>
-          <a:spcPts val="500"/>
+          <a:spcPts val="700"/>
         </a:spcBef>
         <a:buClr>
-          <a:schemeClr val="accent1"/>
+          <a:schemeClr val="tx2"/>
         </a:buClr>
-        <a:buSzPct val="100000"/>
-        <a:buFont typeface="Arial" panose="020B0604020202020204" pitchFamily="34" charset="0"/>
-        <a:buChar char="•"/>
-        <a:defRPr sz="1800" kern="1200" cap="none" baseline="0">
+        <a:buFont typeface="Gill Sans MT" panose="020B0502020104020203" pitchFamily="34" charset="0"/>
+        <a:buChar char="–"/>
+        <a:defRPr sz="1800" kern="1200">
           <a:solidFill>
-            <a:schemeClr val="tx1"/>
+            <a:schemeClr val="tx1">
+              <a:lumMod val="65000"/>
+              <a:lumOff val="35000"/>
+            </a:schemeClr>
           </a:solidFill>
-          <a:effectLst/>
           <a:latin typeface="+mn-lt"/>
           <a:ea typeface="+mn-ea"/>
           <a:cs typeface="+mn-cs"/>
@@ -3363,22 +6512,23 @@
       </a:lvl2pPr>
       <a:lvl3pPr marL="1143000" indent="-228600" algn="l" defTabSz="914400" rtl="0" eaLnBrk="1" latinLnBrk="0" hangingPunct="1">
         <a:lnSpc>
-          <a:spcPct val="120000"/>
+          <a:spcPct val="110000"/>
         </a:lnSpc>
         <a:spcBef>
-          <a:spcPts val="500"/>
+          <a:spcPts val="700"/>
         </a:spcBef>
         <a:buClr>
-          <a:schemeClr val="accent1"/>
+          <a:schemeClr val="tx2"/>
         </a:buClr>
-        <a:buSzPct val="100000"/>
         <a:buFont typeface="Arial" panose="020B0604020202020204" pitchFamily="34" charset="0"/>
         <a:buChar char="•"/>
         <a:defRPr sz="1600" kern="1200">
           <a:solidFill>
-            <a:schemeClr val="tx1"/>
+            <a:schemeClr val="tx1">
+              <a:lumMod val="65000"/>
+              <a:lumOff val="35000"/>
+            </a:schemeClr>
           </a:solidFill>
-          <a:effectLst/>
           <a:latin typeface="+mn-lt"/>
           <a:ea typeface="+mn-ea"/>
           <a:cs typeface="+mn-cs"/>
@@ -3386,22 +6536,23 @@
       </a:lvl3pPr>
       <a:lvl4pPr marL="1600200" indent="-228600" algn="l" defTabSz="914400" rtl="0" eaLnBrk="1" latinLnBrk="0" hangingPunct="1">
         <a:lnSpc>
-          <a:spcPct val="120000"/>
+          <a:spcPct val="110000"/>
         </a:lnSpc>
         <a:spcBef>
-          <a:spcPts val="500"/>
+          <a:spcPts val="700"/>
         </a:spcBef>
         <a:buClr>
-          <a:schemeClr val="accent1"/>
+          <a:schemeClr val="tx2"/>
         </a:buClr>
-        <a:buSzPct val="100000"/>
-        <a:buFont typeface="Arial" panose="020B0604020202020204" pitchFamily="34" charset="0"/>
-        <a:buChar char="•"/>
-        <a:defRPr sz="1400" kern="1200" cap="none" baseline="0">
+        <a:buFont typeface="Gill Sans MT" panose="020B0502020104020203" pitchFamily="34" charset="0"/>
+        <a:buChar char="–"/>
+        <a:defRPr sz="1400" kern="1200">
           <a:solidFill>
-            <a:schemeClr val="tx1"/>
+            <a:schemeClr val="tx1">
+              <a:lumMod val="65000"/>
+              <a:lumOff val="35000"/>
+            </a:schemeClr>
           </a:solidFill>
-          <a:effectLst/>
           <a:latin typeface="+mn-lt"/>
           <a:ea typeface="+mn-ea"/>
           <a:cs typeface="+mn-cs"/>
@@ -3409,22 +6560,23 @@
       </a:lvl4pPr>
       <a:lvl5pPr marL="2057400" indent="-228600" algn="l" defTabSz="914400" rtl="0" eaLnBrk="1" latinLnBrk="0" hangingPunct="1">
         <a:lnSpc>
-          <a:spcPct val="120000"/>
+          <a:spcPct val="110000"/>
         </a:lnSpc>
         <a:spcBef>
-          <a:spcPts val="500"/>
+          <a:spcPts val="700"/>
         </a:spcBef>
         <a:buClr>
-          <a:schemeClr val="accent1"/>
+          <a:schemeClr val="tx2"/>
         </a:buClr>
-        <a:buSzPct val="100000"/>
         <a:buFont typeface="Arial" panose="020B0604020202020204" pitchFamily="34" charset="0"/>
         <a:buChar char="•"/>
-        <a:defRPr sz="1200" kern="1200">
+        <a:defRPr sz="1400" kern="1200">
           <a:solidFill>
-            <a:schemeClr val="tx1"/>
+            <a:schemeClr val="tx1">
+              <a:lumMod val="65000"/>
+              <a:lumOff val="35000"/>
+            </a:schemeClr>
           </a:solidFill>
-          <a:effectLst/>
           <a:latin typeface="+mn-lt"/>
           <a:ea typeface="+mn-ea"/>
           <a:cs typeface="+mn-cs"/>
@@ -3432,22 +6584,23 @@
       </a:lvl5pPr>
       <a:lvl6pPr marL="2514600" indent="-228600" algn="l" defTabSz="914400" rtl="0" eaLnBrk="1" latinLnBrk="0" hangingPunct="1">
         <a:lnSpc>
-          <a:spcPct val="120000"/>
+          <a:spcPct val="110000"/>
         </a:lnSpc>
         <a:spcBef>
-          <a:spcPts val="500"/>
+          <a:spcPts val="700"/>
         </a:spcBef>
         <a:buClr>
-          <a:schemeClr val="accent1"/>
+          <a:schemeClr val="tx2"/>
         </a:buClr>
-        <a:buSzPct val="100000"/>
-        <a:buFont typeface="Arial" panose="020B0604020202020204" pitchFamily="34" charset="0"/>
-        <a:buChar char="•"/>
-        <a:defRPr sz="1200" kern="1200">
+        <a:buFont typeface="Gill Sans MT" panose="020B0502020104020203" pitchFamily="34" charset="0"/>
+        <a:buChar char="–"/>
+        <a:defRPr sz="1400" kern="1200">
           <a:solidFill>
-            <a:schemeClr val="tx1"/>
+            <a:schemeClr val="tx1">
+              <a:lumMod val="65000"/>
+              <a:lumOff val="35000"/>
+            </a:schemeClr>
           </a:solidFill>
-          <a:effectLst/>
           <a:latin typeface="+mn-lt"/>
           <a:ea typeface="+mn-ea"/>
           <a:cs typeface="+mn-cs"/>
@@ -3455,22 +6608,23 @@
       </a:lvl6pPr>
       <a:lvl7pPr marL="2971800" indent="-228600" algn="l" defTabSz="914400" rtl="0" eaLnBrk="1" latinLnBrk="0" hangingPunct="1">
         <a:lnSpc>
-          <a:spcPct val="120000"/>
+          <a:spcPct val="110000"/>
         </a:lnSpc>
         <a:spcBef>
-          <a:spcPts val="500"/>
+          <a:spcPts val="700"/>
         </a:spcBef>
         <a:buClr>
-          <a:schemeClr val="accent1"/>
+          <a:schemeClr val="tx2"/>
         </a:buClr>
-        <a:buSzPct val="100000"/>
         <a:buFont typeface="Arial" panose="020B0604020202020204" pitchFamily="34" charset="0"/>
         <a:buChar char="•"/>
-        <a:defRPr sz="1200" kern="1200">
+        <a:defRPr sz="1400" kern="1200">
           <a:solidFill>
-            <a:schemeClr val="tx1"/>
+            <a:schemeClr val="tx1">
+              <a:lumMod val="65000"/>
+              <a:lumOff val="35000"/>
+            </a:schemeClr>
           </a:solidFill>
-          <a:effectLst/>
           <a:latin typeface="+mn-lt"/>
           <a:ea typeface="+mn-ea"/>
           <a:cs typeface="+mn-cs"/>
@@ -3478,22 +6632,23 @@
       </a:lvl7pPr>
       <a:lvl8pPr marL="3429000" indent="-228600" algn="l" defTabSz="914400" rtl="0" eaLnBrk="1" latinLnBrk="0" hangingPunct="1">
         <a:lnSpc>
-          <a:spcPct val="120000"/>
+          <a:spcPct val="110000"/>
         </a:lnSpc>
         <a:spcBef>
-          <a:spcPts val="500"/>
+          <a:spcPts val="700"/>
         </a:spcBef>
         <a:buClr>
-          <a:schemeClr val="accent1"/>
+          <a:schemeClr val="tx2"/>
         </a:buClr>
-        <a:buSzPct val="100000"/>
-        <a:buFont typeface="Arial" panose="020B0604020202020204" pitchFamily="34" charset="0"/>
-        <a:buChar char="•"/>
-        <a:defRPr sz="1200" kern="1200" baseline="0">
+        <a:buFont typeface="Gill Sans MT" panose="020B0502020104020203" pitchFamily="34" charset="0"/>
+        <a:buChar char="–"/>
+        <a:defRPr sz="1400" kern="1200" baseline="0">
           <a:solidFill>
-            <a:schemeClr val="tx1"/>
+            <a:schemeClr val="tx1">
+              <a:lumMod val="65000"/>
+              <a:lumOff val="35000"/>
+            </a:schemeClr>
           </a:solidFill>
-          <a:effectLst/>
           <a:latin typeface="+mn-lt"/>
           <a:ea typeface="+mn-ea"/>
           <a:cs typeface="+mn-cs"/>
@@ -3501,22 +6656,23 @@
       </a:lvl8pPr>
       <a:lvl9pPr marL="3886200" indent="-228600" algn="l" defTabSz="914400" rtl="0" eaLnBrk="1" latinLnBrk="0" hangingPunct="1">
         <a:lnSpc>
-          <a:spcPct val="120000"/>
+          <a:spcPct val="110000"/>
         </a:lnSpc>
         <a:spcBef>
-          <a:spcPts val="500"/>
+          <a:spcPts val="700"/>
         </a:spcBef>
         <a:buClr>
-          <a:schemeClr val="accent1"/>
+          <a:schemeClr val="tx2"/>
         </a:buClr>
-        <a:buSzPct val="100000"/>
         <a:buFont typeface="Arial" panose="020B0604020202020204" pitchFamily="34" charset="0"/>
         <a:buChar char="•"/>
-        <a:defRPr sz="1200" kern="1200" baseline="0">
+        <a:defRPr sz="1400" kern="1200" baseline="0">
           <a:solidFill>
-            <a:schemeClr val="tx1"/>
+            <a:schemeClr val="tx1">
+              <a:lumMod val="65000"/>
+              <a:lumOff val="35000"/>
+            </a:schemeClr>
           </a:solidFill>
-          <a:effectLst/>
           <a:latin typeface="+mn-lt"/>
           <a:ea typeface="+mn-ea"/>
           <a:cs typeface="+mn-cs"/>
@@ -3619,6 +6775,42 @@
       </a:lvl9pPr>
     </p:otherStyle>
   </p:txStyles>
+  <p:extLst mod="1">
+    <p:ext uri="{27BBF7A9-308A-43DC-89C8-2F10F3537804}">
+      <p15:sldGuideLst xmlns:p15="http://schemas.microsoft.com/office/powerpoint/2012/main">
+        <p15:guide id="1" pos="792">
+          <p15:clr>
+            <a:srgbClr val="F26B43"/>
+          </p15:clr>
+        </p15:guide>
+        <p15:guide id="2" pos="7200">
+          <p15:clr>
+            <a:srgbClr val="F26B43"/>
+          </p15:clr>
+        </p15:guide>
+        <p15:guide id="3" orient="horz" pos="4008">
+          <p15:clr>
+            <a:srgbClr val="F26B43"/>
+          </p15:clr>
+        </p15:guide>
+        <p15:guide id="4" orient="horz" pos="1440">
+          <p15:clr>
+            <a:srgbClr val="F26B43"/>
+          </p15:clr>
+        </p15:guide>
+        <p15:guide id="5" orient="horz" pos="3720">
+          <p15:clr>
+            <a:srgbClr val="F26B43"/>
+          </p15:clr>
+        </p15:guide>
+        <p15:guide id="6" orient="horz" pos="240">
+          <p15:clr>
+            <a:srgbClr val="F26B43"/>
+          </p15:clr>
+        </p15:guide>
+      </p15:sldGuideLst>
+    </p:ext>
+  </p:extLst>
 </p:sldMaster>
 </file>
 
@@ -3686,7 +6878,7 @@
         <p:spPr/>
         <p:txBody>
           <a:bodyPr>
-            <a:normAutofit fontScale="62500" lnSpcReduction="20000"/>
+            <a:normAutofit fontScale="55000" lnSpcReduction="20000"/>
           </a:bodyPr>
           <a:lstStyle/>
           <a:p>
@@ -3718,1124 +6910,6 @@
     <p:extLst>
       <p:ext uri="{BB962C8B-B14F-4D97-AF65-F5344CB8AC3E}">
         <p14:creationId xmlns:p14="http://schemas.microsoft.com/office/powerpoint/2010/main" val="863480156"/>
-      </p:ext>
-    </p:extLst>
-  </p:cSld>
-  <p:clrMapOvr>
-    <a:masterClrMapping/>
-  </p:clrMapOvr>
-</p:sld>
-</file>
-
-<file path=ppt/slides/slide10.xml><?xml version="1.0" encoding="utf-8"?>
-<p:sld xmlns:a="http://schemas.openxmlformats.org/drawingml/2006/main" xmlns:r="http://schemas.openxmlformats.org/officeDocument/2006/relationships" xmlns:p="http://schemas.openxmlformats.org/presentationml/2006/main">
-  <p:cSld>
-    <p:spTree>
-      <p:nvGrpSpPr>
-        <p:cNvPr id="1" name=""/>
-        <p:cNvGrpSpPr/>
-        <p:nvPr/>
-      </p:nvGrpSpPr>
-      <p:grpSpPr>
-        <a:xfrm>
-          <a:off x="0" y="0"/>
-          <a:ext cx="0" cy="0"/>
-          <a:chOff x="0" y="0"/>
-          <a:chExt cx="0" cy="0"/>
-        </a:xfrm>
-      </p:grpSpPr>
-      <p:sp>
-        <p:nvSpPr>
-          <p:cNvPr id="2" name="Title 1">
-            <a:extLst>
-              <a:ext uri="{FF2B5EF4-FFF2-40B4-BE49-F238E27FC236}">
-                <a16:creationId xmlns:a16="http://schemas.microsoft.com/office/drawing/2014/main" id="{21AFD512-F00A-4924-8BC4-9D270C370AB5}"/>
-              </a:ext>
-            </a:extLst>
-          </p:cNvPr>
-          <p:cNvSpPr>
-            <a:spLocks noGrp="1"/>
-          </p:cNvSpPr>
-          <p:nvPr>
-            <p:ph type="title"/>
-          </p:nvPr>
-        </p:nvSpPr>
-        <p:spPr/>
-        <p:txBody>
-          <a:bodyPr/>
-          <a:lstStyle/>
-          <a:p>
-            <a:endParaRPr lang="en-US"/>
-          </a:p>
-        </p:txBody>
-      </p:sp>
-      <p:sp>
-        <p:nvSpPr>
-          <p:cNvPr id="3" name="Content Placeholder 2">
-            <a:extLst>
-              <a:ext uri="{FF2B5EF4-FFF2-40B4-BE49-F238E27FC236}">
-                <a16:creationId xmlns:a16="http://schemas.microsoft.com/office/drawing/2014/main" id="{112C6627-6CBF-4877-92F7-0F946CAB9525}"/>
-              </a:ext>
-            </a:extLst>
-          </p:cNvPr>
-          <p:cNvSpPr>
-            <a:spLocks noGrp="1"/>
-          </p:cNvSpPr>
-          <p:nvPr>
-            <p:ph idx="1"/>
-          </p:nvPr>
-        </p:nvSpPr>
-        <p:spPr/>
-        <p:txBody>
-          <a:bodyPr/>
-          <a:lstStyle/>
-          <a:p>
-            <a:endParaRPr lang="en-US"/>
-          </a:p>
-        </p:txBody>
-      </p:sp>
-    </p:spTree>
-    <p:extLst>
-      <p:ext uri="{BB962C8B-B14F-4D97-AF65-F5344CB8AC3E}">
-        <p14:creationId xmlns:p14="http://schemas.microsoft.com/office/powerpoint/2010/main" val="666575660"/>
-      </p:ext>
-    </p:extLst>
-  </p:cSld>
-  <p:clrMapOvr>
-    <a:masterClrMapping/>
-  </p:clrMapOvr>
-</p:sld>
-</file>
-
-<file path=ppt/slides/slide11.xml><?xml version="1.0" encoding="utf-8"?>
-<p:sld xmlns:a="http://schemas.openxmlformats.org/drawingml/2006/main" xmlns:r="http://schemas.openxmlformats.org/officeDocument/2006/relationships" xmlns:p="http://schemas.openxmlformats.org/presentationml/2006/main">
-  <p:cSld>
-    <p:spTree>
-      <p:nvGrpSpPr>
-        <p:cNvPr id="1" name=""/>
-        <p:cNvGrpSpPr/>
-        <p:nvPr/>
-      </p:nvGrpSpPr>
-      <p:grpSpPr>
-        <a:xfrm>
-          <a:off x="0" y="0"/>
-          <a:ext cx="0" cy="0"/>
-          <a:chOff x="0" y="0"/>
-          <a:chExt cx="0" cy="0"/>
-        </a:xfrm>
-      </p:grpSpPr>
-      <p:sp>
-        <p:nvSpPr>
-          <p:cNvPr id="2" name="Title 1">
-            <a:extLst>
-              <a:ext uri="{FF2B5EF4-FFF2-40B4-BE49-F238E27FC236}">
-                <a16:creationId xmlns:a16="http://schemas.microsoft.com/office/drawing/2014/main" id="{71000758-C854-465F-B876-65CAABCBBA67}"/>
-              </a:ext>
-            </a:extLst>
-          </p:cNvPr>
-          <p:cNvSpPr>
-            <a:spLocks noGrp="1"/>
-          </p:cNvSpPr>
-          <p:nvPr>
-            <p:ph type="title"/>
-          </p:nvPr>
-        </p:nvSpPr>
-        <p:spPr/>
-        <p:txBody>
-          <a:bodyPr/>
-          <a:lstStyle/>
-          <a:p>
-            <a:endParaRPr lang="en-US"/>
-          </a:p>
-        </p:txBody>
-      </p:sp>
-      <p:sp>
-        <p:nvSpPr>
-          <p:cNvPr id="3" name="Content Placeholder 2">
-            <a:extLst>
-              <a:ext uri="{FF2B5EF4-FFF2-40B4-BE49-F238E27FC236}">
-                <a16:creationId xmlns:a16="http://schemas.microsoft.com/office/drawing/2014/main" id="{26657FEC-9576-4B85-8FD2-7D6327847862}"/>
-              </a:ext>
-            </a:extLst>
-          </p:cNvPr>
-          <p:cNvSpPr>
-            <a:spLocks noGrp="1"/>
-          </p:cNvSpPr>
-          <p:nvPr>
-            <p:ph idx="1"/>
-          </p:nvPr>
-        </p:nvSpPr>
-        <p:spPr/>
-        <p:txBody>
-          <a:bodyPr/>
-          <a:lstStyle/>
-          <a:p>
-            <a:endParaRPr lang="en-US"/>
-          </a:p>
-        </p:txBody>
-      </p:sp>
-    </p:spTree>
-    <p:extLst>
-      <p:ext uri="{BB962C8B-B14F-4D97-AF65-F5344CB8AC3E}">
-        <p14:creationId xmlns:p14="http://schemas.microsoft.com/office/powerpoint/2010/main" val="2206808207"/>
-      </p:ext>
-    </p:extLst>
-  </p:cSld>
-  <p:clrMapOvr>
-    <a:masterClrMapping/>
-  </p:clrMapOvr>
-</p:sld>
-</file>
-
-<file path=ppt/slides/slide12.xml><?xml version="1.0" encoding="utf-8"?>
-<p:sld xmlns:a="http://schemas.openxmlformats.org/drawingml/2006/main" xmlns:r="http://schemas.openxmlformats.org/officeDocument/2006/relationships" xmlns:p="http://schemas.openxmlformats.org/presentationml/2006/main">
-  <p:cSld>
-    <p:spTree>
-      <p:nvGrpSpPr>
-        <p:cNvPr id="1" name=""/>
-        <p:cNvGrpSpPr/>
-        <p:nvPr/>
-      </p:nvGrpSpPr>
-      <p:grpSpPr>
-        <a:xfrm>
-          <a:off x="0" y="0"/>
-          <a:ext cx="0" cy="0"/>
-          <a:chOff x="0" y="0"/>
-          <a:chExt cx="0" cy="0"/>
-        </a:xfrm>
-      </p:grpSpPr>
-      <p:sp>
-        <p:nvSpPr>
-          <p:cNvPr id="2" name="Title 1">
-            <a:extLst>
-              <a:ext uri="{FF2B5EF4-FFF2-40B4-BE49-F238E27FC236}">
-                <a16:creationId xmlns:a16="http://schemas.microsoft.com/office/drawing/2014/main" id="{5F274A46-22BD-4898-BA80-93FB3936F9D3}"/>
-              </a:ext>
-            </a:extLst>
-          </p:cNvPr>
-          <p:cNvSpPr>
-            <a:spLocks noGrp="1"/>
-          </p:cNvSpPr>
-          <p:nvPr>
-            <p:ph type="title"/>
-          </p:nvPr>
-        </p:nvSpPr>
-        <p:spPr/>
-        <p:txBody>
-          <a:bodyPr/>
-          <a:lstStyle/>
-          <a:p>
-            <a:endParaRPr lang="en-US"/>
-          </a:p>
-        </p:txBody>
-      </p:sp>
-      <p:sp>
-        <p:nvSpPr>
-          <p:cNvPr id="3" name="Content Placeholder 2">
-            <a:extLst>
-              <a:ext uri="{FF2B5EF4-FFF2-40B4-BE49-F238E27FC236}">
-                <a16:creationId xmlns:a16="http://schemas.microsoft.com/office/drawing/2014/main" id="{55B5F8A2-6B11-4A89-940A-8FCBFDF84B52}"/>
-              </a:ext>
-            </a:extLst>
-          </p:cNvPr>
-          <p:cNvSpPr>
-            <a:spLocks noGrp="1"/>
-          </p:cNvSpPr>
-          <p:nvPr>
-            <p:ph idx="1"/>
-          </p:nvPr>
-        </p:nvSpPr>
-        <p:spPr/>
-        <p:txBody>
-          <a:bodyPr/>
-          <a:lstStyle/>
-          <a:p>
-            <a:endParaRPr lang="en-US"/>
-          </a:p>
-        </p:txBody>
-      </p:sp>
-    </p:spTree>
-    <p:extLst>
-      <p:ext uri="{BB962C8B-B14F-4D97-AF65-F5344CB8AC3E}">
-        <p14:creationId xmlns:p14="http://schemas.microsoft.com/office/powerpoint/2010/main" val="623853097"/>
-      </p:ext>
-    </p:extLst>
-  </p:cSld>
-  <p:clrMapOvr>
-    <a:masterClrMapping/>
-  </p:clrMapOvr>
-</p:sld>
-</file>
-
-<file path=ppt/slides/slide13.xml><?xml version="1.0" encoding="utf-8"?>
-<p:sld xmlns:a="http://schemas.openxmlformats.org/drawingml/2006/main" xmlns:r="http://schemas.openxmlformats.org/officeDocument/2006/relationships" xmlns:p="http://schemas.openxmlformats.org/presentationml/2006/main">
-  <p:cSld>
-    <p:spTree>
-      <p:nvGrpSpPr>
-        <p:cNvPr id="1" name=""/>
-        <p:cNvGrpSpPr/>
-        <p:nvPr/>
-      </p:nvGrpSpPr>
-      <p:grpSpPr>
-        <a:xfrm>
-          <a:off x="0" y="0"/>
-          <a:ext cx="0" cy="0"/>
-          <a:chOff x="0" y="0"/>
-          <a:chExt cx="0" cy="0"/>
-        </a:xfrm>
-      </p:grpSpPr>
-      <p:sp>
-        <p:nvSpPr>
-          <p:cNvPr id="2" name="Title 1">
-            <a:extLst>
-              <a:ext uri="{FF2B5EF4-FFF2-40B4-BE49-F238E27FC236}">
-                <a16:creationId xmlns:a16="http://schemas.microsoft.com/office/drawing/2014/main" id="{54AA98F4-89A9-4E2C-871C-A0A54E44DE7C}"/>
-              </a:ext>
-            </a:extLst>
-          </p:cNvPr>
-          <p:cNvSpPr>
-            <a:spLocks noGrp="1"/>
-          </p:cNvSpPr>
-          <p:nvPr>
-            <p:ph type="title"/>
-          </p:nvPr>
-        </p:nvSpPr>
-        <p:spPr/>
-        <p:txBody>
-          <a:bodyPr/>
-          <a:lstStyle/>
-          <a:p>
-            <a:endParaRPr lang="en-US"/>
-          </a:p>
-        </p:txBody>
-      </p:sp>
-      <p:sp>
-        <p:nvSpPr>
-          <p:cNvPr id="3" name="Content Placeholder 2">
-            <a:extLst>
-              <a:ext uri="{FF2B5EF4-FFF2-40B4-BE49-F238E27FC236}">
-                <a16:creationId xmlns:a16="http://schemas.microsoft.com/office/drawing/2014/main" id="{94212E3D-126F-4EE6-8E33-99FC79C90480}"/>
-              </a:ext>
-            </a:extLst>
-          </p:cNvPr>
-          <p:cNvSpPr>
-            <a:spLocks noGrp="1"/>
-          </p:cNvSpPr>
-          <p:nvPr>
-            <p:ph idx="1"/>
-          </p:nvPr>
-        </p:nvSpPr>
-        <p:spPr/>
-        <p:txBody>
-          <a:bodyPr/>
-          <a:lstStyle/>
-          <a:p>
-            <a:endParaRPr lang="en-US"/>
-          </a:p>
-        </p:txBody>
-      </p:sp>
-    </p:spTree>
-    <p:extLst>
-      <p:ext uri="{BB962C8B-B14F-4D97-AF65-F5344CB8AC3E}">
-        <p14:creationId xmlns:p14="http://schemas.microsoft.com/office/powerpoint/2010/main" val="3734176293"/>
-      </p:ext>
-    </p:extLst>
-  </p:cSld>
-  <p:clrMapOvr>
-    <a:masterClrMapping/>
-  </p:clrMapOvr>
-</p:sld>
-</file>
-
-<file path=ppt/slides/slide14.xml><?xml version="1.0" encoding="utf-8"?>
-<p:sld xmlns:a="http://schemas.openxmlformats.org/drawingml/2006/main" xmlns:r="http://schemas.openxmlformats.org/officeDocument/2006/relationships" xmlns:p="http://schemas.openxmlformats.org/presentationml/2006/main">
-  <p:cSld>
-    <p:spTree>
-      <p:nvGrpSpPr>
-        <p:cNvPr id="1" name=""/>
-        <p:cNvGrpSpPr/>
-        <p:nvPr/>
-      </p:nvGrpSpPr>
-      <p:grpSpPr>
-        <a:xfrm>
-          <a:off x="0" y="0"/>
-          <a:ext cx="0" cy="0"/>
-          <a:chOff x="0" y="0"/>
-          <a:chExt cx="0" cy="0"/>
-        </a:xfrm>
-      </p:grpSpPr>
-      <p:sp>
-        <p:nvSpPr>
-          <p:cNvPr id="2" name="Title 1">
-            <a:extLst>
-              <a:ext uri="{FF2B5EF4-FFF2-40B4-BE49-F238E27FC236}">
-                <a16:creationId xmlns:a16="http://schemas.microsoft.com/office/drawing/2014/main" id="{39763A38-C578-407B-8037-664C2B204FCF}"/>
-              </a:ext>
-            </a:extLst>
-          </p:cNvPr>
-          <p:cNvSpPr>
-            <a:spLocks noGrp="1"/>
-          </p:cNvSpPr>
-          <p:nvPr>
-            <p:ph type="title"/>
-          </p:nvPr>
-        </p:nvSpPr>
-        <p:spPr/>
-        <p:txBody>
-          <a:bodyPr/>
-          <a:lstStyle/>
-          <a:p>
-            <a:r>
-              <a:rPr lang="en-US" dirty="0" err="1"/>
-              <a:t>Controles</a:t>
-            </a:r>
-            <a:endParaRPr lang="en-US" dirty="0"/>
-          </a:p>
-        </p:txBody>
-      </p:sp>
-      <p:sp>
-        <p:nvSpPr>
-          <p:cNvPr id="6" name="Content Placeholder 5">
-            <a:extLst>
-              <a:ext uri="{FF2B5EF4-FFF2-40B4-BE49-F238E27FC236}">
-                <a16:creationId xmlns:a16="http://schemas.microsoft.com/office/drawing/2014/main" id="{06D33010-0C67-4E0E-A5F2-34ABBC603F52}"/>
-              </a:ext>
-            </a:extLst>
-          </p:cNvPr>
-          <p:cNvSpPr>
-            <a:spLocks noGrp="1"/>
-          </p:cNvSpPr>
-          <p:nvPr>
-            <p:ph idx="1"/>
-          </p:nvPr>
-        </p:nvSpPr>
-        <p:spPr/>
-        <p:txBody>
-          <a:bodyPr/>
-          <a:lstStyle/>
-          <a:p>
-            <a:pPr marL="0" indent="0">
-              <a:buNone/>
-            </a:pPr>
-            <a:r>
-              <a:rPr lang="es-ES" b="1" dirty="0"/>
-              <a:t>Movimiento del jugador:</a:t>
-            </a:r>
-          </a:p>
-          <a:p>
-            <a:r>
-              <a:rPr lang="es-ES" dirty="0"/>
-              <a:t>Salto: w</a:t>
-            </a:r>
-          </a:p>
-          <a:p>
-            <a:r>
-              <a:rPr lang="es-ES" dirty="0"/>
-              <a:t>Izquierda: a</a:t>
-            </a:r>
-          </a:p>
-          <a:p>
-            <a:r>
-              <a:rPr lang="es-ES" dirty="0"/>
-              <a:t>Derecha: d</a:t>
-            </a:r>
-          </a:p>
-          <a:p>
-            <a:pPr marL="0" indent="0">
-              <a:buNone/>
-            </a:pPr>
-            <a:r>
-              <a:rPr lang="es-ES" b="1" dirty="0"/>
-              <a:t>Mira:</a:t>
-            </a:r>
-          </a:p>
-          <a:p>
-            <a:r>
-              <a:rPr lang="es-ES" dirty="0"/>
-              <a:t>Apuntar: Mouse</a:t>
-            </a:r>
-          </a:p>
-          <a:p>
-            <a:r>
-              <a:rPr lang="es-ES" dirty="0"/>
-              <a:t>Disparo: </a:t>
-            </a:r>
-            <a:r>
-              <a:rPr lang="es-ES" dirty="0" err="1"/>
-              <a:t>click</a:t>
-            </a:r>
-            <a:r>
-              <a:rPr lang="es-ES" dirty="0"/>
-              <a:t> derecho</a:t>
-            </a:r>
-          </a:p>
-          <a:p>
-            <a:endParaRPr lang="en-US" dirty="0"/>
-          </a:p>
-        </p:txBody>
-      </p:sp>
-      <p:pic>
-        <p:nvPicPr>
-          <p:cNvPr id="7" name="Content Placeholder 4">
-            <a:extLst>
-              <a:ext uri="{FF2B5EF4-FFF2-40B4-BE49-F238E27FC236}">
-                <a16:creationId xmlns:a16="http://schemas.microsoft.com/office/drawing/2014/main" id="{6B33B5A9-9C67-4520-8148-35338D118981}"/>
-              </a:ext>
-            </a:extLst>
-          </p:cNvPr>
-          <p:cNvPicPr>
-            <a:picLocks noChangeAspect="1"/>
-          </p:cNvPicPr>
-          <p:nvPr/>
-        </p:nvPicPr>
-        <p:blipFill>
-          <a:blip r:embed="rId2">
-            <a:extLst>
-              <a:ext uri="{28A0092B-C50C-407E-A947-70E740481C1C}">
-                <a14:useLocalDpi xmlns:a14="http://schemas.microsoft.com/office/drawing/2010/main" val="0"/>
-              </a:ext>
-            </a:extLst>
-          </a:blip>
-          <a:stretch>
-            <a:fillRect/>
-          </a:stretch>
-        </p:blipFill>
-        <p:spPr>
-          <a:xfrm>
-            <a:off x="6649152" y="2482786"/>
-            <a:ext cx="2162775" cy="1892428"/>
-          </a:xfrm>
-          <a:prstGeom prst="rect">
-            <a:avLst/>
-          </a:prstGeom>
-        </p:spPr>
-      </p:pic>
-    </p:spTree>
-    <p:extLst>
-      <p:ext uri="{BB962C8B-B14F-4D97-AF65-F5344CB8AC3E}">
-        <p14:creationId xmlns:p14="http://schemas.microsoft.com/office/powerpoint/2010/main" val="3990998486"/>
-      </p:ext>
-    </p:extLst>
-  </p:cSld>
-  <p:clrMapOvr>
-    <a:masterClrMapping/>
-  </p:clrMapOvr>
-</p:sld>
-</file>
-
-<file path=ppt/slides/slide15.xml><?xml version="1.0" encoding="utf-8"?>
-<p:sld xmlns:a="http://schemas.openxmlformats.org/drawingml/2006/main" xmlns:r="http://schemas.openxmlformats.org/officeDocument/2006/relationships" xmlns:p="http://schemas.openxmlformats.org/presentationml/2006/main">
-  <p:cSld>
-    <p:spTree>
-      <p:nvGrpSpPr>
-        <p:cNvPr id="1" name=""/>
-        <p:cNvGrpSpPr/>
-        <p:nvPr/>
-      </p:nvGrpSpPr>
-      <p:grpSpPr>
-        <a:xfrm>
-          <a:off x="0" y="0"/>
-          <a:ext cx="0" cy="0"/>
-          <a:chOff x="0" y="0"/>
-          <a:chExt cx="0" cy="0"/>
-        </a:xfrm>
-      </p:grpSpPr>
-      <p:sp>
-        <p:nvSpPr>
-          <p:cNvPr id="2" name="Title 1">
-            <a:extLst>
-              <a:ext uri="{FF2B5EF4-FFF2-40B4-BE49-F238E27FC236}">
-                <a16:creationId xmlns:a16="http://schemas.microsoft.com/office/drawing/2014/main" id="{4E5177A1-2FC3-41FD-AEF8-DEC1C7A40FBC}"/>
-              </a:ext>
-            </a:extLst>
-          </p:cNvPr>
-          <p:cNvSpPr>
-            <a:spLocks noGrp="1"/>
-          </p:cNvSpPr>
-          <p:nvPr>
-            <p:ph type="title"/>
-          </p:nvPr>
-        </p:nvSpPr>
-        <p:spPr/>
-        <p:txBody>
-          <a:bodyPr/>
-          <a:lstStyle/>
-          <a:p>
-            <a:r>
-              <a:rPr lang="en-US" dirty="0"/>
-              <a:t>Poderes</a:t>
-            </a:r>
-          </a:p>
-        </p:txBody>
-      </p:sp>
-      <p:sp>
-        <p:nvSpPr>
-          <p:cNvPr id="3" name="Content Placeholder 2">
-            <a:extLst>
-              <a:ext uri="{FF2B5EF4-FFF2-40B4-BE49-F238E27FC236}">
-                <a16:creationId xmlns:a16="http://schemas.microsoft.com/office/drawing/2014/main" id="{9191C35E-0866-42D9-9637-39BE34F674D6}"/>
-              </a:ext>
-            </a:extLst>
-          </p:cNvPr>
-          <p:cNvSpPr>
-            <a:spLocks noGrp="1"/>
-          </p:cNvSpPr>
-          <p:nvPr>
-            <p:ph idx="1"/>
-          </p:nvPr>
-        </p:nvSpPr>
-        <p:spPr/>
-        <p:txBody>
-          <a:bodyPr>
-            <a:normAutofit fontScale="40000" lnSpcReduction="20000"/>
-          </a:bodyPr>
-          <a:lstStyle/>
-          <a:p>
-            <a:pPr marL="0" indent="0">
-              <a:buNone/>
-            </a:pPr>
-            <a:r>
-              <a:rPr lang="es-ES" b="1" dirty="0"/>
-              <a:t>Contra el enemigo</a:t>
-            </a:r>
-          </a:p>
-          <a:p>
-            <a:r>
-              <a:rPr lang="es-ES" dirty="0"/>
-              <a:t>Disparo: Todos tienen el este poder el cual inflige 20 puntos de daño.</a:t>
-            </a:r>
-          </a:p>
-          <a:p>
-            <a:r>
-              <a:rPr lang="es-ES" dirty="0"/>
-              <a:t>Iman: Cuando un cazador utiliza este poder lanza un gancho que atrapa a otro jugador y lo atrae a su posición e inflige 40 puntos de daño.</a:t>
-            </a:r>
-          </a:p>
-          <a:p>
-            <a:r>
-              <a:rPr lang="es-ES" dirty="0"/>
-              <a:t>Destrucción: Este poder derriba una plataforma seleccionada.</a:t>
-            </a:r>
-          </a:p>
-          <a:p>
-            <a:r>
-              <a:rPr lang="es-ES" dirty="0"/>
-              <a:t>Congelar: Este poder congela a un jugador por 2 segundos e inflige 30 puntos de daño.</a:t>
-            </a:r>
-          </a:p>
-          <a:p>
-            <a:r>
-              <a:rPr lang="es-ES" dirty="0"/>
-              <a:t>Invertir: Este poder invierte los controles de movimiento del jugador por 3 segundos.</a:t>
-            </a:r>
-          </a:p>
-          <a:p>
-            <a:r>
-              <a:rPr lang="es-ES" dirty="0"/>
-              <a:t>Empujar: Este poder empuja al jugador/es que estén en el área de efecto.</a:t>
-            </a:r>
-          </a:p>
-          <a:p>
-            <a:r>
-              <a:rPr lang="es-ES" dirty="0" err="1"/>
-              <a:t>Headshot</a:t>
-            </a:r>
-            <a:r>
-              <a:rPr lang="es-ES" dirty="0"/>
-              <a:t>: Este poder mata de un tiro al enemigo.</a:t>
-            </a:r>
-          </a:p>
-          <a:p>
-            <a:pPr marL="0" indent="0">
-              <a:buNone/>
-            </a:pPr>
-            <a:r>
-              <a:rPr lang="es-ES" b="1" dirty="0"/>
-              <a:t>Beneficio</a:t>
-            </a:r>
-          </a:p>
-          <a:p>
-            <a:r>
-              <a:rPr lang="es-ES" dirty="0"/>
-              <a:t>Estos poderes se encuentran en forma de frasco en el mapa dando los siguientes beneficios:</a:t>
-            </a:r>
-          </a:p>
-          <a:p>
-            <a:r>
-              <a:rPr lang="es-ES" dirty="0"/>
-              <a:t>Cura: Cura al personaje 20 puntos de vida.</a:t>
-            </a:r>
-          </a:p>
-          <a:p>
-            <a:r>
-              <a:rPr lang="es-ES" dirty="0"/>
-              <a:t>Velocidad: Este poder aumenta la velocidad del jugador en un 50%.</a:t>
-            </a:r>
-          </a:p>
-          <a:p>
-            <a:r>
-              <a:rPr lang="es-ES" dirty="0" err="1"/>
-              <a:t>SuperSalto</a:t>
-            </a:r>
-            <a:r>
-              <a:rPr lang="es-ES" dirty="0"/>
-              <a:t>: Este poder duplica la capacidad de salto del jugador.</a:t>
-            </a:r>
-          </a:p>
-          <a:p>
-            <a:endParaRPr lang="en-US" dirty="0"/>
-          </a:p>
-        </p:txBody>
-      </p:sp>
-      <p:pic>
-        <p:nvPicPr>
-          <p:cNvPr id="4" name="Picture 3">
-            <a:extLst>
-              <a:ext uri="{FF2B5EF4-FFF2-40B4-BE49-F238E27FC236}">
-                <a16:creationId xmlns:a16="http://schemas.microsoft.com/office/drawing/2014/main" id="{A00999BF-BC4A-459E-8230-79C21E952239}"/>
-              </a:ext>
-            </a:extLst>
-          </p:cNvPr>
-          <p:cNvPicPr>
-            <a:picLocks noChangeAspect="1"/>
-          </p:cNvPicPr>
-          <p:nvPr/>
-        </p:nvPicPr>
-        <p:blipFill>
-          <a:blip r:embed="rId2">
-            <a:extLst>
-              <a:ext uri="{28A0092B-C50C-407E-A947-70E740481C1C}">
-                <a14:useLocalDpi xmlns:a14="http://schemas.microsoft.com/office/drawing/2010/main" val="0"/>
-              </a:ext>
-            </a:extLst>
-          </a:blip>
-          <a:stretch>
-            <a:fillRect/>
-          </a:stretch>
-        </p:blipFill>
-        <p:spPr>
-          <a:xfrm>
-            <a:off x="8377257" y="564568"/>
-            <a:ext cx="3101985" cy="1515902"/>
-          </a:xfrm>
-          <a:prstGeom prst="rect">
-            <a:avLst/>
-          </a:prstGeom>
-        </p:spPr>
-      </p:pic>
-    </p:spTree>
-    <p:extLst>
-      <p:ext uri="{BB962C8B-B14F-4D97-AF65-F5344CB8AC3E}">
-        <p14:creationId xmlns:p14="http://schemas.microsoft.com/office/powerpoint/2010/main" val="3585798653"/>
-      </p:ext>
-    </p:extLst>
-  </p:cSld>
-  <p:clrMapOvr>
-    <a:masterClrMapping/>
-  </p:clrMapOvr>
-</p:sld>
-</file>
-
-<file path=ppt/slides/slide16.xml><?xml version="1.0" encoding="utf-8"?>
-<p:sld xmlns:a="http://schemas.openxmlformats.org/drawingml/2006/main" xmlns:r="http://schemas.openxmlformats.org/officeDocument/2006/relationships" xmlns:p="http://schemas.openxmlformats.org/presentationml/2006/main">
-  <p:cSld>
-    <p:spTree>
-      <p:nvGrpSpPr>
-        <p:cNvPr id="1" name=""/>
-        <p:cNvGrpSpPr/>
-        <p:nvPr/>
-      </p:nvGrpSpPr>
-      <p:grpSpPr>
-        <a:xfrm>
-          <a:off x="0" y="0"/>
-          <a:ext cx="0" cy="0"/>
-          <a:chOff x="0" y="0"/>
-          <a:chExt cx="0" cy="0"/>
-        </a:xfrm>
-      </p:grpSpPr>
-      <p:sp>
-        <p:nvSpPr>
-          <p:cNvPr id="2" name="Title 1">
-            <a:extLst>
-              <a:ext uri="{FF2B5EF4-FFF2-40B4-BE49-F238E27FC236}">
-                <a16:creationId xmlns:a16="http://schemas.microsoft.com/office/drawing/2014/main" id="{5AA29147-814D-4DA6-B693-59D7982A56F4}"/>
-              </a:ext>
-            </a:extLst>
-          </p:cNvPr>
-          <p:cNvSpPr>
-            <a:spLocks noGrp="1"/>
-          </p:cNvSpPr>
-          <p:nvPr>
-            <p:ph type="title"/>
-          </p:nvPr>
-        </p:nvSpPr>
-        <p:spPr/>
-        <p:txBody>
-          <a:bodyPr/>
-          <a:lstStyle/>
-          <a:p>
-            <a:r>
-              <a:rPr lang="en-US" dirty="0" err="1"/>
-              <a:t>Historias</a:t>
-            </a:r>
-            <a:r>
-              <a:rPr lang="en-US" dirty="0"/>
-              <a:t> de </a:t>
-            </a:r>
-            <a:r>
-              <a:rPr lang="en-US" dirty="0" err="1"/>
-              <a:t>Usuario</a:t>
-            </a:r>
-            <a:endParaRPr lang="en-US" dirty="0"/>
-          </a:p>
-        </p:txBody>
-      </p:sp>
-      <p:sp>
-        <p:nvSpPr>
-          <p:cNvPr id="4" name="Title 1">
-            <a:extLst>
-              <a:ext uri="{FF2B5EF4-FFF2-40B4-BE49-F238E27FC236}">
-                <a16:creationId xmlns:a16="http://schemas.microsoft.com/office/drawing/2014/main" id="{7E368D75-2248-4436-AB7B-F726C3CE1C64}"/>
-              </a:ext>
-            </a:extLst>
-          </p:cNvPr>
-          <p:cNvSpPr txBox="1">
-            <a:spLocks/>
-          </p:cNvSpPr>
-          <p:nvPr/>
-        </p:nvSpPr>
-        <p:spPr>
-          <a:xfrm>
-            <a:off x="1451578" y="2777330"/>
-            <a:ext cx="9603275" cy="1049235"/>
-          </a:xfrm>
-          <a:prstGeom prst="rect">
-            <a:avLst/>
-          </a:prstGeom>
-        </p:spPr>
-        <p:txBody>
-          <a:bodyPr vert="horz" lIns="91440" tIns="45720" rIns="91440" bIns="45720" rtlCol="0" anchor="t">
-            <a:normAutofit/>
-          </a:bodyPr>
-          <a:lstStyle>
-            <a:lvl1pPr algn="l" defTabSz="914400" rtl="0" eaLnBrk="1" latinLnBrk="0" hangingPunct="1">
-              <a:lnSpc>
-                <a:spcPct val="90000"/>
-              </a:lnSpc>
-              <a:spcBef>
-                <a:spcPct val="0"/>
-              </a:spcBef>
-              <a:buNone/>
-              <a:defRPr sz="3200" b="0" i="0" kern="1200" cap="all">
-                <a:solidFill>
-                  <a:schemeClr val="tx1"/>
-                </a:solidFill>
-                <a:effectLst/>
-                <a:latin typeface="+mj-lt"/>
-                <a:ea typeface="+mj-ea"/>
-                <a:cs typeface="+mj-cs"/>
-              </a:defRPr>
-            </a:lvl1pPr>
-          </a:lstStyle>
-          <a:p>
-            <a:r>
-              <a:rPr lang="en-US" dirty="0" err="1"/>
-              <a:t>Github</a:t>
-            </a:r>
-            <a:endParaRPr lang="en-US" dirty="0"/>
-          </a:p>
-          <a:p>
-            <a:endParaRPr lang="en-US" dirty="0"/>
-          </a:p>
-        </p:txBody>
-      </p:sp>
-      <p:sp>
-        <p:nvSpPr>
-          <p:cNvPr id="5" name="Content Placeholder 2">
-            <a:extLst>
-              <a:ext uri="{FF2B5EF4-FFF2-40B4-BE49-F238E27FC236}">
-                <a16:creationId xmlns:a16="http://schemas.microsoft.com/office/drawing/2014/main" id="{C9AB1033-2F49-4ABA-A92D-94C7B1A19642}"/>
-              </a:ext>
-            </a:extLst>
-          </p:cNvPr>
-          <p:cNvSpPr txBox="1">
-            <a:spLocks/>
-          </p:cNvSpPr>
-          <p:nvPr/>
-        </p:nvSpPr>
-        <p:spPr>
-          <a:xfrm>
-            <a:off x="1603979" y="2168132"/>
-            <a:ext cx="9603275" cy="3450613"/>
-          </a:xfrm>
-          <a:prstGeom prst="rect">
-            <a:avLst/>
-          </a:prstGeom>
-        </p:spPr>
-        <p:txBody>
-          <a:bodyPr vert="horz" lIns="91440" tIns="45720" rIns="91440" bIns="45720" rtlCol="0" anchor="t">
-            <a:normAutofit/>
-          </a:bodyPr>
-          <a:lstStyle>
-            <a:lvl1pPr marL="228600" indent="-228600" algn="l" defTabSz="914400" rtl="0" eaLnBrk="1" latinLnBrk="0" hangingPunct="1">
-              <a:lnSpc>
-                <a:spcPct val="120000"/>
-              </a:lnSpc>
-              <a:spcBef>
-                <a:spcPts val="1000"/>
-              </a:spcBef>
-              <a:buClr>
-                <a:schemeClr val="accent1"/>
-              </a:buClr>
-              <a:buSzPct val="100000"/>
-              <a:buFont typeface="Arial" panose="020B0604020202020204" pitchFamily="34" charset="0"/>
-              <a:buChar char="•"/>
-              <a:defRPr sz="2000" kern="1200">
-                <a:solidFill>
-                  <a:schemeClr val="tx1"/>
-                </a:solidFill>
-                <a:effectLst/>
-                <a:latin typeface="+mn-lt"/>
-                <a:ea typeface="+mn-ea"/>
-                <a:cs typeface="+mn-cs"/>
-              </a:defRPr>
-            </a:lvl1pPr>
-            <a:lvl2pPr marL="685800" indent="-228600" algn="l" defTabSz="914400" rtl="0" eaLnBrk="1" latinLnBrk="0" hangingPunct="1">
-              <a:lnSpc>
-                <a:spcPct val="120000"/>
-              </a:lnSpc>
-              <a:spcBef>
-                <a:spcPts val="500"/>
-              </a:spcBef>
-              <a:buClr>
-                <a:schemeClr val="accent1"/>
-              </a:buClr>
-              <a:buSzPct val="100000"/>
-              <a:buFont typeface="Arial" panose="020B0604020202020204" pitchFamily="34" charset="0"/>
-              <a:buChar char="•"/>
-              <a:defRPr sz="1800" kern="1200" cap="none" baseline="0">
-                <a:solidFill>
-                  <a:schemeClr val="tx1"/>
-                </a:solidFill>
-                <a:effectLst/>
-                <a:latin typeface="+mn-lt"/>
-                <a:ea typeface="+mn-ea"/>
-                <a:cs typeface="+mn-cs"/>
-              </a:defRPr>
-            </a:lvl2pPr>
-            <a:lvl3pPr marL="1143000" indent="-228600" algn="l" defTabSz="914400" rtl="0" eaLnBrk="1" latinLnBrk="0" hangingPunct="1">
-              <a:lnSpc>
-                <a:spcPct val="120000"/>
-              </a:lnSpc>
-              <a:spcBef>
-                <a:spcPts val="500"/>
-              </a:spcBef>
-              <a:buClr>
-                <a:schemeClr val="accent1"/>
-              </a:buClr>
-              <a:buSzPct val="100000"/>
-              <a:buFont typeface="Arial" panose="020B0604020202020204" pitchFamily="34" charset="0"/>
-              <a:buChar char="•"/>
-              <a:defRPr sz="1600" kern="1200">
-                <a:solidFill>
-                  <a:schemeClr val="tx1"/>
-                </a:solidFill>
-                <a:effectLst/>
-                <a:latin typeface="+mn-lt"/>
-                <a:ea typeface="+mn-ea"/>
-                <a:cs typeface="+mn-cs"/>
-              </a:defRPr>
-            </a:lvl3pPr>
-            <a:lvl4pPr marL="1600200" indent="-228600" algn="l" defTabSz="914400" rtl="0" eaLnBrk="1" latinLnBrk="0" hangingPunct="1">
-              <a:lnSpc>
-                <a:spcPct val="120000"/>
-              </a:lnSpc>
-              <a:spcBef>
-                <a:spcPts val="500"/>
-              </a:spcBef>
-              <a:buClr>
-                <a:schemeClr val="accent1"/>
-              </a:buClr>
-              <a:buSzPct val="100000"/>
-              <a:buFont typeface="Arial" panose="020B0604020202020204" pitchFamily="34" charset="0"/>
-              <a:buChar char="•"/>
-              <a:defRPr sz="1400" kern="1200" cap="none" baseline="0">
-                <a:solidFill>
-                  <a:schemeClr val="tx1"/>
-                </a:solidFill>
-                <a:effectLst/>
-                <a:latin typeface="+mn-lt"/>
-                <a:ea typeface="+mn-ea"/>
-                <a:cs typeface="+mn-cs"/>
-              </a:defRPr>
-            </a:lvl4pPr>
-            <a:lvl5pPr marL="2057400" indent="-228600" algn="l" defTabSz="914400" rtl="0" eaLnBrk="1" latinLnBrk="0" hangingPunct="1">
-              <a:lnSpc>
-                <a:spcPct val="120000"/>
-              </a:lnSpc>
-              <a:spcBef>
-                <a:spcPts val="500"/>
-              </a:spcBef>
-              <a:buClr>
-                <a:schemeClr val="accent1"/>
-              </a:buClr>
-              <a:buSzPct val="100000"/>
-              <a:buFont typeface="Arial" panose="020B0604020202020204" pitchFamily="34" charset="0"/>
-              <a:buChar char="•"/>
-              <a:defRPr sz="1200" kern="1200">
-                <a:solidFill>
-                  <a:schemeClr val="tx1"/>
-                </a:solidFill>
-                <a:effectLst/>
-                <a:latin typeface="+mn-lt"/>
-                <a:ea typeface="+mn-ea"/>
-                <a:cs typeface="+mn-cs"/>
-              </a:defRPr>
-            </a:lvl5pPr>
-            <a:lvl6pPr marL="2514600" indent="-228600" algn="l" defTabSz="914400" rtl="0" eaLnBrk="1" latinLnBrk="0" hangingPunct="1">
-              <a:lnSpc>
-                <a:spcPct val="120000"/>
-              </a:lnSpc>
-              <a:spcBef>
-                <a:spcPts val="500"/>
-              </a:spcBef>
-              <a:buClr>
-                <a:schemeClr val="accent1"/>
-              </a:buClr>
-              <a:buSzPct val="100000"/>
-              <a:buFont typeface="Arial" panose="020B0604020202020204" pitchFamily="34" charset="0"/>
-              <a:buChar char="•"/>
-              <a:defRPr sz="1200" kern="1200">
-                <a:solidFill>
-                  <a:schemeClr val="tx1"/>
-                </a:solidFill>
-                <a:effectLst/>
-                <a:latin typeface="+mn-lt"/>
-                <a:ea typeface="+mn-ea"/>
-                <a:cs typeface="+mn-cs"/>
-              </a:defRPr>
-            </a:lvl6pPr>
-            <a:lvl7pPr marL="2971800" indent="-228600" algn="l" defTabSz="914400" rtl="0" eaLnBrk="1" latinLnBrk="0" hangingPunct="1">
-              <a:lnSpc>
-                <a:spcPct val="120000"/>
-              </a:lnSpc>
-              <a:spcBef>
-                <a:spcPts val="500"/>
-              </a:spcBef>
-              <a:buClr>
-                <a:schemeClr val="accent1"/>
-              </a:buClr>
-              <a:buSzPct val="100000"/>
-              <a:buFont typeface="Arial" panose="020B0604020202020204" pitchFamily="34" charset="0"/>
-              <a:buChar char="•"/>
-              <a:defRPr sz="1200" kern="1200">
-                <a:solidFill>
-                  <a:schemeClr val="tx1"/>
-                </a:solidFill>
-                <a:effectLst/>
-                <a:latin typeface="+mn-lt"/>
-                <a:ea typeface="+mn-ea"/>
-                <a:cs typeface="+mn-cs"/>
-              </a:defRPr>
-            </a:lvl7pPr>
-            <a:lvl8pPr marL="3429000" indent="-228600" algn="l" defTabSz="914400" rtl="0" eaLnBrk="1" latinLnBrk="0" hangingPunct="1">
-              <a:lnSpc>
-                <a:spcPct val="120000"/>
-              </a:lnSpc>
-              <a:spcBef>
-                <a:spcPts val="500"/>
-              </a:spcBef>
-              <a:buClr>
-                <a:schemeClr val="accent1"/>
-              </a:buClr>
-              <a:buSzPct val="100000"/>
-              <a:buFont typeface="Arial" panose="020B0604020202020204" pitchFamily="34" charset="0"/>
-              <a:buChar char="•"/>
-              <a:defRPr sz="1200" kern="1200" baseline="0">
-                <a:solidFill>
-                  <a:schemeClr val="tx1"/>
-                </a:solidFill>
-                <a:effectLst/>
-                <a:latin typeface="+mn-lt"/>
-                <a:ea typeface="+mn-ea"/>
-                <a:cs typeface="+mn-cs"/>
-              </a:defRPr>
-            </a:lvl8pPr>
-            <a:lvl9pPr marL="3886200" indent="-228600" algn="l" defTabSz="914400" rtl="0" eaLnBrk="1" latinLnBrk="0" hangingPunct="1">
-              <a:lnSpc>
-                <a:spcPct val="120000"/>
-              </a:lnSpc>
-              <a:spcBef>
-                <a:spcPts val="500"/>
-              </a:spcBef>
-              <a:buClr>
-                <a:schemeClr val="accent1"/>
-              </a:buClr>
-              <a:buSzPct val="100000"/>
-              <a:buFont typeface="Arial" panose="020B0604020202020204" pitchFamily="34" charset="0"/>
-              <a:buChar char="•"/>
-              <a:defRPr sz="1200" kern="1200" baseline="0">
-                <a:solidFill>
-                  <a:schemeClr val="tx1"/>
-                </a:solidFill>
-                <a:effectLst/>
-                <a:latin typeface="+mn-lt"/>
-                <a:ea typeface="+mn-ea"/>
-                <a:cs typeface="+mn-cs"/>
-              </a:defRPr>
-            </a:lvl9pPr>
-          </a:lstStyle>
-          <a:p>
-            <a:r>
-              <a:rPr lang="en-US">
-                <a:hlinkClick r:id="rId2"/>
-              </a:rPr>
-              <a:t>https://tree.taiga.io/project/dcifuentesr-capture-the-flag-arsw-2019-2/backlog</a:t>
-            </a:r>
-            <a:endParaRPr lang="en-US" dirty="0"/>
-          </a:p>
-        </p:txBody>
-      </p:sp>
-      <p:sp>
-        <p:nvSpPr>
-          <p:cNvPr id="6" name="Content Placeholder 2">
-            <a:extLst>
-              <a:ext uri="{FF2B5EF4-FFF2-40B4-BE49-F238E27FC236}">
-                <a16:creationId xmlns:a16="http://schemas.microsoft.com/office/drawing/2014/main" id="{E1ECE199-A6AA-45DA-A188-AD6C9192F7D9}"/>
-              </a:ext>
-            </a:extLst>
-          </p:cNvPr>
-          <p:cNvSpPr>
-            <a:spLocks noGrp="1"/>
-          </p:cNvSpPr>
-          <p:nvPr>
-            <p:ph idx="1"/>
-          </p:nvPr>
-        </p:nvSpPr>
-        <p:spPr>
-          <a:xfrm>
-            <a:off x="1603375" y="3389313"/>
-            <a:ext cx="9604375" cy="1157287"/>
-          </a:xfrm>
-        </p:spPr>
-        <p:txBody>
-          <a:bodyPr/>
-          <a:lstStyle/>
-          <a:p>
-            <a:r>
-              <a:rPr lang="en-US" dirty="0">
-                <a:hlinkClick r:id="rId3"/>
-              </a:rPr>
-              <a:t>https://github.com/diego2097/CaptureTheFlag</a:t>
-            </a:r>
-            <a:endParaRPr lang="en-US" dirty="0"/>
-          </a:p>
-        </p:txBody>
-      </p:sp>
-    </p:spTree>
-    <p:extLst>
-      <p:ext uri="{BB962C8B-B14F-4D97-AF65-F5344CB8AC3E}">
-        <p14:creationId xmlns:p14="http://schemas.microsoft.com/office/powerpoint/2010/main" val="2638134818"/>
       </p:ext>
     </p:extLst>
   </p:cSld>
@@ -5603,195 +7677,10 @@
 </p:sld>
 </file>
 
-<file path=ppt/slides/slide8.xml><?xml version="1.0" encoding="utf-8"?>
-<p:sld xmlns:a="http://schemas.openxmlformats.org/drawingml/2006/main" xmlns:r="http://schemas.openxmlformats.org/officeDocument/2006/relationships" xmlns:p="http://schemas.openxmlformats.org/presentationml/2006/main">
-  <p:cSld>
-    <p:spTree>
-      <p:nvGrpSpPr>
-        <p:cNvPr id="1" name=""/>
-        <p:cNvGrpSpPr/>
-        <p:nvPr/>
-      </p:nvGrpSpPr>
-      <p:grpSpPr>
-        <a:xfrm>
-          <a:off x="0" y="0"/>
-          <a:ext cx="0" cy="0"/>
-          <a:chOff x="0" y="0"/>
-          <a:chExt cx="0" cy="0"/>
-        </a:xfrm>
-      </p:grpSpPr>
-      <p:sp>
-        <p:nvSpPr>
-          <p:cNvPr id="2" name="Title 1">
-            <a:extLst>
-              <a:ext uri="{FF2B5EF4-FFF2-40B4-BE49-F238E27FC236}">
-                <a16:creationId xmlns:a16="http://schemas.microsoft.com/office/drawing/2014/main" id="{659C339A-2240-496E-ACCF-3F54DC04E0B9}"/>
-              </a:ext>
-            </a:extLst>
-          </p:cNvPr>
-          <p:cNvSpPr>
-            <a:spLocks noGrp="1"/>
-          </p:cNvSpPr>
-          <p:nvPr>
-            <p:ph type="ctrTitle"/>
-          </p:nvPr>
-        </p:nvSpPr>
-        <p:spPr/>
-        <p:txBody>
-          <a:bodyPr/>
-          <a:lstStyle/>
-          <a:p>
-            <a:r>
-              <a:rPr lang="en-US" dirty="0" err="1"/>
-              <a:t>Atributos</a:t>
-            </a:r>
-            <a:r>
-              <a:rPr lang="en-US" dirty="0"/>
-              <a:t> no </a:t>
-            </a:r>
-            <a:r>
-              <a:rPr lang="en-US" dirty="0" err="1"/>
-              <a:t>funcionales</a:t>
-            </a:r>
-            <a:endParaRPr lang="en-US" dirty="0"/>
-          </a:p>
-        </p:txBody>
-      </p:sp>
-      <p:sp>
-        <p:nvSpPr>
-          <p:cNvPr id="3" name="Subtitle 2">
-            <a:extLst>
-              <a:ext uri="{FF2B5EF4-FFF2-40B4-BE49-F238E27FC236}">
-                <a16:creationId xmlns:a16="http://schemas.microsoft.com/office/drawing/2014/main" id="{CE737434-96E5-4155-8972-A4B68AE7748B}"/>
-              </a:ext>
-            </a:extLst>
-          </p:cNvPr>
-          <p:cNvSpPr>
-            <a:spLocks noGrp="1"/>
-          </p:cNvSpPr>
-          <p:nvPr>
-            <p:ph type="subTitle" idx="1"/>
-          </p:nvPr>
-        </p:nvSpPr>
-        <p:spPr/>
-        <p:txBody>
-          <a:bodyPr/>
-          <a:lstStyle/>
-          <a:p>
-            <a:endParaRPr lang="en-US" dirty="0"/>
-          </a:p>
-        </p:txBody>
-      </p:sp>
-    </p:spTree>
-    <p:extLst>
-      <p:ext uri="{BB962C8B-B14F-4D97-AF65-F5344CB8AC3E}">
-        <p14:creationId xmlns:p14="http://schemas.microsoft.com/office/powerpoint/2010/main" val="2917331588"/>
-      </p:ext>
-    </p:extLst>
-  </p:cSld>
-  <p:clrMapOvr>
-    <a:masterClrMapping/>
-  </p:clrMapOvr>
-</p:sld>
-</file>
-
-<file path=ppt/slides/slide9.xml><?xml version="1.0" encoding="utf-8"?>
-<p:sld xmlns:a="http://schemas.openxmlformats.org/drawingml/2006/main" xmlns:r="http://schemas.openxmlformats.org/officeDocument/2006/relationships" xmlns:p="http://schemas.openxmlformats.org/presentationml/2006/main">
-  <p:cSld>
-    <p:spTree>
-      <p:nvGrpSpPr>
-        <p:cNvPr id="1" name=""/>
-        <p:cNvGrpSpPr/>
-        <p:nvPr/>
-      </p:nvGrpSpPr>
-      <p:grpSpPr>
-        <a:xfrm>
-          <a:off x="0" y="0"/>
-          <a:ext cx="0" cy="0"/>
-          <a:chOff x="0" y="0"/>
-          <a:chExt cx="0" cy="0"/>
-        </a:xfrm>
-      </p:grpSpPr>
-      <p:sp>
-        <p:nvSpPr>
-          <p:cNvPr id="2" name="Title 1">
-            <a:extLst>
-              <a:ext uri="{FF2B5EF4-FFF2-40B4-BE49-F238E27FC236}">
-                <a16:creationId xmlns:a16="http://schemas.microsoft.com/office/drawing/2014/main" id="{0EEBDA85-2AFC-4CD6-AF7C-F05C78469BA8}"/>
-              </a:ext>
-            </a:extLst>
-          </p:cNvPr>
-          <p:cNvSpPr>
-            <a:spLocks noGrp="1"/>
-          </p:cNvSpPr>
-          <p:nvPr>
-            <p:ph type="title"/>
-          </p:nvPr>
-        </p:nvSpPr>
-        <p:spPr>
-          <a:xfrm>
-            <a:off x="1451579" y="966497"/>
-            <a:ext cx="9603275" cy="1049235"/>
-          </a:xfrm>
-        </p:spPr>
-        <p:txBody>
-          <a:bodyPr/>
-          <a:lstStyle/>
-          <a:p>
-            <a:r>
-              <a:rPr lang="en-US" dirty="0"/>
-              <a:t>Performance – </a:t>
-            </a:r>
-            <a:r>
-              <a:rPr lang="en-US" dirty="0" err="1"/>
-              <a:t>latencia</a:t>
-            </a:r>
-            <a:endParaRPr lang="en-US" dirty="0"/>
-          </a:p>
-        </p:txBody>
-      </p:sp>
-      <p:sp>
-        <p:nvSpPr>
-          <p:cNvPr id="3" name="Content Placeholder 2">
-            <a:extLst>
-              <a:ext uri="{FF2B5EF4-FFF2-40B4-BE49-F238E27FC236}">
-                <a16:creationId xmlns:a16="http://schemas.microsoft.com/office/drawing/2014/main" id="{3FCD1077-6C57-42F7-B532-0AE36D6B91EB}"/>
-              </a:ext>
-            </a:extLst>
-          </p:cNvPr>
-          <p:cNvSpPr>
-            <a:spLocks noGrp="1"/>
-          </p:cNvSpPr>
-          <p:nvPr>
-            <p:ph idx="1"/>
-          </p:nvPr>
-        </p:nvSpPr>
-        <p:spPr/>
-        <p:txBody>
-          <a:bodyPr/>
-          <a:lstStyle/>
-          <a:p>
-            <a:endParaRPr lang="en-US" dirty="0"/>
-          </a:p>
-        </p:txBody>
-      </p:sp>
-    </p:spTree>
-    <p:extLst>
-      <p:ext uri="{BB962C8B-B14F-4D97-AF65-F5344CB8AC3E}">
-        <p14:creationId xmlns:p14="http://schemas.microsoft.com/office/powerpoint/2010/main" val="2500036843"/>
-      </p:ext>
-    </p:extLst>
-  </p:cSld>
-  <p:clrMapOvr>
-    <a:masterClrMapping/>
-  </p:clrMapOvr>
-</p:sld>
-</file>
-
 <file path=ppt/theme/theme1.xml><?xml version="1.0" encoding="utf-8"?>
-<a:theme xmlns:a="http://schemas.openxmlformats.org/drawingml/2006/main" name="Gallery">
+<a:theme xmlns:a="http://schemas.openxmlformats.org/drawingml/2006/main" name="Badge">
   <a:themeElements>
-    <a:clrScheme name="Gallery">
+    <a:clrScheme name="Badge">
       <a:dk1>
         <a:sysClr val="windowText" lastClr="000000"/>
       </a:dk1>
@@ -5799,79 +7688,44 @@
         <a:sysClr val="window" lastClr="FFFFFF"/>
       </a:lt1>
       <a:dk2>
-        <a:srgbClr val="454545"/>
+        <a:srgbClr val="2A1A00"/>
       </a:dk2>
       <a:lt2>
-        <a:srgbClr val="DFDBD5"/>
+        <a:srgbClr val="F3F3F2"/>
       </a:lt2>
       <a:accent1>
-        <a:srgbClr val="B71E42"/>
+        <a:srgbClr val="F8B323"/>
       </a:accent1>
       <a:accent2>
-        <a:srgbClr val="DE478E"/>
+        <a:srgbClr val="656A59"/>
       </a:accent2>
       <a:accent3>
-        <a:srgbClr val="BC72F0"/>
+        <a:srgbClr val="46B2B5"/>
       </a:accent3>
       <a:accent4>
-        <a:srgbClr val="795FAF"/>
+        <a:srgbClr val="8CAA7E"/>
       </a:accent4>
       <a:accent5>
-        <a:srgbClr val="586EA6"/>
+        <a:srgbClr val="D36F68"/>
       </a:accent5>
       <a:accent6>
-        <a:srgbClr val="6892A0"/>
+        <a:srgbClr val="826276"/>
       </a:accent6>
       <a:hlink>
-        <a:srgbClr val="FA2B5C"/>
+        <a:srgbClr val="46B2B5"/>
       </a:hlink>
       <a:folHlink>
-        <a:srgbClr val="BC658E"/>
+        <a:srgbClr val="A46694"/>
       </a:folHlink>
     </a:clrScheme>
-    <a:fontScheme name="Gallery">
+    <a:fontScheme name="Badge">
       <a:majorFont>
-        <a:latin typeface="Gill Sans MT" panose="020B0502020104020203"/>
+        <a:latin typeface="Impact" panose="020B0806030902050204"/>
         <a:ea typeface=""/>
         <a:cs typeface=""/>
-        <a:font script="Jpan" typeface="游ゴシック Light"/>
+        <a:font script="Jpan" typeface="メイリオ"/>
         <a:font script="Hang" typeface="맑은 고딕"/>
-        <a:font script="Hans" typeface="等线 Light"/>
-        <a:font script="Hant" typeface="新細明體"/>
-        <a:font script="Arab" typeface="Times New Roman"/>
-        <a:font script="Hebr" typeface="Times New Roman"/>
-        <a:font script="Thai" typeface="Angsana New"/>
-        <a:font script="Ethi" typeface="Nyala"/>
-        <a:font script="Beng" typeface="Vrinda"/>
-        <a:font script="Gujr" typeface="Shruti"/>
-        <a:font script="Khmr" typeface="MoolBoran"/>
-        <a:font script="Knda" typeface="Tunga"/>
-        <a:font script="Guru" typeface="Raavi"/>
-        <a:font script="Cans" typeface="Euphemia"/>
-        <a:font script="Cher" typeface="Plantagenet Cherokee"/>
-        <a:font script="Yiii" typeface="Microsoft Yi Baiti"/>
-        <a:font script="Tibt" typeface="Microsoft Himalaya"/>
-        <a:font script="Thaa" typeface="MV Boli"/>
-        <a:font script="Deva" typeface="Mangal"/>
-        <a:font script="Telu" typeface="Gautami"/>
-        <a:font script="Taml" typeface="Latha"/>
-        <a:font script="Syrc" typeface="Estrangelo Edessa"/>
-        <a:font script="Orya" typeface="Kalinga"/>
-        <a:font script="Mlym" typeface="Kartika"/>
-        <a:font script="Laoo" typeface="DokChampa"/>
-        <a:font script="Sinh" typeface="Iskoola Pota"/>
-        <a:font script="Mong" typeface="Mongolian Baiti"/>
-        <a:font script="Viet" typeface="Times New Roman"/>
-        <a:font script="Uigh" typeface="Microsoft Uighur"/>
-        <a:font script="Geor" typeface="Sylfaen"/>
-      </a:majorFont>
-      <a:minorFont>
-        <a:latin typeface="Gill Sans MT" panose="020B0502020104020203"/>
-        <a:ea typeface=""/>
-        <a:cs typeface=""/>
-        <a:font script="Jpan" typeface="游ゴシック"/>
-        <a:font script="Hang" typeface="맑은 고딕"/>
-        <a:font script="Hans" typeface="等线"/>
+        <a:font script="Hans" typeface="宋体"/>
         <a:font script="Hant" typeface="新細明體"/>
         <a:font script="Arab" typeface="Arial"/>
         <a:font script="Hebr" typeface="Arial"/>
@@ -5899,9 +7753,46 @@
         <a:font script="Viet" typeface="Arial"/>
         <a:font script="Uigh" typeface="Microsoft Uighur"/>
         <a:font script="Geor" typeface="Sylfaen"/>
+      </a:majorFont>
+      <a:minorFont>
+        <a:latin typeface="Gill Sans MT" panose="020B0502020104020203"/>
+        <a:ea typeface=""/>
+        <a:cs typeface=""/>
+        <a:font script="Grek" typeface="Corbel"/>
+        <a:font script="Cyrl" typeface="Corbel"/>
+        <a:font script="Jpan" typeface="メイリオ"/>
+        <a:font script="Hang" typeface="휴먼매직체"/>
+        <a:font script="Hans" typeface="华文中宋"/>
+        <a:font script="Hant" typeface="微軟正黑體"/>
+        <a:font script="Arab" typeface="Majalla UI"/>
+        <a:font script="Hebr" typeface="Arial"/>
+        <a:font script="Thai" typeface="Cordia New"/>
+        <a:font script="Ethi" typeface="Nyala"/>
+        <a:font script="Beng" typeface="Vrinda"/>
+        <a:font script="Gujr" typeface="Shruti"/>
+        <a:font script="Khmr" typeface="DaunPenh"/>
+        <a:font script="Knda" typeface="Tunga"/>
+        <a:font script="Guru" typeface="Raavi"/>
+        <a:font script="Cans" typeface="Euphemia"/>
+        <a:font script="Cher" typeface="Plantagenet Cherokee"/>
+        <a:font script="Yiii" typeface="Microsoft Yi Baiti"/>
+        <a:font script="Tibt" typeface="Microsoft Himalaya"/>
+        <a:font script="Thaa" typeface="MV Boli"/>
+        <a:font script="Deva" typeface="Mangal"/>
+        <a:font script="Telu" typeface="Gautami"/>
+        <a:font script="Taml" typeface="Latha"/>
+        <a:font script="Syrc" typeface="Estrangelo Edessa"/>
+        <a:font script="Orya" typeface="Kalinga"/>
+        <a:font script="Mlym" typeface="Kartika"/>
+        <a:font script="Laoo" typeface="DokChampa"/>
+        <a:font script="Sinh" typeface="Iskoola Pota"/>
+        <a:font script="Mong" typeface="Mongolian Baiti"/>
+        <a:font script="Viet" typeface="Tahoma"/>
+        <a:font script="Uigh" typeface="Microsoft Uighur"/>
+        <a:font script="Geor" typeface="Sylfaen"/>
       </a:minorFont>
     </a:fontScheme>
-    <a:fmtScheme name="Gallery">
+    <a:fmtScheme name="Badge">
       <a:fillStyleLst>
         <a:solidFill>
           <a:schemeClr val="phClr"/>
@@ -5910,18 +7801,23 @@
           <a:gsLst>
             <a:gs pos="0">
               <a:schemeClr val="phClr">
-                <a:tint val="54000"/>
-                <a:alpha val="100000"/>
+                <a:tint val="67000"/>
                 <a:satMod val="105000"/>
                 <a:lumMod val="110000"/>
               </a:schemeClr>
             </a:gs>
+            <a:gs pos="50000">
+              <a:schemeClr val="phClr">
+                <a:tint val="73000"/>
+                <a:satMod val="103000"/>
+                <a:lumMod val="105000"/>
+              </a:schemeClr>
+            </a:gs>
             <a:gs pos="100000">
               <a:schemeClr val="phClr">
-                <a:tint val="78000"/>
-                <a:alpha val="92000"/>
+                <a:tint val="81000"/>
                 <a:satMod val="109000"/>
-                <a:lumMod val="100000"/>
+                <a:lumMod val="105000"/>
               </a:schemeClr>
             </a:gs>
           </a:gsLst>
@@ -5931,23 +7827,23 @@
           <a:gsLst>
             <a:gs pos="0">
               <a:schemeClr val="phClr">
-                <a:tint val="98000"/>
-                <a:satMod val="110000"/>
-                <a:lumMod val="104000"/>
+                <a:tint val="94000"/>
+                <a:satMod val="103000"/>
+                <a:lumMod val="102000"/>
               </a:schemeClr>
             </a:gs>
-            <a:gs pos="69000">
+            <a:gs pos="50000">
               <a:schemeClr val="phClr">
-                <a:shade val="88000"/>
-                <a:satMod val="130000"/>
-                <a:lumMod val="92000"/>
+                <a:shade val="100000"/>
+                <a:satMod val="110000"/>
+                <a:lumMod val="100000"/>
               </a:schemeClr>
             </a:gs>
             <a:gs pos="100000">
               <a:schemeClr val="phClr">
                 <a:shade val="78000"/>
-                <a:satMod val="130000"/>
-                <a:lumMod val="92000"/>
+                <a:satMod val="120000"/>
+                <a:lumMod val="99000"/>
               </a:schemeClr>
             </a:gs>
           </a:gsLst>
@@ -5955,19 +7851,19 @@
         </a:gradFill>
       </a:fillStyleLst>
       <a:lnStyleLst>
-        <a:ln w="9525" cap="flat" cmpd="sng" algn="ctr">
+        <a:ln w="6350" cap="flat" cmpd="sng" algn="in">
           <a:solidFill>
             <a:schemeClr val="phClr"/>
           </a:solidFill>
           <a:prstDash val="solid"/>
         </a:ln>
-        <a:ln w="15875" cap="flat" cmpd="sng" algn="ctr">
+        <a:ln w="12700" cap="flat" cmpd="sng" algn="in">
           <a:solidFill>
             <a:schemeClr val="phClr"/>
           </a:solidFill>
           <a:prstDash val="solid"/>
         </a:ln>
-        <a:ln w="22225" cap="flat" cmpd="sng" algn="ctr">
+        <a:ln w="50800" cap="flat" cmpd="sng" algn="in">
           <a:solidFill>
             <a:schemeClr val="phClr"/>
           </a:solidFill>
@@ -5983,23 +7879,12 @@
         </a:effectStyle>
         <a:effectStyle>
           <a:effectLst>
-            <a:outerShdw blurRad="50800" dist="50800" dir="5400000" sx="96000" sy="96000" rotWithShape="0">
+            <a:outerShdw blurRad="38100" dist="25400" dir="5400000" algn="ctr" rotWithShape="0">
               <a:srgbClr val="000000">
-                <a:alpha val="48000"/>
+                <a:alpha val="25000"/>
               </a:srgbClr>
             </a:outerShdw>
           </a:effectLst>
-          <a:scene3d>
-            <a:camera prst="orthographicFront">
-              <a:rot lat="0" lon="0" rev="0"/>
-            </a:camera>
-            <a:lightRig rig="balanced" dir="t">
-              <a:rot lat="0" lon="0" rev="1080000"/>
-            </a:lightRig>
-          </a:scene3d>
-          <a:sp3d>
-            <a:bevelT w="38100" h="12700" prst="softRound"/>
-          </a:sp3d>
         </a:effectStyle>
       </a:effectStyleLst>
       <a:bgFillStyleLst>
@@ -6007,26 +7892,37 @@
           <a:schemeClr val="phClr"/>
         </a:solidFill>
         <a:solidFill>
-          <a:schemeClr val="phClr"/>
+          <a:schemeClr val="phClr">
+            <a:tint val="95000"/>
+            <a:satMod val="170000"/>
+          </a:schemeClr>
         </a:solidFill>
         <a:gradFill rotWithShape="1">
           <a:gsLst>
             <a:gs pos="0">
               <a:schemeClr val="phClr">
-                <a:tint val="94000"/>
-                <a:satMod val="80000"/>
-                <a:lumMod val="106000"/>
+                <a:tint val="93000"/>
+                <a:shade val="98000"/>
+                <a:satMod val="150000"/>
+                <a:lumMod val="102000"/>
+              </a:schemeClr>
+            </a:gs>
+            <a:gs pos="50000">
+              <a:schemeClr val="phClr">
+                <a:tint val="98000"/>
+                <a:shade val="90000"/>
+                <a:satMod val="130000"/>
+                <a:lumMod val="103000"/>
               </a:schemeClr>
             </a:gs>
             <a:gs pos="100000">
               <a:schemeClr val="phClr">
-                <a:shade val="80000"/>
+                <a:shade val="63000"/>
+                <a:satMod val="120000"/>
               </a:schemeClr>
             </a:gs>
           </a:gsLst>
-          <a:path path="circle">
-            <a:fillToRect l="43000" r="43000" b="100000"/>
-          </a:path>
+          <a:lin ang="5400000" scaled="0"/>
         </a:gradFill>
       </a:bgFillStyleLst>
     </a:fmtScheme>
@@ -6035,7 +7931,7 @@
   <a:extraClrSchemeLst/>
   <a:extLst>
     <a:ext uri="{05A4C25C-085E-4340-85A3-A5531E510DB2}">
-      <thm15:themeFamily xmlns:thm15="http://schemas.microsoft.com/office/thememl/2012/main" name="Gallery" id="{BBFCD31E-59A1-489D-B089-A3EAD7CAE12E}" vid="{F5E91637-A7B6-4E27-B710-77DA7014EE1E}"/>
+      <thm15:themeFamily xmlns:thm15="http://schemas.microsoft.com/office/thememl/2012/main" name="Badge" id="{71A07785-5930-41D4-9A83-E23602B48E98}" vid="{771EA782-DFA6-45B1-AEA3-661F1715B310}"/>
     </a:ext>
   </a:extLst>
 </a:theme>
